--- a/Requirement/specification/CareNest.pptx
+++ b/Requirement/specification/CareNest.pptx
@@ -223,7 +223,7 @@
           <a:p>
             <a:fld id="{D9FB863F-6DA7-4E2C-9AF4-A1919C443414}" type="datetimeFigureOut">
               <a:rPr lang="en-PK" smtClean="0"/>
-              <a:t>11/02/2025</a:t>
+              <a:t>07/03/2025</a:t>
             </a:fld>
             <a:endParaRPr lang="en-PK"/>
           </a:p>
@@ -724,7 +724,7 @@
           <a:p>
             <a:fld id="{FDD5305B-B2D0-43AA-9C84-A120827CAE0A}" type="datetimeFigureOut">
               <a:rPr lang="en-PK" smtClean="0"/>
-              <a:t>11/02/2025</a:t>
+              <a:t>07/03/2025</a:t>
             </a:fld>
             <a:endParaRPr lang="en-PK"/>
           </a:p>
@@ -924,7 +924,7 @@
           <a:p>
             <a:fld id="{FDD5305B-B2D0-43AA-9C84-A120827CAE0A}" type="datetimeFigureOut">
               <a:rPr lang="en-PK" smtClean="0"/>
-              <a:t>11/02/2025</a:t>
+              <a:t>07/03/2025</a:t>
             </a:fld>
             <a:endParaRPr lang="en-PK"/>
           </a:p>
@@ -1134,7 +1134,7 @@
           <a:p>
             <a:fld id="{FDD5305B-B2D0-43AA-9C84-A120827CAE0A}" type="datetimeFigureOut">
               <a:rPr lang="en-PK" smtClean="0"/>
-              <a:t>11/02/2025</a:t>
+              <a:t>07/03/2025</a:t>
             </a:fld>
             <a:endParaRPr lang="en-PK"/>
           </a:p>
@@ -1334,7 +1334,7 @@
           <a:p>
             <a:fld id="{FDD5305B-B2D0-43AA-9C84-A120827CAE0A}" type="datetimeFigureOut">
               <a:rPr lang="en-PK" smtClean="0"/>
-              <a:t>11/02/2025</a:t>
+              <a:t>07/03/2025</a:t>
             </a:fld>
             <a:endParaRPr lang="en-PK"/>
           </a:p>
@@ -1610,7 +1610,7 @@
           <a:p>
             <a:fld id="{FDD5305B-B2D0-43AA-9C84-A120827CAE0A}" type="datetimeFigureOut">
               <a:rPr lang="en-PK" smtClean="0"/>
-              <a:t>11/02/2025</a:t>
+              <a:t>07/03/2025</a:t>
             </a:fld>
             <a:endParaRPr lang="en-PK"/>
           </a:p>
@@ -1878,7 +1878,7 @@
           <a:p>
             <a:fld id="{FDD5305B-B2D0-43AA-9C84-A120827CAE0A}" type="datetimeFigureOut">
               <a:rPr lang="en-PK" smtClean="0"/>
-              <a:t>11/02/2025</a:t>
+              <a:t>07/03/2025</a:t>
             </a:fld>
             <a:endParaRPr lang="en-PK"/>
           </a:p>
@@ -2293,7 +2293,7 @@
           <a:p>
             <a:fld id="{FDD5305B-B2D0-43AA-9C84-A120827CAE0A}" type="datetimeFigureOut">
               <a:rPr lang="en-PK" smtClean="0"/>
-              <a:t>11/02/2025</a:t>
+              <a:t>07/03/2025</a:t>
             </a:fld>
             <a:endParaRPr lang="en-PK"/>
           </a:p>
@@ -2435,7 +2435,7 @@
           <a:p>
             <a:fld id="{FDD5305B-B2D0-43AA-9C84-A120827CAE0A}" type="datetimeFigureOut">
               <a:rPr lang="en-PK" smtClean="0"/>
-              <a:t>11/02/2025</a:t>
+              <a:t>07/03/2025</a:t>
             </a:fld>
             <a:endParaRPr lang="en-PK"/>
           </a:p>
@@ -2548,7 +2548,7 @@
           <a:p>
             <a:fld id="{FDD5305B-B2D0-43AA-9C84-A120827CAE0A}" type="datetimeFigureOut">
               <a:rPr lang="en-PK" smtClean="0"/>
-              <a:t>11/02/2025</a:t>
+              <a:t>07/03/2025</a:t>
             </a:fld>
             <a:endParaRPr lang="en-PK"/>
           </a:p>
@@ -2861,7 +2861,7 @@
           <a:p>
             <a:fld id="{FDD5305B-B2D0-43AA-9C84-A120827CAE0A}" type="datetimeFigureOut">
               <a:rPr lang="en-PK" smtClean="0"/>
-              <a:t>11/02/2025</a:t>
+              <a:t>07/03/2025</a:t>
             </a:fld>
             <a:endParaRPr lang="en-PK"/>
           </a:p>
@@ -3150,7 +3150,7 @@
           <a:p>
             <a:fld id="{FDD5305B-B2D0-43AA-9C84-A120827CAE0A}" type="datetimeFigureOut">
               <a:rPr lang="en-PK" smtClean="0"/>
-              <a:t>11/02/2025</a:t>
+              <a:t>07/03/2025</a:t>
             </a:fld>
             <a:endParaRPr lang="en-PK"/>
           </a:p>
@@ -3393,7 +3393,7 @@
           <a:p>
             <a:fld id="{FDD5305B-B2D0-43AA-9C84-A120827CAE0A}" type="datetimeFigureOut">
               <a:rPr lang="en-PK" smtClean="0"/>
-              <a:t>11/02/2025</a:t>
+              <a:t>07/03/2025</a:t>
             </a:fld>
             <a:endParaRPr lang="en-PK"/>
           </a:p>
@@ -6508,16 +6508,9 @@
             </a:r>
           </a:p>
           <a:p>
-            <a:pPr>
-              <a:buFont typeface="Wingdings" panose="05000000000000000000" pitchFamily="2" charset="2"/>
-              <a:buChar char="q"/>
+            <a:pPr marL="0" indent="0">
+              <a:buNone/>
             </a:pPr>
-            <a:r>
-              <a:rPr lang="en-US" dirty="0"/>
-              <a:t>Battery-Powered Wireless Model – For greater mobility.</a:t>
-            </a:r>
-          </a:p>
-          <a:p>
             <a:endParaRPr lang="en-PK" dirty="0"/>
           </a:p>
         </p:txBody>
@@ -6843,14 +6836,14 @@
             <p:ph idx="1"/>
             <p:extLst>
               <p:ext uri="{D42A27DB-BD31-4B8C-83A1-F6EECF244321}">
-                <p14:modId xmlns:p14="http://schemas.microsoft.com/office/powerpoint/2010/main" val="2257626076"/>
+                <p14:modId xmlns:p14="http://schemas.microsoft.com/office/powerpoint/2010/main" val="3765760661"/>
               </p:ext>
             </p:extLst>
           </p:nvPr>
         </p:nvGraphicFramePr>
         <p:xfrm>
           <a:off x="1981200" y="1989747"/>
-          <a:ext cx="6271846" cy="3578715"/>
+          <a:ext cx="6271846" cy="4294458"/>
         </p:xfrm>
         <a:graphic>
           <a:graphicData uri="http://schemas.openxmlformats.org/drawingml/2006/table">
@@ -7028,6 +7021,79 @@
                     <a:bodyPr/>
                     <a:lstStyle/>
                     <a:p>
+                      <a:pPr marL="0" marR="0" lvl="0" indent="0" algn="ctr" defTabSz="914400" rtl="0" eaLnBrk="1" fontAlgn="auto" latinLnBrk="0" hangingPunct="1">
+                        <a:lnSpc>
+                          <a:spcPct val="100000"/>
+                        </a:lnSpc>
+                        <a:spcBef>
+                          <a:spcPts val="0"/>
+                        </a:spcBef>
+                        <a:spcAft>
+                          <a:spcPts val="0"/>
+                        </a:spcAft>
+                        <a:buClrTx/>
+                        <a:buSzTx/>
+                        <a:buFontTx/>
+                        <a:buNone/>
+                        <a:tabLst/>
+                        <a:defRPr/>
+                      </a:pPr>
+                      <a:r>
+                        <a:rPr lang="en-US" dirty="0"/>
+                        <a:t>EPS 32-cam</a:t>
+                      </a:r>
+                      <a:endParaRPr lang="en-PK" dirty="0"/>
+                    </a:p>
+                    <a:p>
+                      <a:pPr algn="ctr"/>
+                      <a:endParaRPr lang="en-PK" dirty="0"/>
+                    </a:p>
+                  </a:txBody>
+                  <a:tcPr anchor="ctr"/>
+                </a:tc>
+                <a:tc>
+                  <a:txBody>
+                    <a:bodyPr/>
+                    <a:lstStyle/>
+                    <a:p>
+                      <a:pPr marL="0" marR="0" lvl="0" indent="0" algn="ctr" defTabSz="914400" rtl="0" eaLnBrk="1" fontAlgn="auto" latinLnBrk="0" hangingPunct="1">
+                        <a:lnSpc>
+                          <a:spcPct val="100000"/>
+                        </a:lnSpc>
+                        <a:spcBef>
+                          <a:spcPts val="0"/>
+                        </a:spcBef>
+                        <a:spcAft>
+                          <a:spcPts val="0"/>
+                        </a:spcAft>
+                        <a:buClrTx/>
+                        <a:buSzTx/>
+                        <a:buFontTx/>
+                        <a:buNone/>
+                        <a:tabLst/>
+                        <a:defRPr/>
+                      </a:pPr>
+                      <a:r>
+                        <a:rPr lang="en-US" dirty="0"/>
+                        <a:t>Rs 2000</a:t>
+                      </a:r>
+                      <a:endParaRPr lang="en-PK" dirty="0"/>
+                    </a:p>
+                  </a:txBody>
+                  <a:tcPr anchor="ctr"/>
+                </a:tc>
+                <a:extLst>
+                  <a:ext uri="{0D108BD9-81ED-4DB2-BD59-A6C34878D82A}">
+                    <a16:rowId xmlns:a16="http://schemas.microsoft.com/office/drawing/2014/main" val="529182337"/>
+                  </a:ext>
+                </a:extLst>
+              </a:tr>
+              <a:tr h="715743">
+                <a:tc>
+                  <a:txBody>
+                    <a:bodyPr/>
+                    <a:lstStyle/>
+                    <a:p>
                       <a:pPr algn="ctr"/>
                       <a:r>
                         <a:rPr lang="en-US" b="1" dirty="0"/>
@@ -7046,7 +7112,7 @@
                       <a:pPr algn="ctr"/>
                       <a:r>
                         <a:rPr lang="en-US" b="1" dirty="0"/>
-                        <a:t>RS 3500</a:t>
+                        <a:t>RS 5500</a:t>
                       </a:r>
                       <a:endParaRPr lang="en-PK" b="1" dirty="0"/>
                     </a:p>

--- a/Requirement/specification/CareNest.pptx
+++ b/Requirement/specification/CareNest.pptx
@@ -223,7 +223,7 @@
           <a:p>
             <a:fld id="{D9FB863F-6DA7-4E2C-9AF4-A1919C443414}" type="datetimeFigureOut">
               <a:rPr lang="en-PK" smtClean="0"/>
-              <a:t>07/03/2025</a:t>
+              <a:t>07/04/2025</a:t>
             </a:fld>
             <a:endParaRPr lang="en-PK"/>
           </a:p>
@@ -724,7 +724,7 @@
           <a:p>
             <a:fld id="{FDD5305B-B2D0-43AA-9C84-A120827CAE0A}" type="datetimeFigureOut">
               <a:rPr lang="en-PK" smtClean="0"/>
-              <a:t>07/03/2025</a:t>
+              <a:t>07/04/2025</a:t>
             </a:fld>
             <a:endParaRPr lang="en-PK"/>
           </a:p>
@@ -924,7 +924,7 @@
           <a:p>
             <a:fld id="{FDD5305B-B2D0-43AA-9C84-A120827CAE0A}" type="datetimeFigureOut">
               <a:rPr lang="en-PK" smtClean="0"/>
-              <a:t>07/03/2025</a:t>
+              <a:t>07/04/2025</a:t>
             </a:fld>
             <a:endParaRPr lang="en-PK"/>
           </a:p>
@@ -1134,7 +1134,7 @@
           <a:p>
             <a:fld id="{FDD5305B-B2D0-43AA-9C84-A120827CAE0A}" type="datetimeFigureOut">
               <a:rPr lang="en-PK" smtClean="0"/>
-              <a:t>07/03/2025</a:t>
+              <a:t>07/04/2025</a:t>
             </a:fld>
             <a:endParaRPr lang="en-PK"/>
           </a:p>
@@ -1334,7 +1334,7 @@
           <a:p>
             <a:fld id="{FDD5305B-B2D0-43AA-9C84-A120827CAE0A}" type="datetimeFigureOut">
               <a:rPr lang="en-PK" smtClean="0"/>
-              <a:t>07/03/2025</a:t>
+              <a:t>07/04/2025</a:t>
             </a:fld>
             <a:endParaRPr lang="en-PK"/>
           </a:p>
@@ -1610,7 +1610,7 @@
           <a:p>
             <a:fld id="{FDD5305B-B2D0-43AA-9C84-A120827CAE0A}" type="datetimeFigureOut">
               <a:rPr lang="en-PK" smtClean="0"/>
-              <a:t>07/03/2025</a:t>
+              <a:t>07/04/2025</a:t>
             </a:fld>
             <a:endParaRPr lang="en-PK"/>
           </a:p>
@@ -1878,7 +1878,7 @@
           <a:p>
             <a:fld id="{FDD5305B-B2D0-43AA-9C84-A120827CAE0A}" type="datetimeFigureOut">
               <a:rPr lang="en-PK" smtClean="0"/>
-              <a:t>07/03/2025</a:t>
+              <a:t>07/04/2025</a:t>
             </a:fld>
             <a:endParaRPr lang="en-PK"/>
           </a:p>
@@ -2293,7 +2293,7 @@
           <a:p>
             <a:fld id="{FDD5305B-B2D0-43AA-9C84-A120827CAE0A}" type="datetimeFigureOut">
               <a:rPr lang="en-PK" smtClean="0"/>
-              <a:t>07/03/2025</a:t>
+              <a:t>07/04/2025</a:t>
             </a:fld>
             <a:endParaRPr lang="en-PK"/>
           </a:p>
@@ -2435,7 +2435,7 @@
           <a:p>
             <a:fld id="{FDD5305B-B2D0-43AA-9C84-A120827CAE0A}" type="datetimeFigureOut">
               <a:rPr lang="en-PK" smtClean="0"/>
-              <a:t>07/03/2025</a:t>
+              <a:t>07/04/2025</a:t>
             </a:fld>
             <a:endParaRPr lang="en-PK"/>
           </a:p>
@@ -2548,7 +2548,7 @@
           <a:p>
             <a:fld id="{FDD5305B-B2D0-43AA-9C84-A120827CAE0A}" type="datetimeFigureOut">
               <a:rPr lang="en-PK" smtClean="0"/>
-              <a:t>07/03/2025</a:t>
+              <a:t>07/04/2025</a:t>
             </a:fld>
             <a:endParaRPr lang="en-PK"/>
           </a:p>
@@ -2861,7 +2861,7 @@
           <a:p>
             <a:fld id="{FDD5305B-B2D0-43AA-9C84-A120827CAE0A}" type="datetimeFigureOut">
               <a:rPr lang="en-PK" smtClean="0"/>
-              <a:t>07/03/2025</a:t>
+              <a:t>07/04/2025</a:t>
             </a:fld>
             <a:endParaRPr lang="en-PK"/>
           </a:p>
@@ -3150,7 +3150,7 @@
           <a:p>
             <a:fld id="{FDD5305B-B2D0-43AA-9C84-A120827CAE0A}" type="datetimeFigureOut">
               <a:rPr lang="en-PK" smtClean="0"/>
-              <a:t>07/03/2025</a:t>
+              <a:t>07/04/2025</a:t>
             </a:fld>
             <a:endParaRPr lang="en-PK"/>
           </a:p>
@@ -3393,7 +3393,7 @@
           <a:p>
             <a:fld id="{FDD5305B-B2D0-43AA-9C84-A120827CAE0A}" type="datetimeFigureOut">
               <a:rPr lang="en-PK" smtClean="0"/>
-              <a:t>07/03/2025</a:t>
+              <a:t>07/04/2025</a:t>
             </a:fld>
             <a:endParaRPr lang="en-PK"/>
           </a:p>
@@ -4499,10 +4499,10 @@
       </p:grpSpPr>
       <p:pic>
         <p:nvPicPr>
-          <p:cNvPr id="6" name="Picture 5" descr="A diagram of a child cradle&#10;&#10;AI-generated content may be incorrect.">
-            <a:extLst>
-              <a:ext uri="{FF2B5EF4-FFF2-40B4-BE49-F238E27FC236}">
-                <a16:creationId xmlns:a16="http://schemas.microsoft.com/office/drawing/2014/main" id="{E20F90A6-47A1-E660-55D1-804BB5545350}"/>
+          <p:cNvPr id="4" name="Picture 3">
+            <a:extLst>
+              <a:ext uri="{FF2B5EF4-FFF2-40B4-BE49-F238E27FC236}">
+                <a16:creationId xmlns:a16="http://schemas.microsoft.com/office/drawing/2014/main" id="{3E04E0C6-B2A2-1DF7-452F-E2D5AB4CC85A}"/>
               </a:ext>
             </a:extLst>
           </p:cNvPr>
@@ -4519,18 +4519,23 @@
               </a:ext>
             </a:extLst>
           </a:blip>
+          <a:srcRect/>
           <a:stretch>
             <a:fillRect/>
           </a:stretch>
         </p:blipFill>
-        <p:spPr>
+        <p:spPr bwMode="auto">
           <a:xfrm>
-            <a:off x="3756968" y="936625"/>
-            <a:ext cx="5932388" cy="5880100"/>
+            <a:off x="4377447" y="520333"/>
+            <a:ext cx="6577276" cy="6134468"/>
           </a:xfrm>
           <a:prstGeom prst="rect">
             <a:avLst/>
           </a:prstGeom>
+          <a:noFill/>
+          <a:ln>
+            <a:noFill/>
+          </a:ln>
         </p:spPr>
       </p:pic>
       <p:sp>

--- a/Requirement/specification/CareNest.pptx
+++ b/Requirement/specification/CareNest.pptx
@@ -223,7 +223,7 @@
           <a:p>
             <a:fld id="{D9FB863F-6DA7-4E2C-9AF4-A1919C443414}" type="datetimeFigureOut">
               <a:rPr lang="en-PK" smtClean="0"/>
-              <a:t>07/04/2025</a:t>
+              <a:t>07/07/2025</a:t>
             </a:fld>
             <a:endParaRPr lang="en-PK"/>
           </a:p>
@@ -724,7 +724,7 @@
           <a:p>
             <a:fld id="{FDD5305B-B2D0-43AA-9C84-A120827CAE0A}" type="datetimeFigureOut">
               <a:rPr lang="en-PK" smtClean="0"/>
-              <a:t>07/04/2025</a:t>
+              <a:t>07/07/2025</a:t>
             </a:fld>
             <a:endParaRPr lang="en-PK"/>
           </a:p>
@@ -924,7 +924,7 @@
           <a:p>
             <a:fld id="{FDD5305B-B2D0-43AA-9C84-A120827CAE0A}" type="datetimeFigureOut">
               <a:rPr lang="en-PK" smtClean="0"/>
-              <a:t>07/04/2025</a:t>
+              <a:t>07/07/2025</a:t>
             </a:fld>
             <a:endParaRPr lang="en-PK"/>
           </a:p>
@@ -1134,7 +1134,7 @@
           <a:p>
             <a:fld id="{FDD5305B-B2D0-43AA-9C84-A120827CAE0A}" type="datetimeFigureOut">
               <a:rPr lang="en-PK" smtClean="0"/>
-              <a:t>07/04/2025</a:t>
+              <a:t>07/07/2025</a:t>
             </a:fld>
             <a:endParaRPr lang="en-PK"/>
           </a:p>
@@ -1334,7 +1334,7 @@
           <a:p>
             <a:fld id="{FDD5305B-B2D0-43AA-9C84-A120827CAE0A}" type="datetimeFigureOut">
               <a:rPr lang="en-PK" smtClean="0"/>
-              <a:t>07/04/2025</a:t>
+              <a:t>07/07/2025</a:t>
             </a:fld>
             <a:endParaRPr lang="en-PK"/>
           </a:p>
@@ -1610,7 +1610,7 @@
           <a:p>
             <a:fld id="{FDD5305B-B2D0-43AA-9C84-A120827CAE0A}" type="datetimeFigureOut">
               <a:rPr lang="en-PK" smtClean="0"/>
-              <a:t>07/04/2025</a:t>
+              <a:t>07/07/2025</a:t>
             </a:fld>
             <a:endParaRPr lang="en-PK"/>
           </a:p>
@@ -1878,7 +1878,7 @@
           <a:p>
             <a:fld id="{FDD5305B-B2D0-43AA-9C84-A120827CAE0A}" type="datetimeFigureOut">
               <a:rPr lang="en-PK" smtClean="0"/>
-              <a:t>07/04/2025</a:t>
+              <a:t>07/07/2025</a:t>
             </a:fld>
             <a:endParaRPr lang="en-PK"/>
           </a:p>
@@ -2293,7 +2293,7 @@
           <a:p>
             <a:fld id="{FDD5305B-B2D0-43AA-9C84-A120827CAE0A}" type="datetimeFigureOut">
               <a:rPr lang="en-PK" smtClean="0"/>
-              <a:t>07/04/2025</a:t>
+              <a:t>07/07/2025</a:t>
             </a:fld>
             <a:endParaRPr lang="en-PK"/>
           </a:p>
@@ -2435,7 +2435,7 @@
           <a:p>
             <a:fld id="{FDD5305B-B2D0-43AA-9C84-A120827CAE0A}" type="datetimeFigureOut">
               <a:rPr lang="en-PK" smtClean="0"/>
-              <a:t>07/04/2025</a:t>
+              <a:t>07/07/2025</a:t>
             </a:fld>
             <a:endParaRPr lang="en-PK"/>
           </a:p>
@@ -2548,7 +2548,7 @@
           <a:p>
             <a:fld id="{FDD5305B-B2D0-43AA-9C84-A120827CAE0A}" type="datetimeFigureOut">
               <a:rPr lang="en-PK" smtClean="0"/>
-              <a:t>07/04/2025</a:t>
+              <a:t>07/07/2025</a:t>
             </a:fld>
             <a:endParaRPr lang="en-PK"/>
           </a:p>
@@ -2861,7 +2861,7 @@
           <a:p>
             <a:fld id="{FDD5305B-B2D0-43AA-9C84-A120827CAE0A}" type="datetimeFigureOut">
               <a:rPr lang="en-PK" smtClean="0"/>
-              <a:t>07/04/2025</a:t>
+              <a:t>07/07/2025</a:t>
             </a:fld>
             <a:endParaRPr lang="en-PK"/>
           </a:p>
@@ -3150,7 +3150,7 @@
           <a:p>
             <a:fld id="{FDD5305B-B2D0-43AA-9C84-A120827CAE0A}" type="datetimeFigureOut">
               <a:rPr lang="en-PK" smtClean="0"/>
-              <a:t>07/04/2025</a:t>
+              <a:t>07/07/2025</a:t>
             </a:fld>
             <a:endParaRPr lang="en-PK"/>
           </a:p>
@@ -3393,7 +3393,7 @@
           <a:p>
             <a:fld id="{FDD5305B-B2D0-43AA-9C84-A120827CAE0A}" type="datetimeFigureOut">
               <a:rPr lang="en-PK" smtClean="0"/>
-              <a:t>07/04/2025</a:t>
+              <a:t>07/07/2025</a:t>
             </a:fld>
             <a:endParaRPr lang="en-PK"/>
           </a:p>
@@ -4128,7 +4128,26 @@
                 <a:effectLst/>
                 <a:latin typeface="Arial" panose="020B0604020202020204" pitchFamily="34" charset="0"/>
               </a:rPr>
-              <a:t>Sensors: Temperature (IR &amp; Probe), Moisture, AQI, Sound, IR, </a:t>
+              <a:t>Sensors: Temperature (IR &amp; Probe), Moisture, AQI, Sound, </a:t>
+            </a:r>
+            <a:r>
+              <a:rPr lang="en-US" altLang="en-PK" sz="2400" dirty="0">
+                <a:latin typeface="Arial" panose="020B0604020202020204" pitchFamily="34" charset="0"/>
+              </a:rPr>
+              <a:t>ultrasonic</a:t>
+            </a:r>
+            <a:r>
+              <a:rPr kumimoji="0" lang="en-PK" altLang="en-PK" sz="2400" i="0" u="none" strike="noStrike" cap="none" normalizeH="0" baseline="0" dirty="0">
+                <a:ln>
+                  <a:noFill/>
+                </a:ln>
+                <a:solidFill>
+                  <a:schemeClr val="tx1"/>
+                </a:solidFill>
+                <a:effectLst/>
+                <a:latin typeface="Arial" panose="020B0604020202020204" pitchFamily="34" charset="0"/>
+              </a:rPr>
+              <a:t>, </a:t>
             </a:r>
             <a:r>
               <a:rPr lang="en-US" altLang="en-PK" sz="2400" dirty="0">
@@ -9975,16 +9994,12 @@
               <a:buChar char="q"/>
             </a:pPr>
             <a:r>
+              <a:rPr lang="en-US" b="1" dirty="0"/>
+              <a:t>Detect baby’s presence</a:t>
+            </a:r>
+            <a:r>
               <a:rPr lang="en-US" dirty="0"/>
-              <a:t>Develop a </a:t>
-            </a:r>
-            <a:r>
-              <a:rPr lang="en-US" b="1" dirty="0"/>
-              <a:t>smart cradle with sensors</a:t>
-            </a:r>
-            <a:r>
-              <a:rPr lang="en-US" dirty="0"/>
-              <a:t> for monitoring.</a:t>
+              <a:t> using ultrasonic and weight sensors.</a:t>
             </a:r>
           </a:p>
           <a:p>
@@ -9994,11 +10009,11 @@
             </a:pPr>
             <a:r>
               <a:rPr lang="en-US" b="1" dirty="0"/>
-              <a:t>Detect baby’s presence</a:t>
+              <a:t>Monitor baby’s health </a:t>
             </a:r>
             <a:r>
               <a:rPr lang="en-US" dirty="0"/>
-              <a:t> using IR and weight sensors.</a:t>
+              <a:t>with the sensor to avoid risks.</a:t>
             </a:r>
           </a:p>
           <a:p>
@@ -10008,15 +10023,15 @@
             </a:pPr>
             <a:r>
               <a:rPr lang="en-US" dirty="0"/>
-              <a:t>Monitor </a:t>
+              <a:t>Play </a:t>
             </a:r>
             <a:r>
               <a:rPr lang="en-US" b="1" dirty="0"/>
-              <a:t>baby’s body temperature</a:t>
+              <a:t>lullabies automatically</a:t>
             </a:r>
             <a:r>
               <a:rPr lang="en-US" dirty="0"/>
-              <a:t> to avoid health risks.</a:t>
+              <a:t> when it cry.</a:t>
             </a:r>
           </a:p>
           <a:p>
@@ -10026,15 +10041,15 @@
             </a:pPr>
             <a:r>
               <a:rPr lang="en-US" dirty="0"/>
-              <a:t>Detect </a:t>
+              <a:t>Send </a:t>
             </a:r>
             <a:r>
               <a:rPr lang="en-US" b="1" dirty="0"/>
-              <a:t>diaper moisture</a:t>
+              <a:t>real-time notifications</a:t>
             </a:r>
             <a:r>
               <a:rPr lang="en-US" dirty="0"/>
-              <a:t> for timely changes.</a:t>
+              <a:t> to parents.</a:t>
             </a:r>
           </a:p>
           <a:p>
@@ -10044,61 +10059,11 @@
             </a:pPr>
             <a:r>
               <a:rPr lang="en-US" dirty="0"/>
-              <a:t>Monitor </a:t>
+              <a:t>Live </a:t>
             </a:r>
             <a:r>
               <a:rPr lang="en-US" b="1" dirty="0"/>
-              <a:t>air quality</a:t>
-            </a:r>
-            <a:r>
-              <a:rPr lang="en-US" dirty="0"/>
-              <a:t> to ensure a safe environment.</a:t>
-            </a:r>
-          </a:p>
-          <a:p>
-            <a:pPr>
-              <a:buFont typeface="Wingdings" panose="05000000000000000000" pitchFamily="2" charset="2"/>
-              <a:buChar char="q"/>
-            </a:pPr>
-            <a:r>
-              <a:rPr lang="en-US" dirty="0"/>
-              <a:t>Play </a:t>
-            </a:r>
-            <a:r>
-              <a:rPr lang="en-US" b="1" dirty="0"/>
-              <a:t>lullabies automatically</a:t>
-            </a:r>
-            <a:r>
-              <a:rPr lang="en-US" dirty="0"/>
-              <a:t> when noise is too high.</a:t>
-            </a:r>
-          </a:p>
-          <a:p>
-            <a:pPr>
-              <a:buFont typeface="Wingdings" panose="05000000000000000000" pitchFamily="2" charset="2"/>
-              <a:buChar char="q"/>
-            </a:pPr>
-            <a:r>
-              <a:rPr lang="en-US" dirty="0"/>
-              <a:t>Send </a:t>
-            </a:r>
-            <a:r>
-              <a:rPr lang="en-US" b="1" dirty="0"/>
-              <a:t>real-time notifications</a:t>
-            </a:r>
-            <a:r>
-              <a:rPr lang="en-US" dirty="0"/>
-              <a:t> to parents.</a:t>
-            </a:r>
-          </a:p>
-          <a:p>
-            <a:pPr>
-              <a:buFont typeface="Wingdings" panose="05000000000000000000" pitchFamily="2" charset="2"/>
-              <a:buChar char="q"/>
-            </a:pPr>
-            <a:r>
-              <a:rPr lang="en-US" dirty="0"/>
-              <a:t>Live video streaming</a:t>
+              <a:t>video streaming</a:t>
             </a:r>
           </a:p>
           <a:p>

--- a/Requirement/specification/CareNest.pptx
+++ b/Requirement/specification/CareNest.pptx
@@ -223,7 +223,7 @@
           <a:p>
             <a:fld id="{D9FB863F-6DA7-4E2C-9AF4-A1919C443414}" type="datetimeFigureOut">
               <a:rPr lang="en-PK" smtClean="0"/>
-              <a:t>07/07/2025</a:t>
+              <a:t>07/09/2025</a:t>
             </a:fld>
             <a:endParaRPr lang="en-PK"/>
           </a:p>
@@ -535,6 +535,90 @@
           <a:bodyPr/>
           <a:lstStyle/>
           <a:p>
+            <a:endParaRPr lang="en-US" dirty="0"/>
+          </a:p>
+        </p:txBody>
+      </p:sp>
+      <p:sp>
+        <p:nvSpPr>
+          <p:cNvPr id="4" name="Slide Number Placeholder 3"/>
+          <p:cNvSpPr>
+            <a:spLocks noGrp="1"/>
+          </p:cNvSpPr>
+          <p:nvPr>
+            <p:ph type="sldNum" sz="quarter" idx="5"/>
+          </p:nvPr>
+        </p:nvSpPr>
+        <p:spPr/>
+        <p:txBody>
+          <a:bodyPr/>
+          <a:lstStyle/>
+          <a:p>
+            <a:fld id="{A98CEC98-0085-4F7A-80FE-FC9B44690311}" type="slidenum">
+              <a:rPr lang="en-PK" smtClean="0"/>
+              <a:t>13</a:t>
+            </a:fld>
+            <a:endParaRPr lang="en-PK"/>
+          </a:p>
+        </p:txBody>
+      </p:sp>
+    </p:spTree>
+    <p:extLst>
+      <p:ext uri="{BB962C8B-B14F-4D97-AF65-F5344CB8AC3E}">
+        <p14:creationId xmlns:p14="http://schemas.microsoft.com/office/powerpoint/2010/main" val="1987478961"/>
+      </p:ext>
+    </p:extLst>
+  </p:cSld>
+  <p:clrMapOvr>
+    <a:masterClrMapping/>
+  </p:clrMapOvr>
+</p:notes>
+</file>
+
+<file path=ppt/notesSlides/notesSlide2.xml><?xml version="1.0" encoding="utf-8"?>
+<p:notes xmlns:a="http://schemas.openxmlformats.org/drawingml/2006/main" xmlns:r="http://schemas.openxmlformats.org/officeDocument/2006/relationships" xmlns:p="http://schemas.openxmlformats.org/presentationml/2006/main">
+  <p:cSld>
+    <p:spTree>
+      <p:nvGrpSpPr>
+        <p:cNvPr id="1" name=""/>
+        <p:cNvGrpSpPr/>
+        <p:nvPr/>
+      </p:nvGrpSpPr>
+      <p:grpSpPr>
+        <a:xfrm>
+          <a:off x="0" y="0"/>
+          <a:ext cx="0" cy="0"/>
+          <a:chOff x="0" y="0"/>
+          <a:chExt cx="0" cy="0"/>
+        </a:xfrm>
+      </p:grpSpPr>
+      <p:sp>
+        <p:nvSpPr>
+          <p:cNvPr id="2" name="Slide Image Placeholder 1"/>
+          <p:cNvSpPr>
+            <a:spLocks noGrp="1" noRot="1" noChangeAspect="1"/>
+          </p:cNvSpPr>
+          <p:nvPr>
+            <p:ph type="sldImg"/>
+          </p:nvPr>
+        </p:nvSpPr>
+        <p:spPr/>
+      </p:sp>
+      <p:sp>
+        <p:nvSpPr>
+          <p:cNvPr id="3" name="Notes Placeholder 2"/>
+          <p:cNvSpPr>
+            <a:spLocks noGrp="1"/>
+          </p:cNvSpPr>
+          <p:nvPr>
+            <p:ph type="body" idx="1"/>
+          </p:nvPr>
+        </p:nvSpPr>
+        <p:spPr/>
+        <p:txBody>
+          <a:bodyPr/>
+          <a:lstStyle/>
+          <a:p>
             <a:endParaRPr lang="en-PK" dirty="0"/>
           </a:p>
         </p:txBody>
@@ -724,7 +808,7 @@
           <a:p>
             <a:fld id="{FDD5305B-B2D0-43AA-9C84-A120827CAE0A}" type="datetimeFigureOut">
               <a:rPr lang="en-PK" smtClean="0"/>
-              <a:t>07/07/2025</a:t>
+              <a:t>07/09/2025</a:t>
             </a:fld>
             <a:endParaRPr lang="en-PK"/>
           </a:p>
@@ -924,7 +1008,7 @@
           <a:p>
             <a:fld id="{FDD5305B-B2D0-43AA-9C84-A120827CAE0A}" type="datetimeFigureOut">
               <a:rPr lang="en-PK" smtClean="0"/>
-              <a:t>07/07/2025</a:t>
+              <a:t>07/09/2025</a:t>
             </a:fld>
             <a:endParaRPr lang="en-PK"/>
           </a:p>
@@ -1134,7 +1218,7 @@
           <a:p>
             <a:fld id="{FDD5305B-B2D0-43AA-9C84-A120827CAE0A}" type="datetimeFigureOut">
               <a:rPr lang="en-PK" smtClean="0"/>
-              <a:t>07/07/2025</a:t>
+              <a:t>07/09/2025</a:t>
             </a:fld>
             <a:endParaRPr lang="en-PK"/>
           </a:p>
@@ -1334,7 +1418,7 @@
           <a:p>
             <a:fld id="{FDD5305B-B2D0-43AA-9C84-A120827CAE0A}" type="datetimeFigureOut">
               <a:rPr lang="en-PK" smtClean="0"/>
-              <a:t>07/07/2025</a:t>
+              <a:t>07/09/2025</a:t>
             </a:fld>
             <a:endParaRPr lang="en-PK"/>
           </a:p>
@@ -1610,7 +1694,7 @@
           <a:p>
             <a:fld id="{FDD5305B-B2D0-43AA-9C84-A120827CAE0A}" type="datetimeFigureOut">
               <a:rPr lang="en-PK" smtClean="0"/>
-              <a:t>07/07/2025</a:t>
+              <a:t>07/09/2025</a:t>
             </a:fld>
             <a:endParaRPr lang="en-PK"/>
           </a:p>
@@ -1878,7 +1962,7 @@
           <a:p>
             <a:fld id="{FDD5305B-B2D0-43AA-9C84-A120827CAE0A}" type="datetimeFigureOut">
               <a:rPr lang="en-PK" smtClean="0"/>
-              <a:t>07/07/2025</a:t>
+              <a:t>07/09/2025</a:t>
             </a:fld>
             <a:endParaRPr lang="en-PK"/>
           </a:p>
@@ -2293,7 +2377,7 @@
           <a:p>
             <a:fld id="{FDD5305B-B2D0-43AA-9C84-A120827CAE0A}" type="datetimeFigureOut">
               <a:rPr lang="en-PK" smtClean="0"/>
-              <a:t>07/07/2025</a:t>
+              <a:t>07/09/2025</a:t>
             </a:fld>
             <a:endParaRPr lang="en-PK"/>
           </a:p>
@@ -2435,7 +2519,7 @@
           <a:p>
             <a:fld id="{FDD5305B-B2D0-43AA-9C84-A120827CAE0A}" type="datetimeFigureOut">
               <a:rPr lang="en-PK" smtClean="0"/>
-              <a:t>07/07/2025</a:t>
+              <a:t>07/09/2025</a:t>
             </a:fld>
             <a:endParaRPr lang="en-PK"/>
           </a:p>
@@ -2548,7 +2632,7 @@
           <a:p>
             <a:fld id="{FDD5305B-B2D0-43AA-9C84-A120827CAE0A}" type="datetimeFigureOut">
               <a:rPr lang="en-PK" smtClean="0"/>
-              <a:t>07/07/2025</a:t>
+              <a:t>07/09/2025</a:t>
             </a:fld>
             <a:endParaRPr lang="en-PK"/>
           </a:p>
@@ -2861,7 +2945,7 @@
           <a:p>
             <a:fld id="{FDD5305B-B2D0-43AA-9C84-A120827CAE0A}" type="datetimeFigureOut">
               <a:rPr lang="en-PK" smtClean="0"/>
-              <a:t>07/07/2025</a:t>
+              <a:t>07/09/2025</a:t>
             </a:fld>
             <a:endParaRPr lang="en-PK"/>
           </a:p>
@@ -3150,7 +3234,7 @@
           <a:p>
             <a:fld id="{FDD5305B-B2D0-43AA-9C84-A120827CAE0A}" type="datetimeFigureOut">
               <a:rPr lang="en-PK" smtClean="0"/>
-              <a:t>07/07/2025</a:t>
+              <a:t>07/09/2025</a:t>
             </a:fld>
             <a:endParaRPr lang="en-PK"/>
           </a:p>
@@ -3393,7 +3477,7 @@
           <a:p>
             <a:fld id="{FDD5305B-B2D0-43AA-9C84-A120827CAE0A}" type="datetimeFigureOut">
               <a:rPr lang="en-PK" smtClean="0"/>
-              <a:t>07/07/2025</a:t>
+              <a:t>07/09/2025</a:t>
             </a:fld>
             <a:endParaRPr lang="en-PK"/>
           </a:p>
@@ -4833,6 +4917,42 @@
           <a:chExt cx="0" cy="0"/>
         </a:xfrm>
       </p:grpSpPr>
+      <p:pic>
+        <p:nvPicPr>
+          <p:cNvPr id="8" name="Picture 7" descr="A diagram of a company&#10;&#10;AI-generated content may be incorrect.">
+            <a:extLst>
+              <a:ext uri="{FF2B5EF4-FFF2-40B4-BE49-F238E27FC236}">
+                <a16:creationId xmlns:a16="http://schemas.microsoft.com/office/drawing/2014/main" id="{4F3B1EC0-8331-7142-C815-4451317E33A8}"/>
+              </a:ext>
+            </a:extLst>
+          </p:cNvPr>
+          <p:cNvPicPr>
+            <a:picLocks noChangeAspect="1"/>
+          </p:cNvPicPr>
+          <p:nvPr/>
+        </p:nvPicPr>
+        <p:blipFill>
+          <a:blip r:embed="rId3">
+            <a:extLst>
+              <a:ext uri="{28A0092B-C50C-407E-A947-70E740481C1C}">
+                <a14:useLocalDpi xmlns:a14="http://schemas.microsoft.com/office/drawing/2010/main" val="0"/>
+              </a:ext>
+            </a:extLst>
+          </a:blip>
+          <a:stretch>
+            <a:fillRect/>
+          </a:stretch>
+        </p:blipFill>
+        <p:spPr>
+          <a:xfrm>
+            <a:off x="838200" y="759800"/>
+            <a:ext cx="9504372" cy="5733075"/>
+          </a:xfrm>
+          <a:prstGeom prst="rect">
+            <a:avLst/>
+          </a:prstGeom>
+        </p:spPr>
+      </p:pic>
       <p:sp>
         <p:nvSpPr>
           <p:cNvPr id="2" name="Title 1">
@@ -4917,47 +5037,6 @@
           </a:p>
         </p:txBody>
       </p:sp>
-      <p:pic>
-        <p:nvPicPr>
-          <p:cNvPr id="4" name="Picture 3" descr="A diagram of a flowchart&#10;&#10;AI-generated content may be incorrect.">
-            <a:extLst>
-              <a:ext uri="{FF2B5EF4-FFF2-40B4-BE49-F238E27FC236}">
-                <a16:creationId xmlns:a16="http://schemas.microsoft.com/office/drawing/2014/main" id="{27F3E4D9-66D4-1F5E-EAD0-9A89BEA164B3}"/>
-              </a:ext>
-            </a:extLst>
-          </p:cNvPr>
-          <p:cNvPicPr>
-            <a:picLocks noChangeAspect="1"/>
-          </p:cNvPicPr>
-          <p:nvPr/>
-        </p:nvPicPr>
-        <p:blipFill>
-          <a:blip r:embed="rId2" cstate="print">
-            <a:extLst>
-              <a:ext uri="{28A0092B-C50C-407E-A947-70E740481C1C}">
-                <a14:useLocalDpi xmlns:a14="http://schemas.microsoft.com/office/drawing/2010/main" val="0"/>
-              </a:ext>
-            </a:extLst>
-          </a:blip>
-          <a:srcRect/>
-          <a:stretch>
-            <a:fillRect/>
-          </a:stretch>
-        </p:blipFill>
-        <p:spPr bwMode="auto">
-          <a:xfrm>
-            <a:off x="2566914" y="1690688"/>
-            <a:ext cx="7058172" cy="4414543"/>
-          </a:xfrm>
-          <a:prstGeom prst="rect">
-            <a:avLst/>
-          </a:prstGeom>
-          <a:noFill/>
-          <a:ln>
-            <a:noFill/>
-          </a:ln>
-        </p:spPr>
-      </p:pic>
     </p:spTree>
     <p:extLst>
       <p:ext uri="{BB962C8B-B14F-4D97-AF65-F5344CB8AC3E}">

--- a/Requirement/specification/CareNest.pptx
+++ b/Requirement/specification/CareNest.pptx
@@ -5,7 +5,7 @@
     <p:sldMasterId id="2147483648" r:id="rId1"/>
   </p:sldMasterIdLst>
   <p:notesMasterIdLst>
-    <p:notesMasterId r:id="rId29"/>
+    <p:notesMasterId r:id="rId30"/>
   </p:notesMasterIdLst>
   <p:sldIdLst>
     <p:sldId id="256" r:id="rId2"/>
@@ -14,27 +14,28 @@
     <p:sldId id="270" r:id="rId5"/>
     <p:sldId id="272" r:id="rId6"/>
     <p:sldId id="274" r:id="rId7"/>
-    <p:sldId id="275" r:id="rId8"/>
-    <p:sldId id="273" r:id="rId9"/>
-    <p:sldId id="276" r:id="rId10"/>
-    <p:sldId id="279" r:id="rId11"/>
-    <p:sldId id="277" r:id="rId12"/>
-    <p:sldId id="292" r:id="rId13"/>
-    <p:sldId id="293" r:id="rId14"/>
-    <p:sldId id="295" r:id="rId15"/>
-    <p:sldId id="296" r:id="rId16"/>
-    <p:sldId id="280" r:id="rId17"/>
-    <p:sldId id="284" r:id="rId18"/>
-    <p:sldId id="286" r:id="rId19"/>
-    <p:sldId id="281" r:id="rId20"/>
-    <p:sldId id="289" r:id="rId21"/>
-    <p:sldId id="287" r:id="rId22"/>
-    <p:sldId id="262" r:id="rId23"/>
-    <p:sldId id="291" r:id="rId24"/>
-    <p:sldId id="288" r:id="rId25"/>
-    <p:sldId id="282" r:id="rId26"/>
-    <p:sldId id="260" r:id="rId27"/>
-    <p:sldId id="261" r:id="rId28"/>
+    <p:sldId id="297" r:id="rId8"/>
+    <p:sldId id="275" r:id="rId9"/>
+    <p:sldId id="273" r:id="rId10"/>
+    <p:sldId id="276" r:id="rId11"/>
+    <p:sldId id="279" r:id="rId12"/>
+    <p:sldId id="277" r:id="rId13"/>
+    <p:sldId id="292" r:id="rId14"/>
+    <p:sldId id="293" r:id="rId15"/>
+    <p:sldId id="295" r:id="rId16"/>
+    <p:sldId id="296" r:id="rId17"/>
+    <p:sldId id="280" r:id="rId18"/>
+    <p:sldId id="284" r:id="rId19"/>
+    <p:sldId id="286" r:id="rId20"/>
+    <p:sldId id="281" r:id="rId21"/>
+    <p:sldId id="289" r:id="rId22"/>
+    <p:sldId id="287" r:id="rId23"/>
+    <p:sldId id="262" r:id="rId24"/>
+    <p:sldId id="291" r:id="rId25"/>
+    <p:sldId id="288" r:id="rId26"/>
+    <p:sldId id="282" r:id="rId27"/>
+    <p:sldId id="260" r:id="rId28"/>
+    <p:sldId id="261" r:id="rId29"/>
   </p:sldIdLst>
   <p:sldSz cx="12192000" cy="6858000"/>
   <p:notesSz cx="6858000" cy="9144000"/>
@@ -223,7 +224,7 @@
           <a:p>
             <a:fld id="{D9FB863F-6DA7-4E2C-9AF4-A1919C443414}" type="datetimeFigureOut">
               <a:rPr lang="en-PK" smtClean="0"/>
-              <a:t>07/09/2025</a:t>
+              <a:t>07/10/2025</a:t>
             </a:fld>
             <a:endParaRPr lang="en-PK"/>
           </a:p>
@@ -556,7 +557,7 @@
           <a:p>
             <a:fld id="{A98CEC98-0085-4F7A-80FE-FC9B44690311}" type="slidenum">
               <a:rPr lang="en-PK" smtClean="0"/>
-              <a:t>13</a:t>
+              <a:t>14</a:t>
             </a:fld>
             <a:endParaRPr lang="en-PK"/>
           </a:p>
@@ -640,7 +641,7 @@
           <a:p>
             <a:fld id="{A98CEC98-0085-4F7A-80FE-FC9B44690311}" type="slidenum">
               <a:rPr lang="en-PK" smtClean="0"/>
-              <a:t>17</a:t>
+              <a:t>18</a:t>
             </a:fld>
             <a:endParaRPr lang="en-PK"/>
           </a:p>
@@ -808,7 +809,7 @@
           <a:p>
             <a:fld id="{FDD5305B-B2D0-43AA-9C84-A120827CAE0A}" type="datetimeFigureOut">
               <a:rPr lang="en-PK" smtClean="0"/>
-              <a:t>07/09/2025</a:t>
+              <a:t>07/10/2025</a:t>
             </a:fld>
             <a:endParaRPr lang="en-PK"/>
           </a:p>
@@ -1008,7 +1009,7 @@
           <a:p>
             <a:fld id="{FDD5305B-B2D0-43AA-9C84-A120827CAE0A}" type="datetimeFigureOut">
               <a:rPr lang="en-PK" smtClean="0"/>
-              <a:t>07/09/2025</a:t>
+              <a:t>07/10/2025</a:t>
             </a:fld>
             <a:endParaRPr lang="en-PK"/>
           </a:p>
@@ -1218,7 +1219,7 @@
           <a:p>
             <a:fld id="{FDD5305B-B2D0-43AA-9C84-A120827CAE0A}" type="datetimeFigureOut">
               <a:rPr lang="en-PK" smtClean="0"/>
-              <a:t>07/09/2025</a:t>
+              <a:t>07/10/2025</a:t>
             </a:fld>
             <a:endParaRPr lang="en-PK"/>
           </a:p>
@@ -1418,7 +1419,7 @@
           <a:p>
             <a:fld id="{FDD5305B-B2D0-43AA-9C84-A120827CAE0A}" type="datetimeFigureOut">
               <a:rPr lang="en-PK" smtClean="0"/>
-              <a:t>07/09/2025</a:t>
+              <a:t>07/10/2025</a:t>
             </a:fld>
             <a:endParaRPr lang="en-PK"/>
           </a:p>
@@ -1694,7 +1695,7 @@
           <a:p>
             <a:fld id="{FDD5305B-B2D0-43AA-9C84-A120827CAE0A}" type="datetimeFigureOut">
               <a:rPr lang="en-PK" smtClean="0"/>
-              <a:t>07/09/2025</a:t>
+              <a:t>07/10/2025</a:t>
             </a:fld>
             <a:endParaRPr lang="en-PK"/>
           </a:p>
@@ -1962,7 +1963,7 @@
           <a:p>
             <a:fld id="{FDD5305B-B2D0-43AA-9C84-A120827CAE0A}" type="datetimeFigureOut">
               <a:rPr lang="en-PK" smtClean="0"/>
-              <a:t>07/09/2025</a:t>
+              <a:t>07/10/2025</a:t>
             </a:fld>
             <a:endParaRPr lang="en-PK"/>
           </a:p>
@@ -2377,7 +2378,7 @@
           <a:p>
             <a:fld id="{FDD5305B-B2D0-43AA-9C84-A120827CAE0A}" type="datetimeFigureOut">
               <a:rPr lang="en-PK" smtClean="0"/>
-              <a:t>07/09/2025</a:t>
+              <a:t>07/10/2025</a:t>
             </a:fld>
             <a:endParaRPr lang="en-PK"/>
           </a:p>
@@ -2519,7 +2520,7 @@
           <a:p>
             <a:fld id="{FDD5305B-B2D0-43AA-9C84-A120827CAE0A}" type="datetimeFigureOut">
               <a:rPr lang="en-PK" smtClean="0"/>
-              <a:t>07/09/2025</a:t>
+              <a:t>07/10/2025</a:t>
             </a:fld>
             <a:endParaRPr lang="en-PK"/>
           </a:p>
@@ -2632,7 +2633,7 @@
           <a:p>
             <a:fld id="{FDD5305B-B2D0-43AA-9C84-A120827CAE0A}" type="datetimeFigureOut">
               <a:rPr lang="en-PK" smtClean="0"/>
-              <a:t>07/09/2025</a:t>
+              <a:t>07/10/2025</a:t>
             </a:fld>
             <a:endParaRPr lang="en-PK"/>
           </a:p>
@@ -2945,7 +2946,7 @@
           <a:p>
             <a:fld id="{FDD5305B-B2D0-43AA-9C84-A120827CAE0A}" type="datetimeFigureOut">
               <a:rPr lang="en-PK" smtClean="0"/>
-              <a:t>07/09/2025</a:t>
+              <a:t>07/10/2025</a:t>
             </a:fld>
             <a:endParaRPr lang="en-PK"/>
           </a:p>
@@ -3234,7 +3235,7 @@
           <a:p>
             <a:fld id="{FDD5305B-B2D0-43AA-9C84-A120827CAE0A}" type="datetimeFigureOut">
               <a:rPr lang="en-PK" smtClean="0"/>
-              <a:t>07/09/2025</a:t>
+              <a:t>07/10/2025</a:t>
             </a:fld>
             <a:endParaRPr lang="en-PK"/>
           </a:p>
@@ -3477,7 +3478,7 @@
           <a:p>
             <a:fld id="{FDD5305B-B2D0-43AA-9C84-A120827CAE0A}" type="datetimeFigureOut">
               <a:rPr lang="en-PK" smtClean="0"/>
-              <a:t>07/09/2025</a:t>
+              <a:t>07/10/2025</a:t>
             </a:fld>
             <a:endParaRPr lang="en-PK"/>
           </a:p>
@@ -4056,7 +4057,7 @@
                 <a:ea typeface="NSimSun" panose="02010609030101010101" pitchFamily="49" charset="-122"/>
                 <a:cs typeface="Times New Roman" panose="02020603050405020304" pitchFamily="18" charset="0"/>
               </a:rPr>
-              <a:t>2</a:t>
+              <a:t>25</a:t>
             </a:r>
             <a:r>
               <a:rPr lang="en-US" sz="2800" kern="100" dirty="0">
@@ -4065,7 +4066,7 @@
                 <a:ea typeface="NSimSun" panose="02010609030101010101" pitchFamily="49" charset="-122"/>
                 <a:cs typeface="Times New Roman" panose="02020603050405020304" pitchFamily="18" charset="0"/>
               </a:rPr>
-              <a:t>4-FYP-203</a:t>
+              <a:t>-FYP-203</a:t>
             </a:r>
             <a:endParaRPr lang="en-PK" sz="2800" dirty="0"/>
           </a:p>
@@ -4101,6 +4102,200 @@
           <a:chExt cx="0" cy="0"/>
         </a:xfrm>
       </p:grpSpPr>
+      <p:grpSp>
+        <p:nvGrpSpPr>
+          <p:cNvPr id="8" name="Group 7">
+            <a:extLst>
+              <a:ext uri="{FF2B5EF4-FFF2-40B4-BE49-F238E27FC236}">
+                <a16:creationId xmlns:a16="http://schemas.microsoft.com/office/drawing/2014/main" id="{0C3E5370-5EAC-A490-45ED-8202FA33D5EE}"/>
+              </a:ext>
+            </a:extLst>
+          </p:cNvPr>
+          <p:cNvGrpSpPr/>
+          <p:nvPr/>
+        </p:nvGrpSpPr>
+        <p:grpSpPr>
+          <a:xfrm>
+            <a:off x="203200" y="203200"/>
+            <a:ext cx="11785600" cy="6451600"/>
+            <a:chOff x="241300" y="203200"/>
+            <a:chExt cx="11785600" cy="6451600"/>
+          </a:xfrm>
+        </p:grpSpPr>
+        <p:sp>
+          <p:nvSpPr>
+            <p:cNvPr id="9" name="Rectangle 8">
+              <a:extLst>
+                <a:ext uri="{FF2B5EF4-FFF2-40B4-BE49-F238E27FC236}">
+                  <a16:creationId xmlns:a16="http://schemas.microsoft.com/office/drawing/2014/main" id="{790B6AD7-DB2D-8475-1E9E-DA68B80DA42A}"/>
+                </a:ext>
+              </a:extLst>
+            </p:cNvPr>
+            <p:cNvSpPr/>
+            <p:nvPr/>
+          </p:nvSpPr>
+          <p:spPr>
+            <a:xfrm>
+              <a:off x="241300" y="203200"/>
+              <a:ext cx="11785600" cy="6451600"/>
+            </a:xfrm>
+            <a:prstGeom prst="rect">
+              <a:avLst/>
+            </a:prstGeom>
+            <a:solidFill>
+              <a:schemeClr val="tx2">
+                <a:lumMod val="10000"/>
+                <a:lumOff val="90000"/>
+              </a:schemeClr>
+            </a:solidFill>
+            <a:ln w="63500">
+              <a:solidFill>
+                <a:schemeClr val="tx2">
+                  <a:lumMod val="75000"/>
+                  <a:lumOff val="25000"/>
+                </a:schemeClr>
+              </a:solidFill>
+            </a:ln>
+          </p:spPr>
+          <p:style>
+            <a:lnRef idx="2">
+              <a:schemeClr val="accent1">
+                <a:shade val="15000"/>
+              </a:schemeClr>
+            </a:lnRef>
+            <a:fillRef idx="1">
+              <a:schemeClr val="accent1"/>
+            </a:fillRef>
+            <a:effectRef idx="0">
+              <a:schemeClr val="accent1"/>
+            </a:effectRef>
+            <a:fontRef idx="minor">
+              <a:schemeClr val="lt1"/>
+            </a:fontRef>
+          </p:style>
+          <p:txBody>
+            <a:bodyPr rtlCol="0" anchor="ctr"/>
+            <a:lstStyle/>
+            <a:p>
+              <a:pPr algn="ctr"/>
+              <a:endParaRPr lang="en-PK"/>
+            </a:p>
+          </p:txBody>
+        </p:sp>
+        <p:sp>
+          <p:nvSpPr>
+            <p:cNvPr id="10" name="Rectangle 9">
+              <a:extLst>
+                <a:ext uri="{FF2B5EF4-FFF2-40B4-BE49-F238E27FC236}">
+                  <a16:creationId xmlns:a16="http://schemas.microsoft.com/office/drawing/2014/main" id="{FA7F6F8C-9066-40ED-6BE8-D8F8893BEE26}"/>
+                </a:ext>
+              </a:extLst>
+            </p:cNvPr>
+            <p:cNvSpPr/>
+            <p:nvPr/>
+          </p:nvSpPr>
+          <p:spPr>
+            <a:xfrm>
+              <a:off x="241300" y="2766218"/>
+              <a:ext cx="11785600" cy="1325563"/>
+            </a:xfrm>
+            <a:prstGeom prst="rect">
+              <a:avLst/>
+            </a:prstGeom>
+            <a:solidFill>
+              <a:schemeClr val="bg1"/>
+            </a:solidFill>
+          </p:spPr>
+          <p:style>
+            <a:lnRef idx="2">
+              <a:schemeClr val="accent1">
+                <a:shade val="15000"/>
+              </a:schemeClr>
+            </a:lnRef>
+            <a:fillRef idx="1">
+              <a:schemeClr val="accent1"/>
+            </a:fillRef>
+            <a:effectRef idx="0">
+              <a:schemeClr val="accent1"/>
+            </a:effectRef>
+            <a:fontRef idx="minor">
+              <a:schemeClr val="lt1"/>
+            </a:fontRef>
+          </p:style>
+          <p:txBody>
+            <a:bodyPr rtlCol="0" anchor="ctr"/>
+            <a:lstStyle/>
+            <a:p>
+              <a:pPr algn="ctr"/>
+              <a:endParaRPr lang="en-PK"/>
+            </a:p>
+          </p:txBody>
+        </p:sp>
+      </p:grpSp>
+      <p:sp>
+        <p:nvSpPr>
+          <p:cNvPr id="2" name="Title 1">
+            <a:extLst>
+              <a:ext uri="{FF2B5EF4-FFF2-40B4-BE49-F238E27FC236}">
+                <a16:creationId xmlns:a16="http://schemas.microsoft.com/office/drawing/2014/main" id="{3376F6DF-34C4-EFD2-6DD5-16665FC7E584}"/>
+              </a:ext>
+            </a:extLst>
+          </p:cNvPr>
+          <p:cNvSpPr>
+            <a:spLocks noGrp="1"/>
+          </p:cNvSpPr>
+          <p:nvPr>
+            <p:ph type="title"/>
+          </p:nvPr>
+        </p:nvSpPr>
+        <p:spPr>
+          <a:xfrm>
+            <a:off x="3015761" y="2766218"/>
+            <a:ext cx="6160477" cy="1325563"/>
+          </a:xfrm>
+        </p:spPr>
+        <p:txBody>
+          <a:bodyPr/>
+          <a:lstStyle/>
+          <a:p>
+            <a:r>
+              <a:rPr lang="en-US" dirty="0"/>
+              <a:t>SYSTEM ARCHITECTURE</a:t>
+            </a:r>
+            <a:endParaRPr lang="en-PK" dirty="0"/>
+          </a:p>
+        </p:txBody>
+      </p:sp>
+    </p:spTree>
+    <p:extLst>
+      <p:ext uri="{BB962C8B-B14F-4D97-AF65-F5344CB8AC3E}">
+        <p14:creationId xmlns:p14="http://schemas.microsoft.com/office/powerpoint/2010/main" val="3039504091"/>
+      </p:ext>
+    </p:extLst>
+  </p:cSld>
+  <p:clrMapOvr>
+    <a:masterClrMapping/>
+  </p:clrMapOvr>
+</p:sld>
+</file>
+
+<file path=ppt/slides/slide11.xml><?xml version="1.0" encoding="utf-8"?>
+<p:sld xmlns:a="http://schemas.openxmlformats.org/drawingml/2006/main" xmlns:r="http://schemas.openxmlformats.org/officeDocument/2006/relationships" xmlns:p="http://schemas.openxmlformats.org/presentationml/2006/main">
+  <p:cSld>
+    <p:spTree>
+      <p:nvGrpSpPr>
+        <p:cNvPr id="1" name=""/>
+        <p:cNvGrpSpPr/>
+        <p:nvPr/>
+      </p:nvGrpSpPr>
+      <p:grpSpPr>
+        <a:xfrm>
+          <a:off x="0" y="0"/>
+          <a:ext cx="0" cy="0"/>
+          <a:chOff x="0" y="0"/>
+          <a:chExt cx="0" cy="0"/>
+        </a:xfrm>
+      </p:grpSpPr>
       <p:sp>
         <p:nvSpPr>
           <p:cNvPr id="2" name="Title 1">
@@ -4212,7 +4407,7 @@
                 <a:effectLst/>
                 <a:latin typeface="Arial" panose="020B0604020202020204" pitchFamily="34" charset="0"/>
               </a:rPr>
-              <a:t>Sensors: Temperature (IR &amp; Probe), Moisture, AQI, Sound, </a:t>
+              <a:t>Sensors: Temperature (Probe), Moisture, AQI, Sound, </a:t>
             </a:r>
             <a:r>
               <a:rPr lang="en-US" altLang="en-PK" sz="2400" dirty="0">
@@ -4278,6 +4473,29 @@
               </a:rPr>
               <a:t>Camera</a:t>
             </a:r>
+            <a:r>
+              <a:rPr kumimoji="0" lang="en-US" altLang="en-PK" sz="2400" i="0" u="none" strike="noStrike" cap="none" normalizeH="0" baseline="0" dirty="0">
+                <a:ln>
+                  <a:noFill/>
+                </a:ln>
+                <a:solidFill>
+                  <a:schemeClr val="tx1"/>
+                </a:solidFill>
+                <a:effectLst/>
+                <a:latin typeface="Arial" panose="020B0604020202020204" pitchFamily="34" charset="0"/>
+              </a:rPr>
+              <a:t> , Ultrasonic</a:t>
+            </a:r>
+            <a:endParaRPr kumimoji="0" lang="en-PK" altLang="en-PK" sz="2400" i="0" u="none" strike="noStrike" cap="none" normalizeH="0" baseline="0" dirty="0">
+              <a:ln>
+                <a:noFill/>
+              </a:ln>
+              <a:solidFill>
+                <a:schemeClr val="tx1"/>
+              </a:solidFill>
+              <a:effectLst/>
+              <a:latin typeface="Arial" panose="020B0604020202020204" pitchFamily="34" charset="0"/>
+            </a:endParaRPr>
           </a:p>
           <a:p>
             <a:pPr eaLnBrk="0" fontAlgn="base" hangingPunct="0">
@@ -4360,16 +4578,19 @@
               </a:rPr>
               <a:t>ESP32 for processing</a:t>
             </a:r>
-            <a:endParaRPr kumimoji="0" lang="en-US" altLang="en-PK" sz="2400" i="0" u="none" strike="noStrike" cap="none" normalizeH="0" baseline="0" dirty="0">
-              <a:ln>
-                <a:noFill/>
-              </a:ln>
-              <a:solidFill>
-                <a:schemeClr val="tx1"/>
-              </a:solidFill>
-              <a:effectLst/>
-              <a:latin typeface="Arial" panose="020B0604020202020204" pitchFamily="34" charset="0"/>
-            </a:endParaRPr>
+            <a:r>
+              <a:rPr kumimoji="0" lang="en-US" altLang="en-PK" sz="2400" i="0" u="none" strike="noStrike" cap="none" normalizeH="0" baseline="0" dirty="0">
+                <a:ln>
+                  <a:noFill/>
+                </a:ln>
+                <a:solidFill>
+                  <a:schemeClr val="tx1"/>
+                </a:solidFill>
+                <a:effectLst/>
+                <a:latin typeface="Arial" panose="020B0604020202020204" pitchFamily="34" charset="0"/>
+              </a:rPr>
+              <a:t>, ESP32-Cam for live Stream</a:t>
+            </a:r>
           </a:p>
           <a:p>
             <a:pPr marL="0" marR="0" lvl="0" indent="0" algn="l" defTabSz="914400" rtl="0" eaLnBrk="0" fontAlgn="base" latinLnBrk="0" hangingPunct="0">
@@ -4429,6 +4650,63 @@
             </a:r>
           </a:p>
           <a:p>
+            <a:pPr lvl="0" eaLnBrk="0" fontAlgn="base" hangingPunct="0">
+              <a:lnSpc>
+                <a:spcPct val="100000"/>
+              </a:lnSpc>
+              <a:spcBef>
+                <a:spcPct val="0"/>
+              </a:spcBef>
+              <a:spcAft>
+                <a:spcPct val="0"/>
+              </a:spcAft>
+              <a:buFont typeface="Wingdings" panose="05000000000000000000" pitchFamily="2" charset="2"/>
+              <a:buChar char="q"/>
+            </a:pPr>
+            <a:r>
+              <a:rPr kumimoji="0" lang="en-PK" altLang="en-PK" sz="2400" i="0" u="none" strike="noStrike" cap="none" normalizeH="0" baseline="0" dirty="0">
+                <a:ln>
+                  <a:noFill/>
+                </a:ln>
+                <a:solidFill>
+                  <a:schemeClr val="tx1"/>
+                </a:solidFill>
+                <a:effectLst/>
+                <a:latin typeface="Arial" panose="020B0604020202020204" pitchFamily="34" charset="0"/>
+              </a:rPr>
+              <a:t>Mobile App: Flutter</a:t>
+            </a:r>
+            <a:r>
+              <a:rPr kumimoji="0" lang="en-US" altLang="en-PK" sz="2400" i="0" u="none" strike="noStrike" cap="none" normalizeH="0" baseline="0" dirty="0">
+                <a:ln>
+                  <a:noFill/>
+                </a:ln>
+                <a:solidFill>
+                  <a:schemeClr val="tx1"/>
+                </a:solidFill>
+                <a:effectLst/>
+                <a:latin typeface="Arial" panose="020B0604020202020204" pitchFamily="34" charset="0"/>
+              </a:rPr>
+              <a:t>, Figma, Dart</a:t>
+            </a:r>
+            <a:r>
+              <a:rPr lang="en-US" altLang="en-PK" sz="2400" dirty="0">
+                <a:latin typeface="Arial" panose="020B0604020202020204" pitchFamily="34" charset="0"/>
+              </a:rPr>
+              <a:t>, Android studio </a:t>
+            </a:r>
+            <a:endParaRPr kumimoji="0" lang="en-US" altLang="en-PK" sz="2400" i="0" u="none" strike="noStrike" cap="none" normalizeH="0" baseline="0" dirty="0">
+              <a:ln>
+                <a:noFill/>
+              </a:ln>
+              <a:solidFill>
+                <a:schemeClr val="tx1"/>
+              </a:solidFill>
+              <a:effectLst/>
+              <a:latin typeface="Arial" panose="020B0604020202020204" pitchFamily="34" charset="0"/>
+            </a:endParaRPr>
+          </a:p>
+          <a:p>
             <a:pPr marR="0" lvl="0" algn="l" defTabSz="914400" rtl="0" eaLnBrk="0" fontAlgn="base" latinLnBrk="0" hangingPunct="0">
               <a:lnSpc>
                 <a:spcPct val="100000"/>
@@ -4446,19 +4724,6 @@
               <a:tabLst/>
             </a:pPr>
             <a:r>
-              <a:rPr kumimoji="0" lang="en-PK" altLang="en-PK" sz="2400" i="0" u="none" strike="noStrike" cap="none" normalizeH="0" baseline="0" dirty="0">
-                <a:ln>
-                  <a:noFill/>
-                </a:ln>
-                <a:solidFill>
-                  <a:schemeClr val="tx1"/>
-                </a:solidFill>
-                <a:effectLst/>
-                <a:latin typeface="Arial" panose="020B0604020202020204" pitchFamily="34" charset="0"/>
-              </a:rPr>
-              <a:t>Mobile App: Flutter</a:t>
-            </a:r>
-            <a:r>
               <a:rPr kumimoji="0" lang="en-US" altLang="en-PK" sz="2400" i="0" u="none" strike="noStrike" cap="none" normalizeH="0" baseline="0" dirty="0">
                 <a:ln>
                   <a:noFill/>
@@ -4469,7 +4734,7 @@
                 <a:effectLst/>
                 <a:latin typeface="Arial" panose="020B0604020202020204" pitchFamily="34" charset="0"/>
               </a:rPr>
-              <a:t> </a:t>
+              <a:t>Database: Firebase NoSQL</a:t>
             </a:r>
           </a:p>
           <a:p>
@@ -4500,7 +4765,7 @@
                 <a:effectLst/>
                 <a:latin typeface="Arial" panose="020B0604020202020204" pitchFamily="34" charset="0"/>
               </a:rPr>
-              <a:t>Database: Firebase NoSQL</a:t>
+              <a:t>Hardware Coding: PlateformIO, Arduino IDE</a:t>
             </a:r>
             <a:endParaRPr kumimoji="0" lang="en-PK" altLang="en-PK" sz="2400" i="0" u="none" strike="noStrike" cap="none" normalizeH="0" baseline="0" dirty="0">
               <a:ln>
@@ -4583,7 +4848,7 @@
 </p:sld>
 </file>
 
-<file path=ppt/slides/slide11.xml><?xml version="1.0" encoding="utf-8"?>
+<file path=ppt/slides/slide12.xml><?xml version="1.0" encoding="utf-8"?>
 <p:sld xmlns:a="http://schemas.openxmlformats.org/drawingml/2006/main" xmlns:r="http://schemas.openxmlformats.org/officeDocument/2006/relationships" xmlns:p="http://schemas.openxmlformats.org/presentationml/2006/main">
   <p:cSld>
     <p:spTree>
@@ -4629,8 +4894,8 @@
         </p:blipFill>
         <p:spPr bwMode="auto">
           <a:xfrm>
-            <a:off x="4377447" y="520333"/>
-            <a:ext cx="6577276" cy="6134468"/>
+            <a:off x="3706238" y="121980"/>
+            <a:ext cx="7490297" cy="6986021"/>
           </a:xfrm>
           <a:prstGeom prst="rect">
             <a:avLst/>
@@ -4738,7 +5003,7 @@
 </p:sld>
 </file>
 
-<file path=ppt/slides/slide12.xml><?xml version="1.0" encoding="utf-8"?>
+<file path=ppt/slides/slide13.xml><?xml version="1.0" encoding="utf-8"?>
 <p:sld xmlns:a="http://schemas.openxmlformats.org/drawingml/2006/main" xmlns:r="http://schemas.openxmlformats.org/officeDocument/2006/relationships" xmlns:p="http://schemas.openxmlformats.org/presentationml/2006/main">
   <p:cSld>
     <p:spTree>
@@ -4894,7 +5159,7 @@
 </p:sld>
 </file>
 
-<file path=ppt/slides/slide13.xml><?xml version="1.0" encoding="utf-8"?>
+<file path=ppt/slides/slide14.xml><?xml version="1.0" encoding="utf-8"?>
 <p:sld xmlns:a="http://schemas.openxmlformats.org/drawingml/2006/main" xmlns:r="http://schemas.openxmlformats.org/officeDocument/2006/relationships" xmlns:p="http://schemas.openxmlformats.org/presentationml/2006/main">
   <p:cSld>
     <p:spTree>
@@ -5050,7 +5315,7 @@
 </p:sld>
 </file>
 
-<file path=ppt/slides/slide14.xml><?xml version="1.0" encoding="utf-8"?>
+<file path=ppt/slides/slide15.xml><?xml version="1.0" encoding="utf-8"?>
 <p:sld xmlns:a="http://schemas.openxmlformats.org/drawingml/2006/main" xmlns:r="http://schemas.openxmlformats.org/officeDocument/2006/relationships" xmlns:p="http://schemas.openxmlformats.org/presentationml/2006/main">
   <p:cSld>
     <p:spTree>
@@ -5211,7 +5476,7 @@
 </p:sld>
 </file>
 
-<file path=ppt/slides/slide15.xml><?xml version="1.0" encoding="utf-8"?>
+<file path=ppt/slides/slide16.xml><?xml version="1.0" encoding="utf-8"?>
 <p:sld xmlns:a="http://schemas.openxmlformats.org/drawingml/2006/main" xmlns:r="http://schemas.openxmlformats.org/officeDocument/2006/relationships" xmlns:p="http://schemas.openxmlformats.org/presentationml/2006/main">
   <p:cSld>
     <p:spTree>
@@ -5372,7 +5637,7 @@
 </p:sld>
 </file>
 
-<file path=ppt/slides/slide16.xml><?xml version="1.0" encoding="utf-8"?>
+<file path=ppt/slides/slide17.xml><?xml version="1.0" encoding="utf-8"?>
 <p:sld xmlns:a="http://schemas.openxmlformats.org/drawingml/2006/main" xmlns:r="http://schemas.openxmlformats.org/officeDocument/2006/relationships" xmlns:p="http://schemas.openxmlformats.org/presentationml/2006/main">
   <p:cSld>
     <p:spTree>
@@ -5569,7 +5834,7 @@
 </p:sld>
 </file>
 
-<file path=ppt/slides/slide17.xml><?xml version="1.0" encoding="utf-8"?>
+<file path=ppt/slides/slide18.xml><?xml version="1.0" encoding="utf-8"?>
 <p:sld xmlns:a="http://schemas.openxmlformats.org/drawingml/2006/main" xmlns:r="http://schemas.openxmlformats.org/officeDocument/2006/relationships" xmlns:p="http://schemas.openxmlformats.org/presentationml/2006/main">
   <p:cSld>
     <p:spTree>
@@ -5763,7 +6028,7 @@
 </p:sld>
 </file>
 
-<file path=ppt/slides/slide18.xml><?xml version="1.0" encoding="utf-8"?>
+<file path=ppt/slides/slide19.xml><?xml version="1.0" encoding="utf-8"?>
 <p:sld xmlns:a="http://schemas.openxmlformats.org/drawingml/2006/main" xmlns:r="http://schemas.openxmlformats.org/officeDocument/2006/relationships" xmlns:p="http://schemas.openxmlformats.org/presentationml/2006/main">
   <p:cSld>
     <p:spTree>
@@ -5957,7 +6222,7 @@
 </p:sld>
 </file>
 
-<file path=ppt/slides/slide19.xml><?xml version="1.0" encoding="utf-8"?>
+<file path=ppt/slides/slide2.xml><?xml version="1.0" encoding="utf-8"?>
 <p:sld xmlns:a="http://schemas.openxmlformats.org/drawingml/2006/main" xmlns:r="http://schemas.openxmlformats.org/officeDocument/2006/relationships" xmlns:p="http://schemas.openxmlformats.org/presentationml/2006/main">
   <p:cSld>
     <p:spTree>
@@ -5976,39 +6241,10 @@
       </p:grpSpPr>
       <p:sp>
         <p:nvSpPr>
-          <p:cNvPr id="2" name="Title 1">
-            <a:extLst>
-              <a:ext uri="{FF2B5EF4-FFF2-40B4-BE49-F238E27FC236}">
-                <a16:creationId xmlns:a16="http://schemas.microsoft.com/office/drawing/2014/main" id="{A049C0A6-D903-4501-6D0C-1380C13610BD}"/>
-              </a:ext>
-            </a:extLst>
-          </p:cNvPr>
-          <p:cNvSpPr>
-            <a:spLocks noGrp="1"/>
-          </p:cNvSpPr>
-          <p:nvPr>
-            <p:ph type="title"/>
-          </p:nvPr>
-        </p:nvSpPr>
-        <p:spPr/>
-        <p:txBody>
-          <a:bodyPr/>
-          <a:lstStyle/>
-          <a:p>
-            <a:r>
-              <a:rPr lang="en-US" dirty="0"/>
-              <a:t>Challenges &amp; Future Enhancements</a:t>
-            </a:r>
-            <a:endParaRPr lang="en-PK" dirty="0"/>
-          </a:p>
-        </p:txBody>
-      </p:sp>
-      <p:sp>
-        <p:nvSpPr>
           <p:cNvPr id="3" name="Content Placeholder 2">
             <a:extLst>
               <a:ext uri="{FF2B5EF4-FFF2-40B4-BE49-F238E27FC236}">
-                <a16:creationId xmlns:a16="http://schemas.microsoft.com/office/drawing/2014/main" id="{D9A5032D-CB7B-71AA-FD84-EA8ADC79C9E7}"/>
+                <a16:creationId xmlns:a16="http://schemas.microsoft.com/office/drawing/2014/main" id="{AB34F7E5-F326-AED0-A6D5-8C05245A72CA}"/>
               </a:ext>
             </a:extLst>
           </p:cNvPr>
@@ -6019,71 +6255,256 @@
             <p:ph idx="1"/>
           </p:nvPr>
         </p:nvSpPr>
-        <p:spPr/>
+        <p:spPr>
+          <a:xfrm>
+            <a:off x="838200" y="722364"/>
+            <a:ext cx="10515600" cy="5649407"/>
+          </a:xfrm>
+        </p:spPr>
         <p:txBody>
           <a:bodyPr>
             <a:normAutofit/>
           </a:bodyPr>
           <a:lstStyle/>
           <a:p>
-            <a:pPr marL="0" indent="0">
+            <a:pPr marL="0" indent="0" algn="ctr">
               <a:buNone/>
             </a:pPr>
-            <a:r>
-              <a:rPr lang="en-US" b="1" dirty="0"/>
-              <a:t>Challenges:</a:t>
-            </a:r>
-          </a:p>
-          <a:p>
-            <a:pPr marL="0" indent="0">
+            <a:endParaRPr lang="en-US" sz="2000" b="1" kern="100" dirty="0">
+              <a:effectLst/>
+              <a:latin typeface="Times New Roman" panose="02020603050405020304" pitchFamily="18" charset="0"/>
+              <a:ea typeface="NSimSun" panose="02010609030101010101" pitchFamily="49" charset="-122"/>
+              <a:cs typeface="Times New Roman" panose="02020603050405020304" pitchFamily="18" charset="0"/>
+            </a:endParaRPr>
+          </a:p>
+          <a:p>
+            <a:pPr marL="0" indent="0" algn="ctr">
               <a:buNone/>
             </a:pPr>
-            <a:endParaRPr lang="en-US" b="1" dirty="0"/>
-          </a:p>
-          <a:p>
-            <a:pPr>
-              <a:buFont typeface="Wingdings" panose="05000000000000000000" pitchFamily="2" charset="2"/>
-              <a:buChar char="q"/>
-            </a:pPr>
-            <a:r>
-              <a:rPr lang="en-US" dirty="0"/>
-              <a:t>Sensor Calibration Issues – Ensuring accuracy.</a:t>
-            </a:r>
-          </a:p>
-          <a:p>
-            <a:pPr>
-              <a:buFont typeface="Wingdings" panose="05000000000000000000" pitchFamily="2" charset="2"/>
-              <a:buChar char="q"/>
-            </a:pPr>
-            <a:r>
-              <a:rPr lang="en-US" dirty="0"/>
-              <a:t>Power Consumption – Optimizing energy efficiency.</a:t>
-            </a:r>
-          </a:p>
-          <a:p>
-            <a:pPr>
-              <a:buFont typeface="Wingdings" panose="05000000000000000000" pitchFamily="2" charset="2"/>
-              <a:buChar char="q"/>
-            </a:pPr>
-            <a:r>
-              <a:rPr lang="en-US" dirty="0"/>
-              <a:t>Network Dependency – Reducing reliance on the internet.</a:t>
-            </a:r>
-          </a:p>
-          <a:p>
-            <a:pPr marL="0" indent="0">
+            <a:r>
+              <a:rPr lang="en-US" b="1" kern="100" dirty="0">
+                <a:effectLst/>
+                <a:latin typeface="Times New Roman" panose="02020603050405020304" pitchFamily="18" charset="0"/>
+                <a:ea typeface="NSimSun" panose="02010609030101010101" pitchFamily="49" charset="-122"/>
+                <a:cs typeface="Times New Roman" panose="02020603050405020304" pitchFamily="18" charset="0"/>
+              </a:rPr>
+              <a:t>SUPERVISED BY</a:t>
+            </a:r>
+            <a:endParaRPr lang="en-PK" kern="100" dirty="0">
+              <a:effectLst/>
+              <a:latin typeface="Times New Roman" panose="02020603050405020304" pitchFamily="18" charset="0"/>
+              <a:ea typeface="NSimSun" panose="02010609030101010101" pitchFamily="49" charset="-122"/>
+              <a:cs typeface="Lucida Sans" panose="020B0602030504020204" pitchFamily="34" charset="0"/>
+            </a:endParaRPr>
+          </a:p>
+          <a:p>
+            <a:pPr marL="0" indent="0" algn="ctr">
               <a:buNone/>
             </a:pPr>
-            <a:endParaRPr lang="en-US" dirty="0"/>
+            <a:r>
+              <a:rPr lang="en-US" sz="2400" kern="100" dirty="0">
+                <a:effectLst/>
+                <a:latin typeface="Times New Roman" panose="02020603050405020304" pitchFamily="18" charset="0"/>
+                <a:ea typeface="NSimSun" panose="02010609030101010101" pitchFamily="49" charset="-122"/>
+                <a:cs typeface="Times New Roman" panose="02020603050405020304" pitchFamily="18" charset="0"/>
+              </a:rPr>
+              <a:t>Mr. Abdul Qadeer</a:t>
+            </a:r>
+            <a:endParaRPr lang="en-PK" sz="2400" kern="100" dirty="0">
+              <a:effectLst/>
+              <a:latin typeface="Times New Roman" panose="02020603050405020304" pitchFamily="18" charset="0"/>
+              <a:ea typeface="NSimSun" panose="02010609030101010101" pitchFamily="49" charset="-122"/>
+              <a:cs typeface="Lucida Sans" panose="020B0602030504020204" pitchFamily="34" charset="0"/>
+            </a:endParaRPr>
+          </a:p>
+          <a:p>
+            <a:pPr marL="0" indent="0" algn="ctr">
+              <a:buNone/>
+            </a:pPr>
+            <a:r>
+              <a:rPr lang="en-US" sz="2000" kern="100" dirty="0">
+                <a:effectLst/>
+                <a:latin typeface="Times New Roman" panose="02020603050405020304" pitchFamily="18" charset="0"/>
+                <a:ea typeface="NSimSun" panose="02010609030101010101" pitchFamily="49" charset="-122"/>
+                <a:cs typeface="Times New Roman" panose="02020603050405020304" pitchFamily="18" charset="0"/>
+              </a:rPr>
+              <a:t> </a:t>
+            </a:r>
+            <a:endParaRPr lang="en-PK" sz="2000" kern="100" dirty="0">
+              <a:effectLst/>
+              <a:latin typeface="Times New Roman" panose="02020603050405020304" pitchFamily="18" charset="0"/>
+              <a:ea typeface="NSimSun" panose="02010609030101010101" pitchFamily="49" charset="-122"/>
+              <a:cs typeface="Lucida Sans" panose="020B0602030504020204" pitchFamily="34" charset="0"/>
+            </a:endParaRPr>
+          </a:p>
+          <a:p>
+            <a:pPr marL="0" indent="0" algn="ctr">
+              <a:buNone/>
+            </a:pPr>
+            <a:r>
+              <a:rPr lang="en-US" sz="2400" b="1" kern="100" dirty="0">
+                <a:effectLst/>
+                <a:latin typeface="Times New Roman" panose="02020603050405020304" pitchFamily="18" charset="0"/>
+                <a:ea typeface="NSimSun" panose="02010609030101010101" pitchFamily="49" charset="-122"/>
+                <a:cs typeface="Times New Roman" panose="02020603050405020304" pitchFamily="18" charset="0"/>
+              </a:rPr>
+              <a:t>CO-SUPERVISED BY</a:t>
+            </a:r>
+            <a:endParaRPr lang="en-PK" sz="2400" kern="100" dirty="0">
+              <a:effectLst/>
+              <a:latin typeface="Times New Roman" panose="02020603050405020304" pitchFamily="18" charset="0"/>
+              <a:ea typeface="NSimSun" panose="02010609030101010101" pitchFamily="49" charset="-122"/>
+              <a:cs typeface="Lucida Sans" panose="020B0602030504020204" pitchFamily="34" charset="0"/>
+            </a:endParaRPr>
+          </a:p>
+          <a:p>
+            <a:pPr marL="0" indent="0" algn="ctr">
+              <a:buNone/>
+            </a:pPr>
+            <a:r>
+              <a:rPr lang="en-US" sz="2400" kern="100" dirty="0">
+                <a:effectLst/>
+                <a:latin typeface="Times New Roman" panose="02020603050405020304" pitchFamily="18" charset="0"/>
+                <a:ea typeface="NSimSun" panose="02010609030101010101" pitchFamily="49" charset="-122"/>
+                <a:cs typeface="Times New Roman" panose="02020603050405020304" pitchFamily="18" charset="0"/>
+              </a:rPr>
+              <a:t>Miss Sana Ikram</a:t>
+            </a:r>
+            <a:endParaRPr lang="en-PK" sz="2400" kern="100" dirty="0">
+              <a:effectLst/>
+              <a:latin typeface="Times New Roman" panose="02020603050405020304" pitchFamily="18" charset="0"/>
+              <a:ea typeface="NSimSun" panose="02010609030101010101" pitchFamily="49" charset="-122"/>
+              <a:cs typeface="Lucida Sans" panose="020B0602030504020204" pitchFamily="34" charset="0"/>
+            </a:endParaRPr>
+          </a:p>
+          <a:p>
+            <a:pPr marL="0" indent="0" algn="ctr">
+              <a:buNone/>
+            </a:pPr>
+            <a:r>
+              <a:rPr lang="en-US" sz="2000" kern="100" dirty="0">
+                <a:effectLst/>
+                <a:latin typeface="Times New Roman" panose="02020603050405020304" pitchFamily="18" charset="0"/>
+                <a:ea typeface="NSimSun" panose="02010609030101010101" pitchFamily="49" charset="-122"/>
+                <a:cs typeface="Times New Roman" panose="02020603050405020304" pitchFamily="18" charset="0"/>
+              </a:rPr>
+              <a:t> </a:t>
+            </a:r>
+            <a:endParaRPr lang="en-US" sz="2000" b="1" kern="100" dirty="0">
+              <a:effectLst/>
+              <a:latin typeface="Times New Roman" panose="02020603050405020304" pitchFamily="18" charset="0"/>
+              <a:ea typeface="NSimSun" panose="02010609030101010101" pitchFamily="49" charset="-122"/>
+              <a:cs typeface="Times New Roman" panose="02020603050405020304" pitchFamily="18" charset="0"/>
+            </a:endParaRPr>
+          </a:p>
+          <a:p>
+            <a:pPr marL="0" indent="0" algn="ctr">
+              <a:buNone/>
+            </a:pPr>
+            <a:r>
+              <a:rPr lang="en-US" sz="2000" b="1" kern="100" dirty="0">
+                <a:effectLst/>
+                <a:latin typeface="Times New Roman" panose="02020603050405020304" pitchFamily="18" charset="0"/>
+                <a:ea typeface="NSimSun" panose="02010609030101010101" pitchFamily="49" charset="-122"/>
+                <a:cs typeface="Times New Roman" panose="02020603050405020304" pitchFamily="18" charset="0"/>
+              </a:rPr>
+              <a:t>SUBMITTED BY</a:t>
+            </a:r>
+            <a:endParaRPr lang="en-PK" sz="2000" kern="100" dirty="0">
+              <a:effectLst/>
+              <a:latin typeface="Times New Roman" panose="02020603050405020304" pitchFamily="18" charset="0"/>
+              <a:ea typeface="NSimSun" panose="02010609030101010101" pitchFamily="49" charset="-122"/>
+              <a:cs typeface="Lucida Sans" panose="020B0602030504020204" pitchFamily="34" charset="0"/>
+            </a:endParaRPr>
+          </a:p>
+          <a:p>
+            <a:pPr marL="0" indent="0" algn="ctr">
+              <a:buNone/>
+            </a:pPr>
+            <a:r>
+              <a:rPr lang="en-US" sz="2000" kern="100" dirty="0">
+                <a:effectLst/>
+                <a:latin typeface="Times New Roman" panose="02020603050405020304" pitchFamily="18" charset="0"/>
+                <a:ea typeface="NSimSun" panose="02010609030101010101" pitchFamily="49" charset="-122"/>
+                <a:cs typeface="Times New Roman" panose="02020603050405020304" pitchFamily="18" charset="0"/>
+              </a:rPr>
+              <a:t>Fasih Ahmad khan		21-NTU-CS-1307</a:t>
+            </a:r>
+            <a:endParaRPr lang="en-PK" sz="2000" kern="100" dirty="0">
+              <a:effectLst/>
+              <a:latin typeface="Times New Roman" panose="02020603050405020304" pitchFamily="18" charset="0"/>
+              <a:ea typeface="NSimSun" panose="02010609030101010101" pitchFamily="49" charset="-122"/>
+              <a:cs typeface="Lucida Sans" panose="020B0602030504020204" pitchFamily="34" charset="0"/>
+            </a:endParaRPr>
+          </a:p>
+          <a:p>
+            <a:pPr marL="0" indent="0" algn="ctr">
+              <a:buNone/>
+            </a:pPr>
+            <a:r>
+              <a:rPr lang="en-US" sz="2000" kern="100" dirty="0">
+                <a:effectLst/>
+                <a:latin typeface="Times New Roman" panose="02020603050405020304" pitchFamily="18" charset="0"/>
+                <a:ea typeface="NSimSun" panose="02010609030101010101" pitchFamily="49" charset="-122"/>
+                <a:cs typeface="Times New Roman" panose="02020603050405020304" pitchFamily="18" charset="0"/>
+              </a:rPr>
+              <a:t>Hashim bin Hafeez 		21-NTU-CS-1333</a:t>
+            </a:r>
+            <a:endParaRPr lang="en-PK" sz="2000" kern="100" dirty="0">
+              <a:effectLst/>
+              <a:latin typeface="Times New Roman" panose="02020603050405020304" pitchFamily="18" charset="0"/>
+              <a:ea typeface="NSimSun" panose="02010609030101010101" pitchFamily="49" charset="-122"/>
+              <a:cs typeface="Lucida Sans" panose="020B0602030504020204" pitchFamily="34" charset="0"/>
+            </a:endParaRPr>
+          </a:p>
+          <a:p>
+            <a:pPr marL="0" indent="0" algn="ctr">
+              <a:buNone/>
+            </a:pPr>
+            <a:r>
+              <a:rPr lang="en-US" sz="2000" kern="100" dirty="0">
+                <a:effectLst/>
+                <a:latin typeface="Times New Roman" panose="02020603050405020304" pitchFamily="18" charset="0"/>
+                <a:ea typeface="NSimSun" panose="02010609030101010101" pitchFamily="49" charset="-122"/>
+                <a:cs typeface="Times New Roman" panose="02020603050405020304" pitchFamily="18" charset="0"/>
+              </a:rPr>
+              <a:t>Ali Hassan      			21-NTU-CS-1297</a:t>
+            </a:r>
+            <a:endParaRPr lang="en-PK" sz="2000" kern="100" dirty="0">
+              <a:effectLst/>
+              <a:latin typeface="Times New Roman" panose="02020603050405020304" pitchFamily="18" charset="0"/>
+              <a:ea typeface="NSimSun" panose="02010609030101010101" pitchFamily="49" charset="-122"/>
+              <a:cs typeface="Lucida Sans" panose="020B0602030504020204" pitchFamily="34" charset="0"/>
+            </a:endParaRPr>
+          </a:p>
+          <a:p>
+            <a:pPr marL="0" indent="0" algn="ctr">
+              <a:buNone/>
+            </a:pPr>
+            <a:r>
+              <a:rPr lang="en-US" sz="2000" kern="100" dirty="0">
+                <a:effectLst/>
+                <a:latin typeface="Times New Roman" panose="02020603050405020304" pitchFamily="18" charset="0"/>
+                <a:ea typeface="NSimSun" panose="02010609030101010101" pitchFamily="49" charset="-122"/>
+                <a:cs typeface="Times New Roman" panose="02020603050405020304" pitchFamily="18" charset="0"/>
+              </a:rPr>
+              <a:t> </a:t>
+            </a:r>
+            <a:endParaRPr lang="en-PK" sz="2000" kern="100" dirty="0">
+              <a:effectLst/>
+              <a:latin typeface="Times New Roman" panose="02020603050405020304" pitchFamily="18" charset="0"/>
+              <a:ea typeface="NSimSun" panose="02010609030101010101" pitchFamily="49" charset="-122"/>
+              <a:cs typeface="Lucida Sans" panose="020B0602030504020204" pitchFamily="34" charset="0"/>
+            </a:endParaRPr>
           </a:p>
         </p:txBody>
       </p:sp>
       <p:sp>
         <p:nvSpPr>
-          <p:cNvPr id="4" name="Rectangle 3">
-            <a:extLst>
-              <a:ext uri="{FF2B5EF4-FFF2-40B4-BE49-F238E27FC236}">
-                <a16:creationId xmlns:a16="http://schemas.microsoft.com/office/drawing/2014/main" id="{993D134C-7819-88A1-5246-6ED24BEB4C19}"/>
+          <p:cNvPr id="2" name="Rectangle 1">
+            <a:extLst>
+              <a:ext uri="{FF2B5EF4-FFF2-40B4-BE49-F238E27FC236}">
+                <a16:creationId xmlns:a16="http://schemas.microsoft.com/office/drawing/2014/main" id="{F8E2D814-AEFF-B87F-18FB-D1D3F35D827B}"/>
               </a:ext>
             </a:extLst>
           </p:cNvPr>
@@ -6136,7 +6557,7 @@
     </p:spTree>
     <p:extLst>
       <p:ext uri="{BB962C8B-B14F-4D97-AF65-F5344CB8AC3E}">
-        <p14:creationId xmlns:p14="http://schemas.microsoft.com/office/powerpoint/2010/main" val="1664287076"/>
+        <p14:creationId xmlns:p14="http://schemas.microsoft.com/office/powerpoint/2010/main" val="2993234970"/>
       </p:ext>
     </p:extLst>
   </p:cSld>
@@ -6146,7 +6567,7 @@
 </p:sld>
 </file>
 
-<file path=ppt/slides/slide2.xml><?xml version="1.0" encoding="utf-8"?>
+<file path=ppt/slides/slide20.xml><?xml version="1.0" encoding="utf-8"?>
 <p:sld xmlns:a="http://schemas.openxmlformats.org/drawingml/2006/main" xmlns:r="http://schemas.openxmlformats.org/officeDocument/2006/relationships" xmlns:p="http://schemas.openxmlformats.org/presentationml/2006/main">
   <p:cSld>
     <p:spTree>
@@ -6165,10 +6586,39 @@
       </p:grpSpPr>
       <p:sp>
         <p:nvSpPr>
+          <p:cNvPr id="2" name="Title 1">
+            <a:extLst>
+              <a:ext uri="{FF2B5EF4-FFF2-40B4-BE49-F238E27FC236}">
+                <a16:creationId xmlns:a16="http://schemas.microsoft.com/office/drawing/2014/main" id="{A049C0A6-D903-4501-6D0C-1380C13610BD}"/>
+              </a:ext>
+            </a:extLst>
+          </p:cNvPr>
+          <p:cNvSpPr>
+            <a:spLocks noGrp="1"/>
+          </p:cNvSpPr>
+          <p:nvPr>
+            <p:ph type="title"/>
+          </p:nvPr>
+        </p:nvSpPr>
+        <p:spPr/>
+        <p:txBody>
+          <a:bodyPr/>
+          <a:lstStyle/>
+          <a:p>
+            <a:r>
+              <a:rPr lang="en-US" dirty="0"/>
+              <a:t>Challenges &amp; Future Enhancements</a:t>
+            </a:r>
+            <a:endParaRPr lang="en-PK" dirty="0"/>
+          </a:p>
+        </p:txBody>
+      </p:sp>
+      <p:sp>
+        <p:nvSpPr>
           <p:cNvPr id="3" name="Content Placeholder 2">
             <a:extLst>
               <a:ext uri="{FF2B5EF4-FFF2-40B4-BE49-F238E27FC236}">
-                <a16:creationId xmlns:a16="http://schemas.microsoft.com/office/drawing/2014/main" id="{AB34F7E5-F326-AED0-A6D5-8C05245A72CA}"/>
+                <a16:creationId xmlns:a16="http://schemas.microsoft.com/office/drawing/2014/main" id="{D9A5032D-CB7B-71AA-FD84-EA8ADC79C9E7}"/>
               </a:ext>
             </a:extLst>
           </p:cNvPr>
@@ -6179,256 +6629,71 @@
             <p:ph idx="1"/>
           </p:nvPr>
         </p:nvSpPr>
-        <p:spPr>
-          <a:xfrm>
-            <a:off x="838200" y="722364"/>
-            <a:ext cx="10515600" cy="5649407"/>
-          </a:xfrm>
-        </p:spPr>
+        <p:spPr/>
         <p:txBody>
           <a:bodyPr>
             <a:normAutofit/>
           </a:bodyPr>
           <a:lstStyle/>
           <a:p>
-            <a:pPr marL="0" indent="0" algn="ctr">
+            <a:pPr marL="0" indent="0">
               <a:buNone/>
             </a:pPr>
-            <a:endParaRPr lang="en-US" sz="2000" b="1" kern="100" dirty="0">
-              <a:effectLst/>
-              <a:latin typeface="Times New Roman" panose="02020603050405020304" pitchFamily="18" charset="0"/>
-              <a:ea typeface="NSimSun" panose="02010609030101010101" pitchFamily="49" charset="-122"/>
-              <a:cs typeface="Times New Roman" panose="02020603050405020304" pitchFamily="18" charset="0"/>
-            </a:endParaRPr>
-          </a:p>
-          <a:p>
-            <a:pPr marL="0" indent="0" algn="ctr">
+            <a:r>
+              <a:rPr lang="en-US" b="1" dirty="0"/>
+              <a:t>Challenges:</a:t>
+            </a:r>
+          </a:p>
+          <a:p>
+            <a:pPr marL="0" indent="0">
               <a:buNone/>
             </a:pPr>
-            <a:r>
-              <a:rPr lang="en-US" b="1" kern="100" dirty="0">
-                <a:effectLst/>
-                <a:latin typeface="Times New Roman" panose="02020603050405020304" pitchFamily="18" charset="0"/>
-                <a:ea typeface="NSimSun" panose="02010609030101010101" pitchFamily="49" charset="-122"/>
-                <a:cs typeface="Times New Roman" panose="02020603050405020304" pitchFamily="18" charset="0"/>
-              </a:rPr>
-              <a:t>SUPERVISED BY</a:t>
-            </a:r>
-            <a:endParaRPr lang="en-PK" kern="100" dirty="0">
-              <a:effectLst/>
-              <a:latin typeface="Times New Roman" panose="02020603050405020304" pitchFamily="18" charset="0"/>
-              <a:ea typeface="NSimSun" panose="02010609030101010101" pitchFamily="49" charset="-122"/>
-              <a:cs typeface="Lucida Sans" panose="020B0602030504020204" pitchFamily="34" charset="0"/>
-            </a:endParaRPr>
-          </a:p>
-          <a:p>
-            <a:pPr marL="0" indent="0" algn="ctr">
+            <a:endParaRPr lang="en-US" b="1" dirty="0"/>
+          </a:p>
+          <a:p>
+            <a:pPr>
+              <a:buFont typeface="Wingdings" panose="05000000000000000000" pitchFamily="2" charset="2"/>
+              <a:buChar char="q"/>
+            </a:pPr>
+            <a:r>
+              <a:rPr lang="en-US" dirty="0"/>
+              <a:t>Sensor Calibration Issues – Ensuring accuracy.</a:t>
+            </a:r>
+          </a:p>
+          <a:p>
+            <a:pPr>
+              <a:buFont typeface="Wingdings" panose="05000000000000000000" pitchFamily="2" charset="2"/>
+              <a:buChar char="q"/>
+            </a:pPr>
+            <a:r>
+              <a:rPr lang="en-US" dirty="0"/>
+              <a:t>Power Consumption – Optimizing energy efficiency.</a:t>
+            </a:r>
+          </a:p>
+          <a:p>
+            <a:pPr>
+              <a:buFont typeface="Wingdings" panose="05000000000000000000" pitchFamily="2" charset="2"/>
+              <a:buChar char="q"/>
+            </a:pPr>
+            <a:r>
+              <a:rPr lang="en-US" dirty="0"/>
+              <a:t>Network Dependency – Reducing reliance on the internet.</a:t>
+            </a:r>
+          </a:p>
+          <a:p>
+            <a:pPr marL="0" indent="0">
               <a:buNone/>
             </a:pPr>
-            <a:r>
-              <a:rPr lang="en-US" sz="2400" kern="100" dirty="0">
-                <a:effectLst/>
-                <a:latin typeface="Times New Roman" panose="02020603050405020304" pitchFamily="18" charset="0"/>
-                <a:ea typeface="NSimSun" panose="02010609030101010101" pitchFamily="49" charset="-122"/>
-                <a:cs typeface="Times New Roman" panose="02020603050405020304" pitchFamily="18" charset="0"/>
-              </a:rPr>
-              <a:t>Dr. Abdul Qadeer</a:t>
-            </a:r>
-            <a:endParaRPr lang="en-PK" sz="2400" kern="100" dirty="0">
-              <a:effectLst/>
-              <a:latin typeface="Times New Roman" panose="02020603050405020304" pitchFamily="18" charset="0"/>
-              <a:ea typeface="NSimSun" panose="02010609030101010101" pitchFamily="49" charset="-122"/>
-              <a:cs typeface="Lucida Sans" panose="020B0602030504020204" pitchFamily="34" charset="0"/>
-            </a:endParaRPr>
-          </a:p>
-          <a:p>
-            <a:pPr marL="0" indent="0" algn="ctr">
-              <a:buNone/>
-            </a:pPr>
-            <a:r>
-              <a:rPr lang="en-US" sz="2000" kern="100" dirty="0">
-                <a:effectLst/>
-                <a:latin typeface="Times New Roman" panose="02020603050405020304" pitchFamily="18" charset="0"/>
-                <a:ea typeface="NSimSun" panose="02010609030101010101" pitchFamily="49" charset="-122"/>
-                <a:cs typeface="Times New Roman" panose="02020603050405020304" pitchFamily="18" charset="0"/>
-              </a:rPr>
-              <a:t> </a:t>
-            </a:r>
-            <a:endParaRPr lang="en-PK" sz="2000" kern="100" dirty="0">
-              <a:effectLst/>
-              <a:latin typeface="Times New Roman" panose="02020603050405020304" pitchFamily="18" charset="0"/>
-              <a:ea typeface="NSimSun" panose="02010609030101010101" pitchFamily="49" charset="-122"/>
-              <a:cs typeface="Lucida Sans" panose="020B0602030504020204" pitchFamily="34" charset="0"/>
-            </a:endParaRPr>
-          </a:p>
-          <a:p>
-            <a:pPr marL="0" indent="0" algn="ctr">
-              <a:buNone/>
-            </a:pPr>
-            <a:r>
-              <a:rPr lang="en-US" sz="2400" b="1" kern="100" dirty="0">
-                <a:effectLst/>
-                <a:latin typeface="Times New Roman" panose="02020603050405020304" pitchFamily="18" charset="0"/>
-                <a:ea typeface="NSimSun" panose="02010609030101010101" pitchFamily="49" charset="-122"/>
-                <a:cs typeface="Times New Roman" panose="02020603050405020304" pitchFamily="18" charset="0"/>
-              </a:rPr>
-              <a:t>CO-SUPERVISED BY</a:t>
-            </a:r>
-            <a:endParaRPr lang="en-PK" sz="2400" kern="100" dirty="0">
-              <a:effectLst/>
-              <a:latin typeface="Times New Roman" panose="02020603050405020304" pitchFamily="18" charset="0"/>
-              <a:ea typeface="NSimSun" panose="02010609030101010101" pitchFamily="49" charset="-122"/>
-              <a:cs typeface="Lucida Sans" panose="020B0602030504020204" pitchFamily="34" charset="0"/>
-            </a:endParaRPr>
-          </a:p>
-          <a:p>
-            <a:pPr marL="0" indent="0" algn="ctr">
-              <a:buNone/>
-            </a:pPr>
-            <a:r>
-              <a:rPr lang="en-US" sz="2400" kern="100" dirty="0">
-                <a:effectLst/>
-                <a:latin typeface="Times New Roman" panose="02020603050405020304" pitchFamily="18" charset="0"/>
-                <a:ea typeface="NSimSun" panose="02010609030101010101" pitchFamily="49" charset="-122"/>
-                <a:cs typeface="Times New Roman" panose="02020603050405020304" pitchFamily="18" charset="0"/>
-              </a:rPr>
-              <a:t>Mam Sana Ikram</a:t>
-            </a:r>
-            <a:endParaRPr lang="en-PK" sz="2400" kern="100" dirty="0">
-              <a:effectLst/>
-              <a:latin typeface="Times New Roman" panose="02020603050405020304" pitchFamily="18" charset="0"/>
-              <a:ea typeface="NSimSun" panose="02010609030101010101" pitchFamily="49" charset="-122"/>
-              <a:cs typeface="Lucida Sans" panose="020B0602030504020204" pitchFamily="34" charset="0"/>
-            </a:endParaRPr>
-          </a:p>
-          <a:p>
-            <a:pPr marL="0" indent="0" algn="ctr">
-              <a:buNone/>
-            </a:pPr>
-            <a:r>
-              <a:rPr lang="en-US" sz="2000" kern="100" dirty="0">
-                <a:effectLst/>
-                <a:latin typeface="Times New Roman" panose="02020603050405020304" pitchFamily="18" charset="0"/>
-                <a:ea typeface="NSimSun" panose="02010609030101010101" pitchFamily="49" charset="-122"/>
-                <a:cs typeface="Times New Roman" panose="02020603050405020304" pitchFamily="18" charset="0"/>
-              </a:rPr>
-              <a:t> </a:t>
-            </a:r>
-            <a:endParaRPr lang="en-US" sz="2000" b="1" kern="100" dirty="0">
-              <a:effectLst/>
-              <a:latin typeface="Times New Roman" panose="02020603050405020304" pitchFamily="18" charset="0"/>
-              <a:ea typeface="NSimSun" panose="02010609030101010101" pitchFamily="49" charset="-122"/>
-              <a:cs typeface="Times New Roman" panose="02020603050405020304" pitchFamily="18" charset="0"/>
-            </a:endParaRPr>
-          </a:p>
-          <a:p>
-            <a:pPr marL="0" indent="0" algn="ctr">
-              <a:buNone/>
-            </a:pPr>
-            <a:r>
-              <a:rPr lang="en-US" sz="2000" b="1" kern="100" dirty="0">
-                <a:effectLst/>
-                <a:latin typeface="Times New Roman" panose="02020603050405020304" pitchFamily="18" charset="0"/>
-                <a:ea typeface="NSimSun" panose="02010609030101010101" pitchFamily="49" charset="-122"/>
-                <a:cs typeface="Times New Roman" panose="02020603050405020304" pitchFamily="18" charset="0"/>
-              </a:rPr>
-              <a:t>SUBMITTED BY</a:t>
-            </a:r>
-            <a:endParaRPr lang="en-PK" sz="2000" kern="100" dirty="0">
-              <a:effectLst/>
-              <a:latin typeface="Times New Roman" panose="02020603050405020304" pitchFamily="18" charset="0"/>
-              <a:ea typeface="NSimSun" panose="02010609030101010101" pitchFamily="49" charset="-122"/>
-              <a:cs typeface="Lucida Sans" panose="020B0602030504020204" pitchFamily="34" charset="0"/>
-            </a:endParaRPr>
-          </a:p>
-          <a:p>
-            <a:pPr marL="0" indent="0" algn="ctr">
-              <a:buNone/>
-            </a:pPr>
-            <a:r>
-              <a:rPr lang="en-US" sz="2000" kern="100" dirty="0">
-                <a:effectLst/>
-                <a:latin typeface="Times New Roman" panose="02020603050405020304" pitchFamily="18" charset="0"/>
-                <a:ea typeface="NSimSun" panose="02010609030101010101" pitchFamily="49" charset="-122"/>
-                <a:cs typeface="Times New Roman" panose="02020603050405020304" pitchFamily="18" charset="0"/>
-              </a:rPr>
-              <a:t>Fasih Ahmad khan		21-NTU-CS-1307</a:t>
-            </a:r>
-            <a:endParaRPr lang="en-PK" sz="2000" kern="100" dirty="0">
-              <a:effectLst/>
-              <a:latin typeface="Times New Roman" panose="02020603050405020304" pitchFamily="18" charset="0"/>
-              <a:ea typeface="NSimSun" panose="02010609030101010101" pitchFamily="49" charset="-122"/>
-              <a:cs typeface="Lucida Sans" panose="020B0602030504020204" pitchFamily="34" charset="0"/>
-            </a:endParaRPr>
-          </a:p>
-          <a:p>
-            <a:pPr marL="0" indent="0" algn="ctr">
-              <a:buNone/>
-            </a:pPr>
-            <a:r>
-              <a:rPr lang="en-US" sz="2000" kern="100" dirty="0">
-                <a:effectLst/>
-                <a:latin typeface="Times New Roman" panose="02020603050405020304" pitchFamily="18" charset="0"/>
-                <a:ea typeface="NSimSun" panose="02010609030101010101" pitchFamily="49" charset="-122"/>
-                <a:cs typeface="Times New Roman" panose="02020603050405020304" pitchFamily="18" charset="0"/>
-              </a:rPr>
-              <a:t>Hashim bin Hafeez 		21-NTU-CS-1333</a:t>
-            </a:r>
-            <a:endParaRPr lang="en-PK" sz="2000" kern="100" dirty="0">
-              <a:effectLst/>
-              <a:latin typeface="Times New Roman" panose="02020603050405020304" pitchFamily="18" charset="0"/>
-              <a:ea typeface="NSimSun" panose="02010609030101010101" pitchFamily="49" charset="-122"/>
-              <a:cs typeface="Lucida Sans" panose="020B0602030504020204" pitchFamily="34" charset="0"/>
-            </a:endParaRPr>
-          </a:p>
-          <a:p>
-            <a:pPr marL="0" indent="0" algn="ctr">
-              <a:buNone/>
-            </a:pPr>
-            <a:r>
-              <a:rPr lang="en-US" sz="2000" kern="100" dirty="0">
-                <a:effectLst/>
-                <a:latin typeface="Times New Roman" panose="02020603050405020304" pitchFamily="18" charset="0"/>
-                <a:ea typeface="NSimSun" panose="02010609030101010101" pitchFamily="49" charset="-122"/>
-                <a:cs typeface="Times New Roman" panose="02020603050405020304" pitchFamily="18" charset="0"/>
-              </a:rPr>
-              <a:t>Ali Hassan      			21-NTU-CS-1297</a:t>
-            </a:r>
-            <a:endParaRPr lang="en-PK" sz="2000" kern="100" dirty="0">
-              <a:effectLst/>
-              <a:latin typeface="Times New Roman" panose="02020603050405020304" pitchFamily="18" charset="0"/>
-              <a:ea typeface="NSimSun" panose="02010609030101010101" pitchFamily="49" charset="-122"/>
-              <a:cs typeface="Lucida Sans" panose="020B0602030504020204" pitchFamily="34" charset="0"/>
-            </a:endParaRPr>
-          </a:p>
-          <a:p>
-            <a:pPr marL="0" indent="0" algn="ctr">
-              <a:buNone/>
-            </a:pPr>
-            <a:r>
-              <a:rPr lang="en-US" sz="2000" kern="100" dirty="0">
-                <a:effectLst/>
-                <a:latin typeface="Times New Roman" panose="02020603050405020304" pitchFamily="18" charset="0"/>
-                <a:ea typeface="NSimSun" panose="02010609030101010101" pitchFamily="49" charset="-122"/>
-                <a:cs typeface="Times New Roman" panose="02020603050405020304" pitchFamily="18" charset="0"/>
-              </a:rPr>
-              <a:t> </a:t>
-            </a:r>
-            <a:endParaRPr lang="en-PK" sz="2000" kern="100" dirty="0">
-              <a:effectLst/>
-              <a:latin typeface="Times New Roman" panose="02020603050405020304" pitchFamily="18" charset="0"/>
-              <a:ea typeface="NSimSun" panose="02010609030101010101" pitchFamily="49" charset="-122"/>
-              <a:cs typeface="Lucida Sans" panose="020B0602030504020204" pitchFamily="34" charset="0"/>
-            </a:endParaRPr>
+            <a:endParaRPr lang="en-US" dirty="0"/>
           </a:p>
         </p:txBody>
       </p:sp>
       <p:sp>
         <p:nvSpPr>
-          <p:cNvPr id="2" name="Rectangle 1">
-            <a:extLst>
-              <a:ext uri="{FF2B5EF4-FFF2-40B4-BE49-F238E27FC236}">
-                <a16:creationId xmlns:a16="http://schemas.microsoft.com/office/drawing/2014/main" id="{F8E2D814-AEFF-B87F-18FB-D1D3F35D827B}"/>
+          <p:cNvPr id="4" name="Rectangle 3">
+            <a:extLst>
+              <a:ext uri="{FF2B5EF4-FFF2-40B4-BE49-F238E27FC236}">
+                <a16:creationId xmlns:a16="http://schemas.microsoft.com/office/drawing/2014/main" id="{993D134C-7819-88A1-5246-6ED24BEB4C19}"/>
               </a:ext>
             </a:extLst>
           </p:cNvPr>
@@ -6481,7 +6746,7 @@
     </p:spTree>
     <p:extLst>
       <p:ext uri="{BB962C8B-B14F-4D97-AF65-F5344CB8AC3E}">
-        <p14:creationId xmlns:p14="http://schemas.microsoft.com/office/powerpoint/2010/main" val="2993234970"/>
+        <p14:creationId xmlns:p14="http://schemas.microsoft.com/office/powerpoint/2010/main" val="1664287076"/>
       </p:ext>
     </p:extLst>
   </p:cSld>
@@ -6491,7 +6756,7 @@
 </p:sld>
 </file>
 
-<file path=ppt/slides/slide20.xml><?xml version="1.0" encoding="utf-8"?>
+<file path=ppt/slides/slide21.xml><?xml version="1.0" encoding="utf-8"?>
 <p:sld xmlns:a="http://schemas.openxmlformats.org/drawingml/2006/main" xmlns:r="http://schemas.openxmlformats.org/officeDocument/2006/relationships" xmlns:p="http://schemas.openxmlformats.org/presentationml/2006/main">
   <p:cSld>
     <p:spTree>
@@ -6686,7 +6951,7 @@
 </p:sld>
 </file>
 
-<file path=ppt/slides/slide21.xml><?xml version="1.0" encoding="utf-8"?>
+<file path=ppt/slides/slide22.xml><?xml version="1.0" encoding="utf-8"?>
 <p:sld xmlns:a="http://schemas.openxmlformats.org/drawingml/2006/main" xmlns:r="http://schemas.openxmlformats.org/officeDocument/2006/relationships" xmlns:p="http://schemas.openxmlformats.org/presentationml/2006/main">
   <p:cSld>
     <p:spTree>
@@ -6877,7 +7142,7 @@
 </p:sld>
 </file>
 
-<file path=ppt/slides/slide22.xml><?xml version="1.0" encoding="utf-8"?>
+<file path=ppt/slides/slide23.xml><?xml version="1.0" encoding="utf-8"?>
 <p:sld xmlns:a="http://schemas.openxmlformats.org/drawingml/2006/main" xmlns:r="http://schemas.openxmlformats.org/officeDocument/2006/relationships" xmlns:p="http://schemas.openxmlformats.org/presentationml/2006/main">
   <p:cSld>
     <p:spTree>
@@ -7300,7 +7565,7 @@
 </p:sld>
 </file>
 
-<file path=ppt/slides/slide23.xml><?xml version="1.0" encoding="utf-8"?>
+<file path=ppt/slides/slide24.xml><?xml version="1.0" encoding="utf-8"?>
 <p:sld xmlns:a="http://schemas.openxmlformats.org/drawingml/2006/main" xmlns:r="http://schemas.openxmlformats.org/officeDocument/2006/relationships" xmlns:p="http://schemas.openxmlformats.org/presentationml/2006/main">
   <p:cSld>
     <p:spTree>
@@ -7734,7 +7999,7 @@
 </p:sld>
 </file>
 
-<file path=ppt/slides/slide24.xml><?xml version="1.0" encoding="utf-8"?>
+<file path=ppt/slides/slide25.xml><?xml version="1.0" encoding="utf-8"?>
 <p:sld xmlns:a="http://schemas.openxmlformats.org/drawingml/2006/main" xmlns:r="http://schemas.openxmlformats.org/officeDocument/2006/relationships" xmlns:p="http://schemas.openxmlformats.org/presentationml/2006/main">
   <p:cSld>
     <p:spTree>
@@ -7928,7 +8193,7 @@
 </p:sld>
 </file>
 
-<file path=ppt/slides/slide25.xml><?xml version="1.0" encoding="utf-8"?>
+<file path=ppt/slides/slide26.xml><?xml version="1.0" encoding="utf-8"?>
 <p:sld xmlns:a="http://schemas.openxmlformats.org/drawingml/2006/main" xmlns:r="http://schemas.openxmlformats.org/officeDocument/2006/relationships" xmlns:p="http://schemas.openxmlformats.org/presentationml/2006/main">
   <p:cSld>
     <p:spTree>
@@ -8487,7 +8752,7 @@
 </p:sld>
 </file>
 
-<file path=ppt/slides/slide26.xml><?xml version="1.0" encoding="utf-8"?>
+<file path=ppt/slides/slide27.xml><?xml version="1.0" encoding="utf-8"?>
 <p:sld xmlns:a="http://schemas.openxmlformats.org/drawingml/2006/main" xmlns:r="http://schemas.openxmlformats.org/officeDocument/2006/relationships" xmlns:p="http://schemas.openxmlformats.org/presentationml/2006/main">
   <p:cSld>
     <p:spTree>
@@ -8645,7 +8910,7 @@
 </p:sld>
 </file>
 
-<file path=ppt/slides/slide27.xml><?xml version="1.0" encoding="utf-8"?>
+<file path=ppt/slides/slide28.xml><?xml version="1.0" encoding="utf-8"?>
 <p:sld xmlns:a="http://schemas.openxmlformats.org/drawingml/2006/main" xmlns:r="http://schemas.openxmlformats.org/officeDocument/2006/relationships" xmlns:p="http://schemas.openxmlformats.org/presentationml/2006/main">
   <p:cSld>
     <p:bg>
@@ -9211,7 +9476,7 @@
                 <a:effectLst/>
                 <a:latin typeface="Arial" panose="020B0604020202020204" pitchFamily="34" charset="0"/>
               </a:rPr>
-              <a:t>IoT sensors</a:t>
+              <a:t>sensors</a:t>
             </a:r>
             <a:r>
               <a:rPr kumimoji="0" lang="en-PK" altLang="en-PK" sz="1800" b="0" i="0" u="none" strike="noStrike" cap="none" normalizeH="0" baseline="0" dirty="0">
@@ -9810,6 +10075,3017 @@
   <p:cSld>
     <p:spTree>
       <p:nvGrpSpPr>
+        <p:cNvPr id="1" name="">
+          <a:extLst>
+            <a:ext uri="{FF2B5EF4-FFF2-40B4-BE49-F238E27FC236}">
+              <a16:creationId xmlns:a16="http://schemas.microsoft.com/office/drawing/2014/main" id="{E5938800-D49D-29FA-37DB-99C1B5A329DE}"/>
+            </a:ext>
+          </a:extLst>
+        </p:cNvPr>
+        <p:cNvGrpSpPr/>
+        <p:nvPr/>
+      </p:nvGrpSpPr>
+      <p:grpSpPr>
+        <a:xfrm>
+          <a:off x="0" y="0"/>
+          <a:ext cx="0" cy="0"/>
+          <a:chOff x="0" y="0"/>
+          <a:chExt cx="0" cy="0"/>
+        </a:xfrm>
+      </p:grpSpPr>
+      <p:sp>
+        <p:nvSpPr>
+          <p:cNvPr id="2" name="Title 1">
+            <a:extLst>
+              <a:ext uri="{FF2B5EF4-FFF2-40B4-BE49-F238E27FC236}">
+                <a16:creationId xmlns:a16="http://schemas.microsoft.com/office/drawing/2014/main" id="{37F24326-9F35-E32D-F66A-829266AA4E8C}"/>
+              </a:ext>
+            </a:extLst>
+          </p:cNvPr>
+          <p:cNvSpPr>
+            <a:spLocks noGrp="1"/>
+          </p:cNvSpPr>
+          <p:nvPr>
+            <p:ph type="title"/>
+          </p:nvPr>
+        </p:nvSpPr>
+        <p:spPr/>
+        <p:txBody>
+          <a:bodyPr/>
+          <a:lstStyle/>
+          <a:p>
+            <a:r>
+              <a:rPr lang="en-US" b="1" dirty="0"/>
+              <a:t>Why is this project important?</a:t>
+            </a:r>
+            <a:endParaRPr lang="en-PK" dirty="0"/>
+          </a:p>
+        </p:txBody>
+      </p:sp>
+      <p:sp>
+        <p:nvSpPr>
+          <p:cNvPr id="4" name="Rectangle 3">
+            <a:extLst>
+              <a:ext uri="{FF2B5EF4-FFF2-40B4-BE49-F238E27FC236}">
+                <a16:creationId xmlns:a16="http://schemas.microsoft.com/office/drawing/2014/main" id="{271BB94F-B692-6946-A502-5A687B5189CE}"/>
+              </a:ext>
+            </a:extLst>
+          </p:cNvPr>
+          <p:cNvSpPr/>
+          <p:nvPr/>
+        </p:nvSpPr>
+        <p:spPr>
+          <a:xfrm>
+            <a:off x="241300" y="203200"/>
+            <a:ext cx="11785600" cy="6451600"/>
+          </a:xfrm>
+          <a:prstGeom prst="rect">
+            <a:avLst/>
+          </a:prstGeom>
+          <a:noFill/>
+          <a:ln w="63500">
+            <a:solidFill>
+              <a:schemeClr val="tx2">
+                <a:lumMod val="75000"/>
+                <a:lumOff val="25000"/>
+              </a:schemeClr>
+            </a:solidFill>
+          </a:ln>
+        </p:spPr>
+        <p:style>
+          <a:lnRef idx="2">
+            <a:schemeClr val="accent1">
+              <a:shade val="15000"/>
+            </a:schemeClr>
+          </a:lnRef>
+          <a:fillRef idx="1">
+            <a:schemeClr val="accent1"/>
+          </a:fillRef>
+          <a:effectRef idx="0">
+            <a:schemeClr val="accent1"/>
+          </a:effectRef>
+          <a:fontRef idx="minor">
+            <a:schemeClr val="lt1"/>
+          </a:fontRef>
+        </p:style>
+        <p:txBody>
+          <a:bodyPr rtlCol="0" anchor="ctr"/>
+          <a:lstStyle/>
+          <a:p>
+            <a:pPr algn="ctr"/>
+            <a:endParaRPr lang="en-PK"/>
+          </a:p>
+        </p:txBody>
+      </p:sp>
+      <p:graphicFrame>
+        <p:nvGraphicFramePr>
+          <p:cNvPr id="8" name="Content Placeholder 7">
+            <a:extLst>
+              <a:ext uri="{FF2B5EF4-FFF2-40B4-BE49-F238E27FC236}">
+                <a16:creationId xmlns:a16="http://schemas.microsoft.com/office/drawing/2014/main" id="{2540FEA1-7655-7FE8-45EA-4633EA489603}"/>
+              </a:ext>
+            </a:extLst>
+          </p:cNvPr>
+          <p:cNvGraphicFramePr>
+            <a:graphicFrameLocks noGrp="1"/>
+          </p:cNvGraphicFramePr>
+          <p:nvPr>
+            <p:ph idx="1"/>
+            <p:extLst>
+              <p:ext uri="{D42A27DB-BD31-4B8C-83A1-F6EECF244321}">
+                <p14:modId xmlns:p14="http://schemas.microsoft.com/office/powerpoint/2010/main" val="1806066417"/>
+              </p:ext>
+            </p:extLst>
+          </p:nvPr>
+        </p:nvGraphicFramePr>
+        <p:xfrm>
+          <a:off x="1021405" y="1690688"/>
+          <a:ext cx="10107037" cy="4615309"/>
+        </p:xfrm>
+        <a:graphic>
+          <a:graphicData uri="http://schemas.openxmlformats.org/drawingml/2006/table">
+            <a:tbl>
+              <a:tblPr firstRow="1" firstCol="1" bandRow="1"/>
+              <a:tblGrid>
+                <a:gridCol w="2264468">
+                  <a:extLst>
+                    <a:ext uri="{9D8B030D-6E8A-4147-A177-3AD203B41FA5}">
+                      <a16:colId xmlns:a16="http://schemas.microsoft.com/office/drawing/2014/main" val="2853335924"/>
+                    </a:ext>
+                  </a:extLst>
+                </a:gridCol>
+                <a:gridCol w="2614889">
+                  <a:extLst>
+                    <a:ext uri="{9D8B030D-6E8A-4147-A177-3AD203B41FA5}">
+                      <a16:colId xmlns:a16="http://schemas.microsoft.com/office/drawing/2014/main" val="2819102989"/>
+                    </a:ext>
+                  </a:extLst>
+                </a:gridCol>
+                <a:gridCol w="2613840">
+                  <a:extLst>
+                    <a:ext uri="{9D8B030D-6E8A-4147-A177-3AD203B41FA5}">
+                      <a16:colId xmlns:a16="http://schemas.microsoft.com/office/drawing/2014/main" val="1895955217"/>
+                    </a:ext>
+                  </a:extLst>
+                </a:gridCol>
+                <a:gridCol w="2613840">
+                  <a:extLst>
+                    <a:ext uri="{9D8B030D-6E8A-4147-A177-3AD203B41FA5}">
+                      <a16:colId xmlns:a16="http://schemas.microsoft.com/office/drawing/2014/main" val="4199470016"/>
+                    </a:ext>
+                  </a:extLst>
+                </a:gridCol>
+              </a:tblGrid>
+              <a:tr h="346001">
+                <a:tc rowSpan="2">
+                  <a:txBody>
+                    <a:bodyPr/>
+                    <a:lstStyle/>
+                    <a:p>
+                      <a:pPr marL="0" marR="0" algn="ctr">
+                        <a:buNone/>
+                      </a:pPr>
+                      <a:r>
+                        <a:rPr lang="en-US" sz="1600" b="1" kern="100" dirty="0">
+                          <a:effectLst/>
+                          <a:latin typeface="Times New Roman" panose="02020603050405020304" pitchFamily="18" charset="0"/>
+                          <a:ea typeface="NSimSun" panose="02010609030101010101" pitchFamily="49" charset="-122"/>
+                          <a:cs typeface="Times New Roman" panose="02020603050405020304" pitchFamily="18" charset="0"/>
+                        </a:rPr>
+                        <a:t>Features</a:t>
+                      </a:r>
+                      <a:endParaRPr lang="en-US" sz="1800" b="1" kern="100" dirty="0">
+                        <a:effectLst/>
+                        <a:latin typeface="Times New Roman" panose="02020603050405020304" pitchFamily="18" charset="0"/>
+                        <a:ea typeface="NSimSun" panose="02010609030101010101" pitchFamily="49" charset="-122"/>
+                        <a:cs typeface="Lucida Sans" panose="020B0602030504020204" pitchFamily="34" charset="0"/>
+                      </a:endParaRPr>
+                    </a:p>
+                  </a:txBody>
+                  <a:tcPr marL="68580" marR="68580" marT="0" marB="0" anchor="ctr">
+                    <a:lnL w="12700" cap="flat" cmpd="sng" algn="ctr">
+                      <a:solidFill>
+                        <a:srgbClr val="000000"/>
+                      </a:solidFill>
+                      <a:prstDash val="solid"/>
+                      <a:round/>
+                      <a:headEnd type="none" w="med" len="med"/>
+                      <a:tailEnd type="none" w="med" len="med"/>
+                    </a:lnL>
+                    <a:lnR w="12700" cap="flat" cmpd="sng" algn="ctr">
+                      <a:solidFill>
+                        <a:srgbClr val="000000"/>
+                      </a:solidFill>
+                      <a:prstDash val="solid"/>
+                      <a:round/>
+                      <a:headEnd type="none" w="med" len="med"/>
+                      <a:tailEnd type="none" w="med" len="med"/>
+                    </a:lnR>
+                    <a:lnT w="12700" cap="flat" cmpd="sng" algn="ctr">
+                      <a:solidFill>
+                        <a:srgbClr val="000000"/>
+                      </a:solidFill>
+                      <a:prstDash val="solid"/>
+                      <a:round/>
+                      <a:headEnd type="none" w="med" len="med"/>
+                      <a:tailEnd type="none" w="med" len="med"/>
+                    </a:lnT>
+                    <a:lnB w="12700" cap="flat" cmpd="sng" algn="ctr">
+                      <a:solidFill>
+                        <a:srgbClr val="000000"/>
+                      </a:solidFill>
+                      <a:prstDash val="solid"/>
+                      <a:round/>
+                      <a:headEnd type="none" w="med" len="med"/>
+                      <a:tailEnd type="none" w="med" len="med"/>
+                    </a:lnB>
+                    <a:solidFill>
+                      <a:schemeClr val="bg1">
+                        <a:lumMod val="95000"/>
+                      </a:schemeClr>
+                    </a:solidFill>
+                  </a:tcPr>
+                </a:tc>
+                <a:tc gridSpan="3">
+                  <a:txBody>
+                    <a:bodyPr/>
+                    <a:lstStyle/>
+                    <a:p>
+                      <a:pPr marL="0" marR="0" algn="ctr">
+                        <a:buNone/>
+                      </a:pPr>
+                      <a:r>
+                        <a:rPr lang="en-US" sz="1600" b="1" kern="100" dirty="0">
+                          <a:effectLst/>
+                          <a:latin typeface="Times New Roman" panose="02020603050405020304" pitchFamily="18" charset="0"/>
+                          <a:ea typeface="NSimSun" panose="02010609030101010101" pitchFamily="49" charset="-122"/>
+                          <a:cs typeface="Times New Roman" panose="02020603050405020304" pitchFamily="18" charset="0"/>
+                        </a:rPr>
+                        <a:t>Technologies</a:t>
+                      </a:r>
+                      <a:endParaRPr lang="en-US" sz="1600" kern="100" dirty="0">
+                        <a:effectLst/>
+                        <a:latin typeface="Times New Roman" panose="02020603050405020304" pitchFamily="18" charset="0"/>
+                        <a:ea typeface="NSimSun" panose="02010609030101010101" pitchFamily="49" charset="-122"/>
+                        <a:cs typeface="Lucida Sans" panose="020B0602030504020204" pitchFamily="34" charset="0"/>
+                      </a:endParaRPr>
+                    </a:p>
+                  </a:txBody>
+                  <a:tcPr marL="68580" marR="68580" marT="0" marB="0">
+                    <a:lnL w="12700" cap="flat" cmpd="sng" algn="ctr">
+                      <a:solidFill>
+                        <a:srgbClr val="000000"/>
+                      </a:solidFill>
+                      <a:prstDash val="solid"/>
+                      <a:round/>
+                      <a:headEnd type="none" w="med" len="med"/>
+                      <a:tailEnd type="none" w="med" len="med"/>
+                    </a:lnL>
+                    <a:lnR w="12700" cap="flat" cmpd="sng" algn="ctr">
+                      <a:solidFill>
+                        <a:srgbClr val="000000"/>
+                      </a:solidFill>
+                      <a:prstDash val="solid"/>
+                      <a:round/>
+                      <a:headEnd type="none" w="med" len="med"/>
+                      <a:tailEnd type="none" w="med" len="med"/>
+                    </a:lnR>
+                    <a:lnT w="12700" cap="flat" cmpd="sng" algn="ctr">
+                      <a:solidFill>
+                        <a:srgbClr val="000000"/>
+                      </a:solidFill>
+                      <a:prstDash val="solid"/>
+                      <a:round/>
+                      <a:headEnd type="none" w="med" len="med"/>
+                      <a:tailEnd type="none" w="med" len="med"/>
+                    </a:lnT>
+                    <a:lnB w="12700" cap="flat" cmpd="sng" algn="ctr">
+                      <a:solidFill>
+                        <a:srgbClr val="000000"/>
+                      </a:solidFill>
+                      <a:prstDash val="solid"/>
+                      <a:round/>
+                      <a:headEnd type="none" w="med" len="med"/>
+                      <a:tailEnd type="none" w="med" len="med"/>
+                    </a:lnB>
+                    <a:solidFill>
+                      <a:schemeClr val="bg1">
+                        <a:lumMod val="95000"/>
+                      </a:schemeClr>
+                    </a:solidFill>
+                  </a:tcPr>
+                </a:tc>
+                <a:tc hMerge="1">
+                  <a:txBody>
+                    <a:bodyPr/>
+                    <a:lstStyle/>
+                    <a:p>
+                      <a:endParaRPr lang="en-US"/>
+                    </a:p>
+                  </a:txBody>
+                  <a:tcPr/>
+                </a:tc>
+                <a:tc hMerge="1">
+                  <a:txBody>
+                    <a:bodyPr/>
+                    <a:lstStyle/>
+                    <a:p>
+                      <a:endParaRPr lang="en-US"/>
+                    </a:p>
+                  </a:txBody>
+                  <a:tcPr/>
+                </a:tc>
+                <a:extLst>
+                  <a:ext uri="{0D108BD9-81ED-4DB2-BD59-A6C34878D82A}">
+                    <a16:rowId xmlns:a16="http://schemas.microsoft.com/office/drawing/2014/main" val="705689188"/>
+                  </a:ext>
+                </a:extLst>
+              </a:tr>
+              <a:tr h="346001">
+                <a:tc vMerge="1">
+                  <a:txBody>
+                    <a:bodyPr/>
+                    <a:lstStyle/>
+                    <a:p>
+                      <a:endParaRPr lang="en-US"/>
+                    </a:p>
+                  </a:txBody>
+                  <a:tcPr/>
+                </a:tc>
+                <a:tc>
+                  <a:txBody>
+                    <a:bodyPr/>
+                    <a:lstStyle/>
+                    <a:p>
+                      <a:pPr marL="0" marR="0" algn="ctr">
+                        <a:buNone/>
+                      </a:pPr>
+                      <a:r>
+                        <a:rPr lang="en-US" sz="1600" b="1" kern="100" dirty="0">
+                          <a:effectLst/>
+                          <a:latin typeface="Times New Roman" panose="02020603050405020304" pitchFamily="18" charset="0"/>
+                          <a:ea typeface="NSimSun" panose="02010609030101010101" pitchFamily="49" charset="-122"/>
+                          <a:cs typeface="Times New Roman" panose="02020603050405020304" pitchFamily="18" charset="0"/>
+                        </a:rPr>
+                        <a:t>Vtech Baby Monitor</a:t>
+                      </a:r>
+                      <a:endParaRPr lang="en-US" sz="1600" kern="100" dirty="0">
+                        <a:effectLst/>
+                        <a:latin typeface="Times New Roman" panose="02020603050405020304" pitchFamily="18" charset="0"/>
+                        <a:ea typeface="NSimSun" panose="02010609030101010101" pitchFamily="49" charset="-122"/>
+                        <a:cs typeface="Lucida Sans" panose="020B0602030504020204" pitchFamily="34" charset="0"/>
+                      </a:endParaRPr>
+                    </a:p>
+                  </a:txBody>
+                  <a:tcPr marL="68580" marR="68580" marT="0" marB="0">
+                    <a:lnL w="12700" cap="flat" cmpd="sng" algn="ctr">
+                      <a:solidFill>
+                        <a:srgbClr val="000000"/>
+                      </a:solidFill>
+                      <a:prstDash val="solid"/>
+                      <a:round/>
+                      <a:headEnd type="none" w="med" len="med"/>
+                      <a:tailEnd type="none" w="med" len="med"/>
+                    </a:lnL>
+                    <a:lnR w="12700" cap="flat" cmpd="sng" algn="ctr">
+                      <a:solidFill>
+                        <a:srgbClr val="000000"/>
+                      </a:solidFill>
+                      <a:prstDash val="solid"/>
+                      <a:round/>
+                      <a:headEnd type="none" w="med" len="med"/>
+                      <a:tailEnd type="none" w="med" len="med"/>
+                    </a:lnR>
+                    <a:lnT w="12700" cap="flat" cmpd="sng" algn="ctr">
+                      <a:solidFill>
+                        <a:srgbClr val="000000"/>
+                      </a:solidFill>
+                      <a:prstDash val="solid"/>
+                      <a:round/>
+                      <a:headEnd type="none" w="med" len="med"/>
+                      <a:tailEnd type="none" w="med" len="med"/>
+                    </a:lnT>
+                    <a:lnB w="12700" cap="flat" cmpd="sng" algn="ctr">
+                      <a:solidFill>
+                        <a:srgbClr val="000000"/>
+                      </a:solidFill>
+                      <a:prstDash val="solid"/>
+                      <a:round/>
+                      <a:headEnd type="none" w="med" len="med"/>
+                      <a:tailEnd type="none" w="med" len="med"/>
+                    </a:lnB>
+                    <a:solidFill>
+                      <a:schemeClr val="bg1">
+                        <a:lumMod val="95000"/>
+                      </a:schemeClr>
+                    </a:solidFill>
+                  </a:tcPr>
+                </a:tc>
+                <a:tc>
+                  <a:txBody>
+                    <a:bodyPr/>
+                    <a:lstStyle/>
+                    <a:p>
+                      <a:pPr marL="0" marR="0" algn="ctr">
+                        <a:buNone/>
+                      </a:pPr>
+                      <a:r>
+                        <a:rPr lang="en-US" sz="1600" b="1" kern="100" dirty="0">
+                          <a:effectLst/>
+                          <a:latin typeface="Times New Roman" panose="02020603050405020304" pitchFamily="18" charset="0"/>
+                          <a:ea typeface="NSimSun" panose="02010609030101010101" pitchFamily="49" charset="-122"/>
+                          <a:cs typeface="Times New Roman" panose="02020603050405020304" pitchFamily="18" charset="0"/>
+                        </a:rPr>
+                        <a:t>Ellie Smart Monitor</a:t>
+                      </a:r>
+                      <a:endParaRPr lang="en-US" sz="1600" kern="100" dirty="0">
+                        <a:effectLst/>
+                        <a:latin typeface="Times New Roman" panose="02020603050405020304" pitchFamily="18" charset="0"/>
+                        <a:ea typeface="NSimSun" panose="02010609030101010101" pitchFamily="49" charset="-122"/>
+                        <a:cs typeface="Lucida Sans" panose="020B0602030504020204" pitchFamily="34" charset="0"/>
+                      </a:endParaRPr>
+                    </a:p>
+                  </a:txBody>
+                  <a:tcPr marL="68580" marR="68580" marT="0" marB="0">
+                    <a:lnL w="12700" cap="flat" cmpd="sng" algn="ctr">
+                      <a:solidFill>
+                        <a:srgbClr val="000000"/>
+                      </a:solidFill>
+                      <a:prstDash val="solid"/>
+                      <a:round/>
+                      <a:headEnd type="none" w="med" len="med"/>
+                      <a:tailEnd type="none" w="med" len="med"/>
+                    </a:lnL>
+                    <a:lnR w="12700" cap="flat" cmpd="sng" algn="ctr">
+                      <a:solidFill>
+                        <a:srgbClr val="000000"/>
+                      </a:solidFill>
+                      <a:prstDash val="solid"/>
+                      <a:round/>
+                      <a:headEnd type="none" w="med" len="med"/>
+                      <a:tailEnd type="none" w="med" len="med"/>
+                    </a:lnR>
+                    <a:lnT w="12700" cap="flat" cmpd="sng" algn="ctr">
+                      <a:solidFill>
+                        <a:srgbClr val="000000"/>
+                      </a:solidFill>
+                      <a:prstDash val="solid"/>
+                      <a:round/>
+                      <a:headEnd type="none" w="med" len="med"/>
+                      <a:tailEnd type="none" w="med" len="med"/>
+                    </a:lnT>
+                    <a:lnB w="12700" cap="flat" cmpd="sng" algn="ctr">
+                      <a:solidFill>
+                        <a:srgbClr val="000000"/>
+                      </a:solidFill>
+                      <a:prstDash val="solid"/>
+                      <a:round/>
+                      <a:headEnd type="none" w="med" len="med"/>
+                      <a:tailEnd type="none" w="med" len="med"/>
+                    </a:lnB>
+                    <a:solidFill>
+                      <a:schemeClr val="bg1">
+                        <a:lumMod val="95000"/>
+                      </a:schemeClr>
+                    </a:solidFill>
+                  </a:tcPr>
+                </a:tc>
+                <a:tc>
+                  <a:txBody>
+                    <a:bodyPr/>
+                    <a:lstStyle/>
+                    <a:p>
+                      <a:pPr marL="0" marR="0" algn="ctr">
+                        <a:buNone/>
+                      </a:pPr>
+                      <a:r>
+                        <a:rPr lang="en-US" sz="1600" b="1" kern="100" dirty="0">
+                          <a:effectLst/>
+                          <a:latin typeface="Times New Roman" panose="02020603050405020304" pitchFamily="18" charset="0"/>
+                          <a:ea typeface="NSimSun" panose="02010609030101010101" pitchFamily="49" charset="-122"/>
+                          <a:cs typeface="Times New Roman" panose="02020603050405020304" pitchFamily="18" charset="0"/>
+                        </a:rPr>
+                        <a:t>Our Work</a:t>
+                      </a:r>
+                      <a:endParaRPr lang="en-US" sz="1600" kern="100" dirty="0">
+                        <a:effectLst/>
+                        <a:latin typeface="Times New Roman" panose="02020603050405020304" pitchFamily="18" charset="0"/>
+                        <a:ea typeface="NSimSun" panose="02010609030101010101" pitchFamily="49" charset="-122"/>
+                        <a:cs typeface="Lucida Sans" panose="020B0602030504020204" pitchFamily="34" charset="0"/>
+                      </a:endParaRPr>
+                    </a:p>
+                  </a:txBody>
+                  <a:tcPr marL="68580" marR="68580" marT="0" marB="0">
+                    <a:lnL w="12700" cap="flat" cmpd="sng" algn="ctr">
+                      <a:solidFill>
+                        <a:srgbClr val="000000"/>
+                      </a:solidFill>
+                      <a:prstDash val="solid"/>
+                      <a:round/>
+                      <a:headEnd type="none" w="med" len="med"/>
+                      <a:tailEnd type="none" w="med" len="med"/>
+                    </a:lnL>
+                    <a:lnR w="12700" cap="flat" cmpd="sng" algn="ctr">
+                      <a:solidFill>
+                        <a:srgbClr val="000000"/>
+                      </a:solidFill>
+                      <a:prstDash val="solid"/>
+                      <a:round/>
+                      <a:headEnd type="none" w="med" len="med"/>
+                      <a:tailEnd type="none" w="med" len="med"/>
+                    </a:lnR>
+                    <a:lnT w="12700" cap="flat" cmpd="sng" algn="ctr">
+                      <a:solidFill>
+                        <a:srgbClr val="000000"/>
+                      </a:solidFill>
+                      <a:prstDash val="solid"/>
+                      <a:round/>
+                      <a:headEnd type="none" w="med" len="med"/>
+                      <a:tailEnd type="none" w="med" len="med"/>
+                    </a:lnT>
+                    <a:lnB w="12700" cap="flat" cmpd="sng" algn="ctr">
+                      <a:solidFill>
+                        <a:srgbClr val="000000"/>
+                      </a:solidFill>
+                      <a:prstDash val="solid"/>
+                      <a:round/>
+                      <a:headEnd type="none" w="med" len="med"/>
+                      <a:tailEnd type="none" w="med" len="med"/>
+                    </a:lnB>
+                    <a:solidFill>
+                      <a:schemeClr val="bg1">
+                        <a:lumMod val="95000"/>
+                      </a:schemeClr>
+                    </a:solidFill>
+                  </a:tcPr>
+                </a:tc>
+                <a:extLst>
+                  <a:ext uri="{0D108BD9-81ED-4DB2-BD59-A6C34878D82A}">
+                    <a16:rowId xmlns:a16="http://schemas.microsoft.com/office/drawing/2014/main" val="632844697"/>
+                  </a:ext>
+                </a:extLst>
+              </a:tr>
+              <a:tr h="692000">
+                <a:tc>
+                  <a:txBody>
+                    <a:bodyPr/>
+                    <a:lstStyle/>
+                    <a:p>
+                      <a:pPr marL="0" marR="0" algn="l">
+                        <a:buNone/>
+                      </a:pPr>
+                      <a:r>
+                        <a:rPr lang="en-US" sz="1600" b="1" kern="100" dirty="0">
+                          <a:effectLst/>
+                          <a:latin typeface="Times New Roman" panose="02020603050405020304" pitchFamily="18" charset="0"/>
+                          <a:ea typeface="NSimSun" panose="02010609030101010101" pitchFamily="49" charset="-122"/>
+                          <a:cs typeface="Times New Roman" panose="02020603050405020304" pitchFamily="18" charset="0"/>
+                        </a:rPr>
+                        <a:t>Temperature Sensor</a:t>
+                      </a:r>
+                      <a:endParaRPr lang="en-US" sz="1600" b="1" kern="100" dirty="0">
+                        <a:effectLst/>
+                        <a:latin typeface="Times New Roman" panose="02020603050405020304" pitchFamily="18" charset="0"/>
+                        <a:ea typeface="NSimSun" panose="02010609030101010101" pitchFamily="49" charset="-122"/>
+                        <a:cs typeface="Lucida Sans" panose="020B0602030504020204" pitchFamily="34" charset="0"/>
+                      </a:endParaRPr>
+                    </a:p>
+                  </a:txBody>
+                  <a:tcPr marL="68580" marR="68580" marT="0" marB="0" anchor="ctr">
+                    <a:lnL w="12700" cap="flat" cmpd="sng" algn="ctr">
+                      <a:solidFill>
+                        <a:srgbClr val="000000"/>
+                      </a:solidFill>
+                      <a:prstDash val="solid"/>
+                      <a:round/>
+                      <a:headEnd type="none" w="med" len="med"/>
+                      <a:tailEnd type="none" w="med" len="med"/>
+                    </a:lnL>
+                    <a:lnR w="12700" cap="flat" cmpd="sng" algn="ctr">
+                      <a:solidFill>
+                        <a:srgbClr val="000000"/>
+                      </a:solidFill>
+                      <a:prstDash val="solid"/>
+                      <a:round/>
+                      <a:headEnd type="none" w="med" len="med"/>
+                      <a:tailEnd type="none" w="med" len="med"/>
+                    </a:lnR>
+                    <a:lnT w="12700" cap="flat" cmpd="sng" algn="ctr">
+                      <a:solidFill>
+                        <a:srgbClr val="000000"/>
+                      </a:solidFill>
+                      <a:prstDash val="solid"/>
+                      <a:round/>
+                      <a:headEnd type="none" w="med" len="med"/>
+                      <a:tailEnd type="none" w="med" len="med"/>
+                    </a:lnT>
+                    <a:lnB w="12700" cap="flat" cmpd="sng" algn="ctr">
+                      <a:solidFill>
+                        <a:srgbClr val="000000"/>
+                      </a:solidFill>
+                      <a:prstDash val="solid"/>
+                      <a:round/>
+                      <a:headEnd type="none" w="med" len="med"/>
+                      <a:tailEnd type="none" w="med" len="med"/>
+                    </a:lnB>
+                    <a:solidFill>
+                      <a:schemeClr val="bg1">
+                        <a:lumMod val="95000"/>
+                      </a:schemeClr>
+                    </a:solidFill>
+                  </a:tcPr>
+                </a:tc>
+                <a:tc>
+                  <a:txBody>
+                    <a:bodyPr/>
+                    <a:lstStyle/>
+                    <a:p>
+                      <a:pPr marL="0" marR="0" algn="l">
+                        <a:buNone/>
+                      </a:pPr>
+                      <a:r>
+                        <a:rPr lang="en-US" sz="1400" kern="100" dirty="0">
+                          <a:effectLst/>
+                          <a:latin typeface="Times New Roman" panose="02020603050405020304" pitchFamily="18" charset="0"/>
+                          <a:ea typeface="NSimSun" panose="02010609030101010101" pitchFamily="49" charset="-122"/>
+                          <a:cs typeface="Times New Roman" panose="02020603050405020304" pitchFamily="18" charset="0"/>
+                        </a:rPr>
+                        <a:t>Measures Temperature of the Environment</a:t>
+                      </a:r>
+                      <a:endParaRPr lang="en-US" sz="1400" kern="100" dirty="0">
+                        <a:effectLst/>
+                        <a:latin typeface="Times New Roman" panose="02020603050405020304" pitchFamily="18" charset="0"/>
+                        <a:ea typeface="NSimSun" panose="02010609030101010101" pitchFamily="49" charset="-122"/>
+                        <a:cs typeface="Lucida Sans" panose="020B0602030504020204" pitchFamily="34" charset="0"/>
+                      </a:endParaRPr>
+                    </a:p>
+                  </a:txBody>
+                  <a:tcPr marL="68580" marR="68580" marT="0" marB="0">
+                    <a:lnL w="12700" cap="flat" cmpd="sng" algn="ctr">
+                      <a:solidFill>
+                        <a:srgbClr val="000000"/>
+                      </a:solidFill>
+                      <a:prstDash val="solid"/>
+                      <a:round/>
+                      <a:headEnd type="none" w="med" len="med"/>
+                      <a:tailEnd type="none" w="med" len="med"/>
+                    </a:lnL>
+                    <a:lnR w="12700" cap="flat" cmpd="sng" algn="ctr">
+                      <a:solidFill>
+                        <a:srgbClr val="000000"/>
+                      </a:solidFill>
+                      <a:prstDash val="solid"/>
+                      <a:round/>
+                      <a:headEnd type="none" w="med" len="med"/>
+                      <a:tailEnd type="none" w="med" len="med"/>
+                    </a:lnR>
+                    <a:lnT w="12700" cap="flat" cmpd="sng" algn="ctr">
+                      <a:solidFill>
+                        <a:srgbClr val="000000"/>
+                      </a:solidFill>
+                      <a:prstDash val="solid"/>
+                      <a:round/>
+                      <a:headEnd type="none" w="med" len="med"/>
+                      <a:tailEnd type="none" w="med" len="med"/>
+                    </a:lnT>
+                    <a:lnB w="12700" cap="flat" cmpd="sng" algn="ctr">
+                      <a:solidFill>
+                        <a:srgbClr val="000000"/>
+                      </a:solidFill>
+                      <a:prstDash val="solid"/>
+                      <a:round/>
+                      <a:headEnd type="none" w="med" len="med"/>
+                      <a:tailEnd type="none" w="med" len="med"/>
+                    </a:lnB>
+                    <a:noFill/>
+                  </a:tcPr>
+                </a:tc>
+                <a:tc>
+                  <a:txBody>
+                    <a:bodyPr/>
+                    <a:lstStyle/>
+                    <a:p>
+                      <a:pPr marL="0" marR="0" algn="l">
+                        <a:buNone/>
+                      </a:pPr>
+                      <a:r>
+                        <a:rPr lang="en-US" sz="1400" kern="100" dirty="0">
+                          <a:effectLst/>
+                          <a:latin typeface="Times New Roman" panose="02020603050405020304" pitchFamily="18" charset="0"/>
+                          <a:ea typeface="NSimSun" panose="02010609030101010101" pitchFamily="49" charset="-122"/>
+                          <a:cs typeface="Times New Roman" panose="02020603050405020304" pitchFamily="18" charset="0"/>
+                        </a:rPr>
+                        <a:t>Measures Temperature of the Environment</a:t>
+                      </a:r>
+                      <a:endParaRPr lang="en-US" sz="1400" kern="100" dirty="0">
+                        <a:effectLst/>
+                        <a:latin typeface="Times New Roman" panose="02020603050405020304" pitchFamily="18" charset="0"/>
+                        <a:ea typeface="NSimSun" panose="02010609030101010101" pitchFamily="49" charset="-122"/>
+                        <a:cs typeface="Lucida Sans" panose="020B0602030504020204" pitchFamily="34" charset="0"/>
+                      </a:endParaRPr>
+                    </a:p>
+                  </a:txBody>
+                  <a:tcPr marL="68580" marR="68580" marT="0" marB="0">
+                    <a:lnL w="12700" cap="flat" cmpd="sng" algn="ctr">
+                      <a:solidFill>
+                        <a:srgbClr val="000000"/>
+                      </a:solidFill>
+                      <a:prstDash val="solid"/>
+                      <a:round/>
+                      <a:headEnd type="none" w="med" len="med"/>
+                      <a:tailEnd type="none" w="med" len="med"/>
+                    </a:lnL>
+                    <a:lnR w="12700" cap="flat" cmpd="sng" algn="ctr">
+                      <a:solidFill>
+                        <a:srgbClr val="000000"/>
+                      </a:solidFill>
+                      <a:prstDash val="solid"/>
+                      <a:round/>
+                      <a:headEnd type="none" w="med" len="med"/>
+                      <a:tailEnd type="none" w="med" len="med"/>
+                    </a:lnR>
+                    <a:lnT w="12700" cap="flat" cmpd="sng" algn="ctr">
+                      <a:solidFill>
+                        <a:srgbClr val="000000"/>
+                      </a:solidFill>
+                      <a:prstDash val="solid"/>
+                      <a:round/>
+                      <a:headEnd type="none" w="med" len="med"/>
+                      <a:tailEnd type="none" w="med" len="med"/>
+                    </a:lnT>
+                    <a:lnB w="12700" cap="flat" cmpd="sng" algn="ctr">
+                      <a:solidFill>
+                        <a:srgbClr val="000000"/>
+                      </a:solidFill>
+                      <a:prstDash val="solid"/>
+                      <a:round/>
+                      <a:headEnd type="none" w="med" len="med"/>
+                      <a:tailEnd type="none" w="med" len="med"/>
+                    </a:lnB>
+                    <a:noFill/>
+                  </a:tcPr>
+                </a:tc>
+                <a:tc>
+                  <a:txBody>
+                    <a:bodyPr/>
+                    <a:lstStyle/>
+                    <a:p>
+                      <a:pPr marL="0" marR="0" algn="l">
+                        <a:buNone/>
+                      </a:pPr>
+                      <a:r>
+                        <a:rPr lang="en-US" sz="1400" kern="100" dirty="0">
+                          <a:effectLst/>
+                          <a:latin typeface="Times New Roman" panose="02020603050405020304" pitchFamily="18" charset="0"/>
+                          <a:ea typeface="NSimSun" panose="02010609030101010101" pitchFamily="49" charset="-122"/>
+                          <a:cs typeface="Times New Roman" panose="02020603050405020304" pitchFamily="18" charset="0"/>
+                        </a:rPr>
+                        <a:t>Measures Temperature of the Infant</a:t>
+                      </a:r>
+                      <a:endParaRPr lang="en-US" sz="1400" kern="100" dirty="0">
+                        <a:effectLst/>
+                        <a:latin typeface="Times New Roman" panose="02020603050405020304" pitchFamily="18" charset="0"/>
+                        <a:ea typeface="NSimSun" panose="02010609030101010101" pitchFamily="49" charset="-122"/>
+                        <a:cs typeface="Lucida Sans" panose="020B0602030504020204" pitchFamily="34" charset="0"/>
+                      </a:endParaRPr>
+                    </a:p>
+                  </a:txBody>
+                  <a:tcPr marL="68580" marR="68580" marT="0" marB="0">
+                    <a:lnL w="12700" cap="flat" cmpd="sng" algn="ctr">
+                      <a:solidFill>
+                        <a:srgbClr val="000000"/>
+                      </a:solidFill>
+                      <a:prstDash val="solid"/>
+                      <a:round/>
+                      <a:headEnd type="none" w="med" len="med"/>
+                      <a:tailEnd type="none" w="med" len="med"/>
+                    </a:lnL>
+                    <a:lnR w="12700" cap="flat" cmpd="sng" algn="ctr">
+                      <a:solidFill>
+                        <a:srgbClr val="000000"/>
+                      </a:solidFill>
+                      <a:prstDash val="solid"/>
+                      <a:round/>
+                      <a:headEnd type="none" w="med" len="med"/>
+                      <a:tailEnd type="none" w="med" len="med"/>
+                    </a:lnR>
+                    <a:lnT w="12700" cap="flat" cmpd="sng" algn="ctr">
+                      <a:solidFill>
+                        <a:srgbClr val="000000"/>
+                      </a:solidFill>
+                      <a:prstDash val="solid"/>
+                      <a:round/>
+                      <a:headEnd type="none" w="med" len="med"/>
+                      <a:tailEnd type="none" w="med" len="med"/>
+                    </a:lnT>
+                    <a:lnB w="12700" cap="flat" cmpd="sng" algn="ctr">
+                      <a:solidFill>
+                        <a:srgbClr val="000000"/>
+                      </a:solidFill>
+                      <a:prstDash val="solid"/>
+                      <a:round/>
+                      <a:headEnd type="none" w="med" len="med"/>
+                      <a:tailEnd type="none" w="med" len="med"/>
+                    </a:lnB>
+                    <a:noFill/>
+                  </a:tcPr>
+                </a:tc>
+                <a:extLst>
+                  <a:ext uri="{0D108BD9-81ED-4DB2-BD59-A6C34878D82A}">
+                    <a16:rowId xmlns:a16="http://schemas.microsoft.com/office/drawing/2014/main" val="4098041617"/>
+                  </a:ext>
+                </a:extLst>
+              </a:tr>
+              <a:tr h="346001">
+                <a:tc>
+                  <a:txBody>
+                    <a:bodyPr/>
+                    <a:lstStyle/>
+                    <a:p>
+                      <a:pPr marL="0" marR="0" algn="l">
+                        <a:buNone/>
+                      </a:pPr>
+                      <a:r>
+                        <a:rPr lang="en-US" sz="1600" b="1" kern="100" dirty="0">
+                          <a:effectLst/>
+                          <a:latin typeface="Times New Roman" panose="02020603050405020304" pitchFamily="18" charset="0"/>
+                          <a:ea typeface="NSimSun" panose="02010609030101010101" pitchFamily="49" charset="-122"/>
+                          <a:cs typeface="Times New Roman" panose="02020603050405020304" pitchFamily="18" charset="0"/>
+                        </a:rPr>
+                        <a:t>Noise Detector</a:t>
+                      </a:r>
+                      <a:endParaRPr lang="en-US" sz="1600" b="1" kern="100" dirty="0">
+                        <a:effectLst/>
+                        <a:latin typeface="Times New Roman" panose="02020603050405020304" pitchFamily="18" charset="0"/>
+                        <a:ea typeface="NSimSun" panose="02010609030101010101" pitchFamily="49" charset="-122"/>
+                        <a:cs typeface="Lucida Sans" panose="020B0602030504020204" pitchFamily="34" charset="0"/>
+                      </a:endParaRPr>
+                    </a:p>
+                  </a:txBody>
+                  <a:tcPr marL="68580" marR="68580" marT="0" marB="0" anchor="ctr">
+                    <a:lnL w="12700" cap="flat" cmpd="sng" algn="ctr">
+                      <a:solidFill>
+                        <a:srgbClr val="000000"/>
+                      </a:solidFill>
+                      <a:prstDash val="solid"/>
+                      <a:round/>
+                      <a:headEnd type="none" w="med" len="med"/>
+                      <a:tailEnd type="none" w="med" len="med"/>
+                    </a:lnL>
+                    <a:lnR w="12700" cap="flat" cmpd="sng" algn="ctr">
+                      <a:solidFill>
+                        <a:srgbClr val="000000"/>
+                      </a:solidFill>
+                      <a:prstDash val="solid"/>
+                      <a:round/>
+                      <a:headEnd type="none" w="med" len="med"/>
+                      <a:tailEnd type="none" w="med" len="med"/>
+                    </a:lnR>
+                    <a:lnT w="12700" cap="flat" cmpd="sng" algn="ctr">
+                      <a:solidFill>
+                        <a:srgbClr val="000000"/>
+                      </a:solidFill>
+                      <a:prstDash val="solid"/>
+                      <a:round/>
+                      <a:headEnd type="none" w="med" len="med"/>
+                      <a:tailEnd type="none" w="med" len="med"/>
+                    </a:lnT>
+                    <a:lnB w="12700" cap="flat" cmpd="sng" algn="ctr">
+                      <a:solidFill>
+                        <a:srgbClr val="000000"/>
+                      </a:solidFill>
+                      <a:prstDash val="solid"/>
+                      <a:round/>
+                      <a:headEnd type="none" w="med" len="med"/>
+                      <a:tailEnd type="none" w="med" len="med"/>
+                    </a:lnB>
+                    <a:solidFill>
+                      <a:schemeClr val="bg1">
+                        <a:lumMod val="95000"/>
+                      </a:schemeClr>
+                    </a:solidFill>
+                  </a:tcPr>
+                </a:tc>
+                <a:tc>
+                  <a:txBody>
+                    <a:bodyPr/>
+                    <a:lstStyle/>
+                    <a:p>
+                      <a:pPr marL="0" marR="0" algn="ctr">
+                        <a:buNone/>
+                      </a:pPr>
+                      <a:r>
+                        <a:rPr lang="en-US" sz="1400" kern="100">
+                          <a:effectLst/>
+                          <a:latin typeface="Times New Roman" panose="02020603050405020304" pitchFamily="18" charset="0"/>
+                          <a:ea typeface="NSimSun" panose="02010609030101010101" pitchFamily="49" charset="-122"/>
+                          <a:cs typeface="Times New Roman" panose="02020603050405020304" pitchFamily="18" charset="0"/>
+                        </a:rPr>
+                        <a:t>Yes</a:t>
+                      </a:r>
+                      <a:endParaRPr lang="en-US" sz="1400" kern="100">
+                        <a:effectLst/>
+                        <a:latin typeface="Times New Roman" panose="02020603050405020304" pitchFamily="18" charset="0"/>
+                        <a:ea typeface="NSimSun" panose="02010609030101010101" pitchFamily="49" charset="-122"/>
+                        <a:cs typeface="Lucida Sans" panose="020B0602030504020204" pitchFamily="34" charset="0"/>
+                      </a:endParaRPr>
+                    </a:p>
+                  </a:txBody>
+                  <a:tcPr marL="68580" marR="68580" marT="0" marB="0">
+                    <a:lnL w="12700" cap="flat" cmpd="sng" algn="ctr">
+                      <a:solidFill>
+                        <a:srgbClr val="000000"/>
+                      </a:solidFill>
+                      <a:prstDash val="solid"/>
+                      <a:round/>
+                      <a:headEnd type="none" w="med" len="med"/>
+                      <a:tailEnd type="none" w="med" len="med"/>
+                    </a:lnL>
+                    <a:lnR w="12700" cap="flat" cmpd="sng" algn="ctr">
+                      <a:solidFill>
+                        <a:srgbClr val="000000"/>
+                      </a:solidFill>
+                      <a:prstDash val="solid"/>
+                      <a:round/>
+                      <a:headEnd type="none" w="med" len="med"/>
+                      <a:tailEnd type="none" w="med" len="med"/>
+                    </a:lnR>
+                    <a:lnT w="12700" cap="flat" cmpd="sng" algn="ctr">
+                      <a:solidFill>
+                        <a:srgbClr val="000000"/>
+                      </a:solidFill>
+                      <a:prstDash val="solid"/>
+                      <a:round/>
+                      <a:headEnd type="none" w="med" len="med"/>
+                      <a:tailEnd type="none" w="med" len="med"/>
+                    </a:lnT>
+                    <a:lnB w="12700" cap="flat" cmpd="sng" algn="ctr">
+                      <a:solidFill>
+                        <a:srgbClr val="000000"/>
+                      </a:solidFill>
+                      <a:prstDash val="solid"/>
+                      <a:round/>
+                      <a:headEnd type="none" w="med" len="med"/>
+                      <a:tailEnd type="none" w="med" len="med"/>
+                    </a:lnB>
+                    <a:noFill/>
+                  </a:tcPr>
+                </a:tc>
+                <a:tc>
+                  <a:txBody>
+                    <a:bodyPr/>
+                    <a:lstStyle/>
+                    <a:p>
+                      <a:pPr marL="0" marR="0" algn="ctr">
+                        <a:buNone/>
+                      </a:pPr>
+                      <a:r>
+                        <a:rPr lang="en-US" sz="1400" kern="100" dirty="0">
+                          <a:effectLst/>
+                          <a:latin typeface="Times New Roman" panose="02020603050405020304" pitchFamily="18" charset="0"/>
+                          <a:ea typeface="NSimSun" panose="02010609030101010101" pitchFamily="49" charset="-122"/>
+                          <a:cs typeface="Times New Roman" panose="02020603050405020304" pitchFamily="18" charset="0"/>
+                        </a:rPr>
+                        <a:t>Yes</a:t>
+                      </a:r>
+                      <a:endParaRPr lang="en-US" sz="1400" kern="100" dirty="0">
+                        <a:effectLst/>
+                        <a:latin typeface="Times New Roman" panose="02020603050405020304" pitchFamily="18" charset="0"/>
+                        <a:ea typeface="NSimSun" panose="02010609030101010101" pitchFamily="49" charset="-122"/>
+                        <a:cs typeface="Lucida Sans" panose="020B0602030504020204" pitchFamily="34" charset="0"/>
+                      </a:endParaRPr>
+                    </a:p>
+                  </a:txBody>
+                  <a:tcPr marL="68580" marR="68580" marT="0" marB="0">
+                    <a:lnL w="12700" cap="flat" cmpd="sng" algn="ctr">
+                      <a:solidFill>
+                        <a:srgbClr val="000000"/>
+                      </a:solidFill>
+                      <a:prstDash val="solid"/>
+                      <a:round/>
+                      <a:headEnd type="none" w="med" len="med"/>
+                      <a:tailEnd type="none" w="med" len="med"/>
+                    </a:lnL>
+                    <a:lnR w="12700" cap="flat" cmpd="sng" algn="ctr">
+                      <a:solidFill>
+                        <a:srgbClr val="000000"/>
+                      </a:solidFill>
+                      <a:prstDash val="solid"/>
+                      <a:round/>
+                      <a:headEnd type="none" w="med" len="med"/>
+                      <a:tailEnd type="none" w="med" len="med"/>
+                    </a:lnR>
+                    <a:lnT w="12700" cap="flat" cmpd="sng" algn="ctr">
+                      <a:solidFill>
+                        <a:srgbClr val="000000"/>
+                      </a:solidFill>
+                      <a:prstDash val="solid"/>
+                      <a:round/>
+                      <a:headEnd type="none" w="med" len="med"/>
+                      <a:tailEnd type="none" w="med" len="med"/>
+                    </a:lnT>
+                    <a:lnB w="12700" cap="flat" cmpd="sng" algn="ctr">
+                      <a:solidFill>
+                        <a:srgbClr val="000000"/>
+                      </a:solidFill>
+                      <a:prstDash val="solid"/>
+                      <a:round/>
+                      <a:headEnd type="none" w="med" len="med"/>
+                      <a:tailEnd type="none" w="med" len="med"/>
+                    </a:lnB>
+                    <a:noFill/>
+                  </a:tcPr>
+                </a:tc>
+                <a:tc>
+                  <a:txBody>
+                    <a:bodyPr/>
+                    <a:lstStyle/>
+                    <a:p>
+                      <a:pPr marL="0" marR="0" algn="ctr">
+                        <a:buNone/>
+                      </a:pPr>
+                      <a:r>
+                        <a:rPr lang="en-US" sz="1400" kern="100" dirty="0">
+                          <a:effectLst/>
+                          <a:latin typeface="Times New Roman" panose="02020603050405020304" pitchFamily="18" charset="0"/>
+                          <a:ea typeface="NSimSun" panose="02010609030101010101" pitchFamily="49" charset="-122"/>
+                          <a:cs typeface="Times New Roman" panose="02020603050405020304" pitchFamily="18" charset="0"/>
+                        </a:rPr>
+                        <a:t>Yes</a:t>
+                      </a:r>
+                      <a:endParaRPr lang="en-US" sz="1400" kern="100" dirty="0">
+                        <a:effectLst/>
+                        <a:latin typeface="Times New Roman" panose="02020603050405020304" pitchFamily="18" charset="0"/>
+                        <a:ea typeface="NSimSun" panose="02010609030101010101" pitchFamily="49" charset="-122"/>
+                        <a:cs typeface="Lucida Sans" panose="020B0602030504020204" pitchFamily="34" charset="0"/>
+                      </a:endParaRPr>
+                    </a:p>
+                  </a:txBody>
+                  <a:tcPr marL="68580" marR="68580" marT="0" marB="0">
+                    <a:lnL w="12700" cap="flat" cmpd="sng" algn="ctr">
+                      <a:solidFill>
+                        <a:srgbClr val="000000"/>
+                      </a:solidFill>
+                      <a:prstDash val="solid"/>
+                      <a:round/>
+                      <a:headEnd type="none" w="med" len="med"/>
+                      <a:tailEnd type="none" w="med" len="med"/>
+                    </a:lnL>
+                    <a:lnR w="12700" cap="flat" cmpd="sng" algn="ctr">
+                      <a:solidFill>
+                        <a:srgbClr val="000000"/>
+                      </a:solidFill>
+                      <a:prstDash val="solid"/>
+                      <a:round/>
+                      <a:headEnd type="none" w="med" len="med"/>
+                      <a:tailEnd type="none" w="med" len="med"/>
+                    </a:lnR>
+                    <a:lnT w="12700" cap="flat" cmpd="sng" algn="ctr">
+                      <a:solidFill>
+                        <a:srgbClr val="000000"/>
+                      </a:solidFill>
+                      <a:prstDash val="solid"/>
+                      <a:round/>
+                      <a:headEnd type="none" w="med" len="med"/>
+                      <a:tailEnd type="none" w="med" len="med"/>
+                    </a:lnT>
+                    <a:lnB w="12700" cap="flat" cmpd="sng" algn="ctr">
+                      <a:solidFill>
+                        <a:srgbClr val="000000"/>
+                      </a:solidFill>
+                      <a:prstDash val="solid"/>
+                      <a:round/>
+                      <a:headEnd type="none" w="med" len="med"/>
+                      <a:tailEnd type="none" w="med" len="med"/>
+                    </a:lnB>
+                    <a:noFill/>
+                  </a:tcPr>
+                </a:tc>
+                <a:extLst>
+                  <a:ext uri="{0D108BD9-81ED-4DB2-BD59-A6C34878D82A}">
+                    <a16:rowId xmlns:a16="http://schemas.microsoft.com/office/drawing/2014/main" val="3904441888"/>
+                  </a:ext>
+                </a:extLst>
+              </a:tr>
+              <a:tr h="346001">
+                <a:tc>
+                  <a:txBody>
+                    <a:bodyPr/>
+                    <a:lstStyle/>
+                    <a:p>
+                      <a:pPr marL="0" marR="0" algn="l">
+                        <a:buNone/>
+                      </a:pPr>
+                      <a:r>
+                        <a:rPr lang="en-US" sz="1600" b="1" kern="100" dirty="0">
+                          <a:effectLst/>
+                          <a:latin typeface="Times New Roman" panose="02020603050405020304" pitchFamily="18" charset="0"/>
+                          <a:ea typeface="NSimSun" panose="02010609030101010101" pitchFamily="49" charset="-122"/>
+                          <a:cs typeface="Times New Roman" panose="02020603050405020304" pitchFamily="18" charset="0"/>
+                        </a:rPr>
+                        <a:t>Air Quality Check</a:t>
+                      </a:r>
+                      <a:endParaRPr lang="en-US" sz="1600" b="1" kern="100" dirty="0">
+                        <a:effectLst/>
+                        <a:latin typeface="Times New Roman" panose="02020603050405020304" pitchFamily="18" charset="0"/>
+                        <a:ea typeface="NSimSun" panose="02010609030101010101" pitchFamily="49" charset="-122"/>
+                        <a:cs typeface="Lucida Sans" panose="020B0602030504020204" pitchFamily="34" charset="0"/>
+                      </a:endParaRPr>
+                    </a:p>
+                  </a:txBody>
+                  <a:tcPr marL="68580" marR="68580" marT="0" marB="0" anchor="ctr">
+                    <a:lnL w="12700" cap="flat" cmpd="sng" algn="ctr">
+                      <a:solidFill>
+                        <a:srgbClr val="000000"/>
+                      </a:solidFill>
+                      <a:prstDash val="solid"/>
+                      <a:round/>
+                      <a:headEnd type="none" w="med" len="med"/>
+                      <a:tailEnd type="none" w="med" len="med"/>
+                    </a:lnL>
+                    <a:lnR w="12700" cap="flat" cmpd="sng" algn="ctr">
+                      <a:solidFill>
+                        <a:srgbClr val="000000"/>
+                      </a:solidFill>
+                      <a:prstDash val="solid"/>
+                      <a:round/>
+                      <a:headEnd type="none" w="med" len="med"/>
+                      <a:tailEnd type="none" w="med" len="med"/>
+                    </a:lnR>
+                    <a:lnT w="12700" cap="flat" cmpd="sng" algn="ctr">
+                      <a:solidFill>
+                        <a:srgbClr val="000000"/>
+                      </a:solidFill>
+                      <a:prstDash val="solid"/>
+                      <a:round/>
+                      <a:headEnd type="none" w="med" len="med"/>
+                      <a:tailEnd type="none" w="med" len="med"/>
+                    </a:lnT>
+                    <a:lnB w="12700" cap="flat" cmpd="sng" algn="ctr">
+                      <a:solidFill>
+                        <a:srgbClr val="000000"/>
+                      </a:solidFill>
+                      <a:prstDash val="solid"/>
+                      <a:round/>
+                      <a:headEnd type="none" w="med" len="med"/>
+                      <a:tailEnd type="none" w="med" len="med"/>
+                    </a:lnB>
+                    <a:solidFill>
+                      <a:schemeClr val="bg1">
+                        <a:lumMod val="95000"/>
+                      </a:schemeClr>
+                    </a:solidFill>
+                  </a:tcPr>
+                </a:tc>
+                <a:tc>
+                  <a:txBody>
+                    <a:bodyPr/>
+                    <a:lstStyle/>
+                    <a:p>
+                      <a:pPr marL="0" marR="0" algn="ctr">
+                        <a:buNone/>
+                      </a:pPr>
+                      <a:r>
+                        <a:rPr lang="en-US" sz="1400" kern="100">
+                          <a:effectLst/>
+                          <a:latin typeface="Times New Roman" panose="02020603050405020304" pitchFamily="18" charset="0"/>
+                          <a:ea typeface="NSimSun" panose="02010609030101010101" pitchFamily="49" charset="-122"/>
+                          <a:cs typeface="Times New Roman" panose="02020603050405020304" pitchFamily="18" charset="0"/>
+                        </a:rPr>
+                        <a:t>No</a:t>
+                      </a:r>
+                      <a:endParaRPr lang="en-US" sz="1400" kern="100">
+                        <a:effectLst/>
+                        <a:latin typeface="Times New Roman" panose="02020603050405020304" pitchFamily="18" charset="0"/>
+                        <a:ea typeface="NSimSun" panose="02010609030101010101" pitchFamily="49" charset="-122"/>
+                        <a:cs typeface="Lucida Sans" panose="020B0602030504020204" pitchFamily="34" charset="0"/>
+                      </a:endParaRPr>
+                    </a:p>
+                  </a:txBody>
+                  <a:tcPr marL="68580" marR="68580" marT="0" marB="0">
+                    <a:lnL w="12700" cap="flat" cmpd="sng" algn="ctr">
+                      <a:solidFill>
+                        <a:srgbClr val="000000"/>
+                      </a:solidFill>
+                      <a:prstDash val="solid"/>
+                      <a:round/>
+                      <a:headEnd type="none" w="med" len="med"/>
+                      <a:tailEnd type="none" w="med" len="med"/>
+                    </a:lnL>
+                    <a:lnR w="12700" cap="flat" cmpd="sng" algn="ctr">
+                      <a:solidFill>
+                        <a:srgbClr val="000000"/>
+                      </a:solidFill>
+                      <a:prstDash val="solid"/>
+                      <a:round/>
+                      <a:headEnd type="none" w="med" len="med"/>
+                      <a:tailEnd type="none" w="med" len="med"/>
+                    </a:lnR>
+                    <a:lnT w="12700" cap="flat" cmpd="sng" algn="ctr">
+                      <a:solidFill>
+                        <a:srgbClr val="000000"/>
+                      </a:solidFill>
+                      <a:prstDash val="solid"/>
+                      <a:round/>
+                      <a:headEnd type="none" w="med" len="med"/>
+                      <a:tailEnd type="none" w="med" len="med"/>
+                    </a:lnT>
+                    <a:lnB w="12700" cap="flat" cmpd="sng" algn="ctr">
+                      <a:solidFill>
+                        <a:srgbClr val="000000"/>
+                      </a:solidFill>
+                      <a:prstDash val="solid"/>
+                      <a:round/>
+                      <a:headEnd type="none" w="med" len="med"/>
+                      <a:tailEnd type="none" w="med" len="med"/>
+                    </a:lnB>
+                    <a:noFill/>
+                  </a:tcPr>
+                </a:tc>
+                <a:tc>
+                  <a:txBody>
+                    <a:bodyPr/>
+                    <a:lstStyle/>
+                    <a:p>
+                      <a:pPr marL="0" marR="0" algn="ctr">
+                        <a:buNone/>
+                      </a:pPr>
+                      <a:r>
+                        <a:rPr lang="en-US" sz="1400" kern="100" dirty="0">
+                          <a:effectLst/>
+                          <a:latin typeface="Times New Roman" panose="02020603050405020304" pitchFamily="18" charset="0"/>
+                          <a:ea typeface="NSimSun" panose="02010609030101010101" pitchFamily="49" charset="-122"/>
+                          <a:cs typeface="Times New Roman" panose="02020603050405020304" pitchFamily="18" charset="0"/>
+                        </a:rPr>
+                        <a:t>No</a:t>
+                      </a:r>
+                      <a:endParaRPr lang="en-US" sz="1400" kern="100" dirty="0">
+                        <a:effectLst/>
+                        <a:latin typeface="Times New Roman" panose="02020603050405020304" pitchFamily="18" charset="0"/>
+                        <a:ea typeface="NSimSun" panose="02010609030101010101" pitchFamily="49" charset="-122"/>
+                        <a:cs typeface="Lucida Sans" panose="020B0602030504020204" pitchFamily="34" charset="0"/>
+                      </a:endParaRPr>
+                    </a:p>
+                  </a:txBody>
+                  <a:tcPr marL="68580" marR="68580" marT="0" marB="0">
+                    <a:lnL w="12700" cap="flat" cmpd="sng" algn="ctr">
+                      <a:solidFill>
+                        <a:srgbClr val="000000"/>
+                      </a:solidFill>
+                      <a:prstDash val="solid"/>
+                      <a:round/>
+                      <a:headEnd type="none" w="med" len="med"/>
+                      <a:tailEnd type="none" w="med" len="med"/>
+                    </a:lnL>
+                    <a:lnR w="12700" cap="flat" cmpd="sng" algn="ctr">
+                      <a:solidFill>
+                        <a:srgbClr val="000000"/>
+                      </a:solidFill>
+                      <a:prstDash val="solid"/>
+                      <a:round/>
+                      <a:headEnd type="none" w="med" len="med"/>
+                      <a:tailEnd type="none" w="med" len="med"/>
+                    </a:lnR>
+                    <a:lnT w="12700" cap="flat" cmpd="sng" algn="ctr">
+                      <a:solidFill>
+                        <a:srgbClr val="000000"/>
+                      </a:solidFill>
+                      <a:prstDash val="solid"/>
+                      <a:round/>
+                      <a:headEnd type="none" w="med" len="med"/>
+                      <a:tailEnd type="none" w="med" len="med"/>
+                    </a:lnT>
+                    <a:lnB w="12700" cap="flat" cmpd="sng" algn="ctr">
+                      <a:solidFill>
+                        <a:srgbClr val="000000"/>
+                      </a:solidFill>
+                      <a:prstDash val="solid"/>
+                      <a:round/>
+                      <a:headEnd type="none" w="med" len="med"/>
+                      <a:tailEnd type="none" w="med" len="med"/>
+                    </a:lnB>
+                    <a:noFill/>
+                  </a:tcPr>
+                </a:tc>
+                <a:tc>
+                  <a:txBody>
+                    <a:bodyPr/>
+                    <a:lstStyle/>
+                    <a:p>
+                      <a:pPr marL="0" marR="0" algn="ctr">
+                        <a:buNone/>
+                      </a:pPr>
+                      <a:r>
+                        <a:rPr lang="en-US" sz="1400" kern="100" dirty="0">
+                          <a:effectLst/>
+                          <a:latin typeface="Times New Roman" panose="02020603050405020304" pitchFamily="18" charset="0"/>
+                          <a:ea typeface="NSimSun" panose="02010609030101010101" pitchFamily="49" charset="-122"/>
+                          <a:cs typeface="Times New Roman" panose="02020603050405020304" pitchFamily="18" charset="0"/>
+                        </a:rPr>
+                        <a:t>Yes</a:t>
+                      </a:r>
+                      <a:endParaRPr lang="en-US" sz="1400" kern="100" dirty="0">
+                        <a:effectLst/>
+                        <a:latin typeface="Times New Roman" panose="02020603050405020304" pitchFamily="18" charset="0"/>
+                        <a:ea typeface="NSimSun" panose="02010609030101010101" pitchFamily="49" charset="-122"/>
+                        <a:cs typeface="Lucida Sans" panose="020B0602030504020204" pitchFamily="34" charset="0"/>
+                      </a:endParaRPr>
+                    </a:p>
+                  </a:txBody>
+                  <a:tcPr marL="68580" marR="68580" marT="0" marB="0">
+                    <a:lnL w="12700" cap="flat" cmpd="sng" algn="ctr">
+                      <a:solidFill>
+                        <a:srgbClr val="000000"/>
+                      </a:solidFill>
+                      <a:prstDash val="solid"/>
+                      <a:round/>
+                      <a:headEnd type="none" w="med" len="med"/>
+                      <a:tailEnd type="none" w="med" len="med"/>
+                    </a:lnL>
+                    <a:lnR w="12700" cap="flat" cmpd="sng" algn="ctr">
+                      <a:solidFill>
+                        <a:srgbClr val="000000"/>
+                      </a:solidFill>
+                      <a:prstDash val="solid"/>
+                      <a:round/>
+                      <a:headEnd type="none" w="med" len="med"/>
+                      <a:tailEnd type="none" w="med" len="med"/>
+                    </a:lnR>
+                    <a:lnT w="12700" cap="flat" cmpd="sng" algn="ctr">
+                      <a:solidFill>
+                        <a:srgbClr val="000000"/>
+                      </a:solidFill>
+                      <a:prstDash val="solid"/>
+                      <a:round/>
+                      <a:headEnd type="none" w="med" len="med"/>
+                      <a:tailEnd type="none" w="med" len="med"/>
+                    </a:lnT>
+                    <a:lnB w="12700" cap="flat" cmpd="sng" algn="ctr">
+                      <a:solidFill>
+                        <a:srgbClr val="000000"/>
+                      </a:solidFill>
+                      <a:prstDash val="solid"/>
+                      <a:round/>
+                      <a:headEnd type="none" w="med" len="med"/>
+                      <a:tailEnd type="none" w="med" len="med"/>
+                    </a:lnB>
+                    <a:noFill/>
+                  </a:tcPr>
+                </a:tc>
+                <a:extLst>
+                  <a:ext uri="{0D108BD9-81ED-4DB2-BD59-A6C34878D82A}">
+                    <a16:rowId xmlns:a16="http://schemas.microsoft.com/office/drawing/2014/main" val="657573168"/>
+                  </a:ext>
+                </a:extLst>
+              </a:tr>
+              <a:tr h="469490">
+                <a:tc>
+                  <a:txBody>
+                    <a:bodyPr/>
+                    <a:lstStyle/>
+                    <a:p>
+                      <a:pPr marL="0" marR="0" algn="l">
+                        <a:buNone/>
+                      </a:pPr>
+                      <a:r>
+                        <a:rPr lang="en-US" sz="1600" b="1" kern="100" dirty="0">
+                          <a:effectLst/>
+                          <a:latin typeface="Times New Roman" panose="02020603050405020304" pitchFamily="18" charset="0"/>
+                          <a:ea typeface="NSimSun" panose="02010609030101010101" pitchFamily="49" charset="-122"/>
+                          <a:cs typeface="Times New Roman" panose="02020603050405020304" pitchFamily="18" charset="0"/>
+                        </a:rPr>
+                        <a:t>Spoiled Diaper Detection</a:t>
+                      </a:r>
+                      <a:endParaRPr lang="en-US" sz="1600" b="1" kern="100" dirty="0">
+                        <a:effectLst/>
+                        <a:latin typeface="Times New Roman" panose="02020603050405020304" pitchFamily="18" charset="0"/>
+                        <a:ea typeface="NSimSun" panose="02010609030101010101" pitchFamily="49" charset="-122"/>
+                        <a:cs typeface="Lucida Sans" panose="020B0602030504020204" pitchFamily="34" charset="0"/>
+                      </a:endParaRPr>
+                    </a:p>
+                  </a:txBody>
+                  <a:tcPr marL="68580" marR="68580" marT="0" marB="0" anchor="ctr">
+                    <a:lnL w="12700" cap="flat" cmpd="sng" algn="ctr">
+                      <a:solidFill>
+                        <a:srgbClr val="000000"/>
+                      </a:solidFill>
+                      <a:prstDash val="solid"/>
+                      <a:round/>
+                      <a:headEnd type="none" w="med" len="med"/>
+                      <a:tailEnd type="none" w="med" len="med"/>
+                    </a:lnL>
+                    <a:lnR w="12700" cap="flat" cmpd="sng" algn="ctr">
+                      <a:solidFill>
+                        <a:srgbClr val="000000"/>
+                      </a:solidFill>
+                      <a:prstDash val="solid"/>
+                      <a:round/>
+                      <a:headEnd type="none" w="med" len="med"/>
+                      <a:tailEnd type="none" w="med" len="med"/>
+                    </a:lnR>
+                    <a:lnT w="12700" cap="flat" cmpd="sng" algn="ctr">
+                      <a:solidFill>
+                        <a:srgbClr val="000000"/>
+                      </a:solidFill>
+                      <a:prstDash val="solid"/>
+                      <a:round/>
+                      <a:headEnd type="none" w="med" len="med"/>
+                      <a:tailEnd type="none" w="med" len="med"/>
+                    </a:lnT>
+                    <a:lnB w="12700" cap="flat" cmpd="sng" algn="ctr">
+                      <a:solidFill>
+                        <a:srgbClr val="000000"/>
+                      </a:solidFill>
+                      <a:prstDash val="solid"/>
+                      <a:round/>
+                      <a:headEnd type="none" w="med" len="med"/>
+                      <a:tailEnd type="none" w="med" len="med"/>
+                    </a:lnB>
+                    <a:solidFill>
+                      <a:schemeClr val="bg1">
+                        <a:lumMod val="95000"/>
+                      </a:schemeClr>
+                    </a:solidFill>
+                  </a:tcPr>
+                </a:tc>
+                <a:tc>
+                  <a:txBody>
+                    <a:bodyPr/>
+                    <a:lstStyle/>
+                    <a:p>
+                      <a:pPr marL="0" marR="0" algn="ctr">
+                        <a:buNone/>
+                      </a:pPr>
+                      <a:r>
+                        <a:rPr lang="en-US" sz="1400" kern="100">
+                          <a:effectLst/>
+                          <a:latin typeface="Times New Roman" panose="02020603050405020304" pitchFamily="18" charset="0"/>
+                          <a:ea typeface="NSimSun" panose="02010609030101010101" pitchFamily="49" charset="-122"/>
+                          <a:cs typeface="Times New Roman" panose="02020603050405020304" pitchFamily="18" charset="0"/>
+                        </a:rPr>
+                        <a:t>No</a:t>
+                      </a:r>
+                      <a:endParaRPr lang="en-US" sz="1400" kern="100">
+                        <a:effectLst/>
+                        <a:latin typeface="Times New Roman" panose="02020603050405020304" pitchFamily="18" charset="0"/>
+                        <a:ea typeface="NSimSun" panose="02010609030101010101" pitchFamily="49" charset="-122"/>
+                        <a:cs typeface="Lucida Sans" panose="020B0602030504020204" pitchFamily="34" charset="0"/>
+                      </a:endParaRPr>
+                    </a:p>
+                  </a:txBody>
+                  <a:tcPr marL="68580" marR="68580" marT="0" marB="0">
+                    <a:lnL w="12700" cap="flat" cmpd="sng" algn="ctr">
+                      <a:solidFill>
+                        <a:srgbClr val="000000"/>
+                      </a:solidFill>
+                      <a:prstDash val="solid"/>
+                      <a:round/>
+                      <a:headEnd type="none" w="med" len="med"/>
+                      <a:tailEnd type="none" w="med" len="med"/>
+                    </a:lnL>
+                    <a:lnR w="12700" cap="flat" cmpd="sng" algn="ctr">
+                      <a:solidFill>
+                        <a:srgbClr val="000000"/>
+                      </a:solidFill>
+                      <a:prstDash val="solid"/>
+                      <a:round/>
+                      <a:headEnd type="none" w="med" len="med"/>
+                      <a:tailEnd type="none" w="med" len="med"/>
+                    </a:lnR>
+                    <a:lnT w="12700" cap="flat" cmpd="sng" algn="ctr">
+                      <a:solidFill>
+                        <a:srgbClr val="000000"/>
+                      </a:solidFill>
+                      <a:prstDash val="solid"/>
+                      <a:round/>
+                      <a:headEnd type="none" w="med" len="med"/>
+                      <a:tailEnd type="none" w="med" len="med"/>
+                    </a:lnT>
+                    <a:lnB w="12700" cap="flat" cmpd="sng" algn="ctr">
+                      <a:solidFill>
+                        <a:srgbClr val="000000"/>
+                      </a:solidFill>
+                      <a:prstDash val="solid"/>
+                      <a:round/>
+                      <a:headEnd type="none" w="med" len="med"/>
+                      <a:tailEnd type="none" w="med" len="med"/>
+                    </a:lnB>
+                    <a:noFill/>
+                  </a:tcPr>
+                </a:tc>
+                <a:tc>
+                  <a:txBody>
+                    <a:bodyPr/>
+                    <a:lstStyle/>
+                    <a:p>
+                      <a:pPr marL="0" marR="0" algn="ctr">
+                        <a:buNone/>
+                      </a:pPr>
+                      <a:r>
+                        <a:rPr lang="en-US" sz="1400" kern="100" dirty="0">
+                          <a:effectLst/>
+                          <a:latin typeface="Times New Roman" panose="02020603050405020304" pitchFamily="18" charset="0"/>
+                          <a:ea typeface="NSimSun" panose="02010609030101010101" pitchFamily="49" charset="-122"/>
+                          <a:cs typeface="Times New Roman" panose="02020603050405020304" pitchFamily="18" charset="0"/>
+                        </a:rPr>
+                        <a:t>No</a:t>
+                      </a:r>
+                      <a:endParaRPr lang="en-US" sz="1400" kern="100" dirty="0">
+                        <a:effectLst/>
+                        <a:latin typeface="Times New Roman" panose="02020603050405020304" pitchFamily="18" charset="0"/>
+                        <a:ea typeface="NSimSun" panose="02010609030101010101" pitchFamily="49" charset="-122"/>
+                        <a:cs typeface="Lucida Sans" panose="020B0602030504020204" pitchFamily="34" charset="0"/>
+                      </a:endParaRPr>
+                    </a:p>
+                  </a:txBody>
+                  <a:tcPr marL="68580" marR="68580" marT="0" marB="0">
+                    <a:lnL w="12700" cap="flat" cmpd="sng" algn="ctr">
+                      <a:solidFill>
+                        <a:srgbClr val="000000"/>
+                      </a:solidFill>
+                      <a:prstDash val="solid"/>
+                      <a:round/>
+                      <a:headEnd type="none" w="med" len="med"/>
+                      <a:tailEnd type="none" w="med" len="med"/>
+                    </a:lnL>
+                    <a:lnR w="12700" cap="flat" cmpd="sng" algn="ctr">
+                      <a:solidFill>
+                        <a:srgbClr val="000000"/>
+                      </a:solidFill>
+                      <a:prstDash val="solid"/>
+                      <a:round/>
+                      <a:headEnd type="none" w="med" len="med"/>
+                      <a:tailEnd type="none" w="med" len="med"/>
+                    </a:lnR>
+                    <a:lnT w="12700" cap="flat" cmpd="sng" algn="ctr">
+                      <a:solidFill>
+                        <a:srgbClr val="000000"/>
+                      </a:solidFill>
+                      <a:prstDash val="solid"/>
+                      <a:round/>
+                      <a:headEnd type="none" w="med" len="med"/>
+                      <a:tailEnd type="none" w="med" len="med"/>
+                    </a:lnT>
+                    <a:lnB w="12700" cap="flat" cmpd="sng" algn="ctr">
+                      <a:solidFill>
+                        <a:srgbClr val="000000"/>
+                      </a:solidFill>
+                      <a:prstDash val="solid"/>
+                      <a:round/>
+                      <a:headEnd type="none" w="med" len="med"/>
+                      <a:tailEnd type="none" w="med" len="med"/>
+                    </a:lnB>
+                    <a:noFill/>
+                  </a:tcPr>
+                </a:tc>
+                <a:tc>
+                  <a:txBody>
+                    <a:bodyPr/>
+                    <a:lstStyle/>
+                    <a:p>
+                      <a:pPr marL="0" marR="0" algn="ctr">
+                        <a:buNone/>
+                      </a:pPr>
+                      <a:r>
+                        <a:rPr lang="en-US" sz="1400" kern="100" dirty="0">
+                          <a:effectLst/>
+                          <a:latin typeface="Times New Roman" panose="02020603050405020304" pitchFamily="18" charset="0"/>
+                          <a:ea typeface="NSimSun" panose="02010609030101010101" pitchFamily="49" charset="-122"/>
+                          <a:cs typeface="Times New Roman" panose="02020603050405020304" pitchFamily="18" charset="0"/>
+                        </a:rPr>
+                        <a:t>Yes</a:t>
+                      </a:r>
+                      <a:endParaRPr lang="en-US" sz="1400" kern="100" dirty="0">
+                        <a:effectLst/>
+                        <a:latin typeface="Times New Roman" panose="02020603050405020304" pitchFamily="18" charset="0"/>
+                        <a:ea typeface="NSimSun" panose="02010609030101010101" pitchFamily="49" charset="-122"/>
+                        <a:cs typeface="Lucida Sans" panose="020B0602030504020204" pitchFamily="34" charset="0"/>
+                      </a:endParaRPr>
+                    </a:p>
+                  </a:txBody>
+                  <a:tcPr marL="68580" marR="68580" marT="0" marB="0">
+                    <a:lnL w="12700" cap="flat" cmpd="sng" algn="ctr">
+                      <a:solidFill>
+                        <a:srgbClr val="000000"/>
+                      </a:solidFill>
+                      <a:prstDash val="solid"/>
+                      <a:round/>
+                      <a:headEnd type="none" w="med" len="med"/>
+                      <a:tailEnd type="none" w="med" len="med"/>
+                    </a:lnL>
+                    <a:lnR w="12700" cap="flat" cmpd="sng" algn="ctr">
+                      <a:solidFill>
+                        <a:srgbClr val="000000"/>
+                      </a:solidFill>
+                      <a:prstDash val="solid"/>
+                      <a:round/>
+                      <a:headEnd type="none" w="med" len="med"/>
+                      <a:tailEnd type="none" w="med" len="med"/>
+                    </a:lnR>
+                    <a:lnT w="12700" cap="flat" cmpd="sng" algn="ctr">
+                      <a:solidFill>
+                        <a:srgbClr val="000000"/>
+                      </a:solidFill>
+                      <a:prstDash val="solid"/>
+                      <a:round/>
+                      <a:headEnd type="none" w="med" len="med"/>
+                      <a:tailEnd type="none" w="med" len="med"/>
+                    </a:lnT>
+                    <a:lnB w="12700" cap="flat" cmpd="sng" algn="ctr">
+                      <a:solidFill>
+                        <a:srgbClr val="000000"/>
+                      </a:solidFill>
+                      <a:prstDash val="solid"/>
+                      <a:round/>
+                      <a:headEnd type="none" w="med" len="med"/>
+                      <a:tailEnd type="none" w="med" len="med"/>
+                    </a:lnB>
+                    <a:noFill/>
+                  </a:tcPr>
+                </a:tc>
+                <a:extLst>
+                  <a:ext uri="{0D108BD9-81ED-4DB2-BD59-A6C34878D82A}">
+                    <a16:rowId xmlns:a16="http://schemas.microsoft.com/office/drawing/2014/main" val="2312044211"/>
+                  </a:ext>
+                </a:extLst>
+              </a:tr>
+              <a:tr h="346001">
+                <a:tc>
+                  <a:txBody>
+                    <a:bodyPr/>
+                    <a:lstStyle/>
+                    <a:p>
+                      <a:pPr marL="0" marR="0" algn="l">
+                        <a:buNone/>
+                      </a:pPr>
+                      <a:r>
+                        <a:rPr lang="en-US" sz="1600" b="1" kern="100" dirty="0">
+                          <a:effectLst/>
+                          <a:latin typeface="Times New Roman" panose="02020603050405020304" pitchFamily="18" charset="0"/>
+                          <a:ea typeface="NSimSun" panose="02010609030101010101" pitchFamily="49" charset="-122"/>
+                          <a:cs typeface="Times New Roman" panose="02020603050405020304" pitchFamily="18" charset="0"/>
+                        </a:rPr>
+                        <a:t>Live Stream </a:t>
+                      </a:r>
+                      <a:endParaRPr lang="en-US" sz="1600" b="1" kern="100" dirty="0">
+                        <a:effectLst/>
+                        <a:latin typeface="Times New Roman" panose="02020603050405020304" pitchFamily="18" charset="0"/>
+                        <a:ea typeface="NSimSun" panose="02010609030101010101" pitchFamily="49" charset="-122"/>
+                        <a:cs typeface="Lucida Sans" panose="020B0602030504020204" pitchFamily="34" charset="0"/>
+                      </a:endParaRPr>
+                    </a:p>
+                  </a:txBody>
+                  <a:tcPr marL="68580" marR="68580" marT="0" marB="0" anchor="ctr">
+                    <a:lnL w="12700" cap="flat" cmpd="sng" algn="ctr">
+                      <a:solidFill>
+                        <a:srgbClr val="000000"/>
+                      </a:solidFill>
+                      <a:prstDash val="solid"/>
+                      <a:round/>
+                      <a:headEnd type="none" w="med" len="med"/>
+                      <a:tailEnd type="none" w="med" len="med"/>
+                    </a:lnL>
+                    <a:lnR w="12700" cap="flat" cmpd="sng" algn="ctr">
+                      <a:solidFill>
+                        <a:srgbClr val="000000"/>
+                      </a:solidFill>
+                      <a:prstDash val="solid"/>
+                      <a:round/>
+                      <a:headEnd type="none" w="med" len="med"/>
+                      <a:tailEnd type="none" w="med" len="med"/>
+                    </a:lnR>
+                    <a:lnT w="12700" cap="flat" cmpd="sng" algn="ctr">
+                      <a:solidFill>
+                        <a:srgbClr val="000000"/>
+                      </a:solidFill>
+                      <a:prstDash val="solid"/>
+                      <a:round/>
+                      <a:headEnd type="none" w="med" len="med"/>
+                      <a:tailEnd type="none" w="med" len="med"/>
+                    </a:lnT>
+                    <a:lnB w="12700" cap="flat" cmpd="sng" algn="ctr">
+                      <a:solidFill>
+                        <a:srgbClr val="000000"/>
+                      </a:solidFill>
+                      <a:prstDash val="solid"/>
+                      <a:round/>
+                      <a:headEnd type="none" w="med" len="med"/>
+                      <a:tailEnd type="none" w="med" len="med"/>
+                    </a:lnB>
+                    <a:solidFill>
+                      <a:schemeClr val="bg1">
+                        <a:lumMod val="95000"/>
+                      </a:schemeClr>
+                    </a:solidFill>
+                  </a:tcPr>
+                </a:tc>
+                <a:tc>
+                  <a:txBody>
+                    <a:bodyPr/>
+                    <a:lstStyle/>
+                    <a:p>
+                      <a:pPr marL="0" marR="0" algn="ctr">
+                        <a:buNone/>
+                      </a:pPr>
+                      <a:r>
+                        <a:rPr lang="en-US" sz="1400" kern="100">
+                          <a:effectLst/>
+                          <a:latin typeface="Times New Roman" panose="02020603050405020304" pitchFamily="18" charset="0"/>
+                          <a:ea typeface="NSimSun" panose="02010609030101010101" pitchFamily="49" charset="-122"/>
+                          <a:cs typeface="Times New Roman" panose="02020603050405020304" pitchFamily="18" charset="0"/>
+                        </a:rPr>
+                        <a:t>Yes</a:t>
+                      </a:r>
+                      <a:endParaRPr lang="en-US" sz="1400" kern="100">
+                        <a:effectLst/>
+                        <a:latin typeface="Times New Roman" panose="02020603050405020304" pitchFamily="18" charset="0"/>
+                        <a:ea typeface="NSimSun" panose="02010609030101010101" pitchFamily="49" charset="-122"/>
+                        <a:cs typeface="Lucida Sans" panose="020B0602030504020204" pitchFamily="34" charset="0"/>
+                      </a:endParaRPr>
+                    </a:p>
+                  </a:txBody>
+                  <a:tcPr marL="68580" marR="68580" marT="0" marB="0">
+                    <a:lnL w="12700" cap="flat" cmpd="sng" algn="ctr">
+                      <a:solidFill>
+                        <a:srgbClr val="000000"/>
+                      </a:solidFill>
+                      <a:prstDash val="solid"/>
+                      <a:round/>
+                      <a:headEnd type="none" w="med" len="med"/>
+                      <a:tailEnd type="none" w="med" len="med"/>
+                    </a:lnL>
+                    <a:lnR w="12700" cap="flat" cmpd="sng" algn="ctr">
+                      <a:solidFill>
+                        <a:srgbClr val="000000"/>
+                      </a:solidFill>
+                      <a:prstDash val="solid"/>
+                      <a:round/>
+                      <a:headEnd type="none" w="med" len="med"/>
+                      <a:tailEnd type="none" w="med" len="med"/>
+                    </a:lnR>
+                    <a:lnT w="12700" cap="flat" cmpd="sng" algn="ctr">
+                      <a:solidFill>
+                        <a:srgbClr val="000000"/>
+                      </a:solidFill>
+                      <a:prstDash val="solid"/>
+                      <a:round/>
+                      <a:headEnd type="none" w="med" len="med"/>
+                      <a:tailEnd type="none" w="med" len="med"/>
+                    </a:lnT>
+                    <a:lnB w="12700" cap="flat" cmpd="sng" algn="ctr">
+                      <a:solidFill>
+                        <a:srgbClr val="000000"/>
+                      </a:solidFill>
+                      <a:prstDash val="solid"/>
+                      <a:round/>
+                      <a:headEnd type="none" w="med" len="med"/>
+                      <a:tailEnd type="none" w="med" len="med"/>
+                    </a:lnB>
+                    <a:noFill/>
+                  </a:tcPr>
+                </a:tc>
+                <a:tc>
+                  <a:txBody>
+                    <a:bodyPr/>
+                    <a:lstStyle/>
+                    <a:p>
+                      <a:pPr marL="0" marR="0" algn="ctr">
+                        <a:buNone/>
+                      </a:pPr>
+                      <a:r>
+                        <a:rPr lang="en-US" sz="1400" kern="100" dirty="0">
+                          <a:effectLst/>
+                          <a:latin typeface="Times New Roman" panose="02020603050405020304" pitchFamily="18" charset="0"/>
+                          <a:ea typeface="NSimSun" panose="02010609030101010101" pitchFamily="49" charset="-122"/>
+                          <a:cs typeface="Times New Roman" panose="02020603050405020304" pitchFamily="18" charset="0"/>
+                        </a:rPr>
+                        <a:t>Yes</a:t>
+                      </a:r>
+                      <a:endParaRPr lang="en-US" sz="1400" kern="100" dirty="0">
+                        <a:effectLst/>
+                        <a:latin typeface="Times New Roman" panose="02020603050405020304" pitchFamily="18" charset="0"/>
+                        <a:ea typeface="NSimSun" panose="02010609030101010101" pitchFamily="49" charset="-122"/>
+                        <a:cs typeface="Lucida Sans" panose="020B0602030504020204" pitchFamily="34" charset="0"/>
+                      </a:endParaRPr>
+                    </a:p>
+                  </a:txBody>
+                  <a:tcPr marL="68580" marR="68580" marT="0" marB="0">
+                    <a:lnL w="12700" cap="flat" cmpd="sng" algn="ctr">
+                      <a:solidFill>
+                        <a:srgbClr val="000000"/>
+                      </a:solidFill>
+                      <a:prstDash val="solid"/>
+                      <a:round/>
+                      <a:headEnd type="none" w="med" len="med"/>
+                      <a:tailEnd type="none" w="med" len="med"/>
+                    </a:lnL>
+                    <a:lnR w="12700" cap="flat" cmpd="sng" algn="ctr">
+                      <a:solidFill>
+                        <a:srgbClr val="000000"/>
+                      </a:solidFill>
+                      <a:prstDash val="solid"/>
+                      <a:round/>
+                      <a:headEnd type="none" w="med" len="med"/>
+                      <a:tailEnd type="none" w="med" len="med"/>
+                    </a:lnR>
+                    <a:lnT w="12700" cap="flat" cmpd="sng" algn="ctr">
+                      <a:solidFill>
+                        <a:srgbClr val="000000"/>
+                      </a:solidFill>
+                      <a:prstDash val="solid"/>
+                      <a:round/>
+                      <a:headEnd type="none" w="med" len="med"/>
+                      <a:tailEnd type="none" w="med" len="med"/>
+                    </a:lnT>
+                    <a:lnB w="12700" cap="flat" cmpd="sng" algn="ctr">
+                      <a:solidFill>
+                        <a:srgbClr val="000000"/>
+                      </a:solidFill>
+                      <a:prstDash val="solid"/>
+                      <a:round/>
+                      <a:headEnd type="none" w="med" len="med"/>
+                      <a:tailEnd type="none" w="med" len="med"/>
+                    </a:lnB>
+                    <a:noFill/>
+                  </a:tcPr>
+                </a:tc>
+                <a:tc>
+                  <a:txBody>
+                    <a:bodyPr/>
+                    <a:lstStyle/>
+                    <a:p>
+                      <a:pPr marL="0" marR="0" algn="ctr">
+                        <a:buNone/>
+                      </a:pPr>
+                      <a:r>
+                        <a:rPr lang="en-US" sz="1400" kern="100">
+                          <a:effectLst/>
+                          <a:latin typeface="Times New Roman" panose="02020603050405020304" pitchFamily="18" charset="0"/>
+                          <a:ea typeface="NSimSun" panose="02010609030101010101" pitchFamily="49" charset="-122"/>
+                          <a:cs typeface="Times New Roman" panose="02020603050405020304" pitchFamily="18" charset="0"/>
+                        </a:rPr>
+                        <a:t>Yes</a:t>
+                      </a:r>
+                      <a:endParaRPr lang="en-US" sz="1400" kern="100">
+                        <a:effectLst/>
+                        <a:latin typeface="Times New Roman" panose="02020603050405020304" pitchFamily="18" charset="0"/>
+                        <a:ea typeface="NSimSun" panose="02010609030101010101" pitchFamily="49" charset="-122"/>
+                        <a:cs typeface="Lucida Sans" panose="020B0602030504020204" pitchFamily="34" charset="0"/>
+                      </a:endParaRPr>
+                    </a:p>
+                  </a:txBody>
+                  <a:tcPr marL="68580" marR="68580" marT="0" marB="0">
+                    <a:lnL w="12700" cap="flat" cmpd="sng" algn="ctr">
+                      <a:solidFill>
+                        <a:srgbClr val="000000"/>
+                      </a:solidFill>
+                      <a:prstDash val="solid"/>
+                      <a:round/>
+                      <a:headEnd type="none" w="med" len="med"/>
+                      <a:tailEnd type="none" w="med" len="med"/>
+                    </a:lnL>
+                    <a:lnR w="12700" cap="flat" cmpd="sng" algn="ctr">
+                      <a:solidFill>
+                        <a:srgbClr val="000000"/>
+                      </a:solidFill>
+                      <a:prstDash val="solid"/>
+                      <a:round/>
+                      <a:headEnd type="none" w="med" len="med"/>
+                      <a:tailEnd type="none" w="med" len="med"/>
+                    </a:lnR>
+                    <a:lnT w="12700" cap="flat" cmpd="sng" algn="ctr">
+                      <a:solidFill>
+                        <a:srgbClr val="000000"/>
+                      </a:solidFill>
+                      <a:prstDash val="solid"/>
+                      <a:round/>
+                      <a:headEnd type="none" w="med" len="med"/>
+                      <a:tailEnd type="none" w="med" len="med"/>
+                    </a:lnT>
+                    <a:lnB w="12700" cap="flat" cmpd="sng" algn="ctr">
+                      <a:solidFill>
+                        <a:srgbClr val="000000"/>
+                      </a:solidFill>
+                      <a:prstDash val="solid"/>
+                      <a:round/>
+                      <a:headEnd type="none" w="med" len="med"/>
+                      <a:tailEnd type="none" w="med" len="med"/>
+                    </a:lnB>
+                    <a:noFill/>
+                  </a:tcPr>
+                </a:tc>
+                <a:extLst>
+                  <a:ext uri="{0D108BD9-81ED-4DB2-BD59-A6C34878D82A}">
+                    <a16:rowId xmlns:a16="http://schemas.microsoft.com/office/drawing/2014/main" val="972819167"/>
+                  </a:ext>
+                </a:extLst>
+              </a:tr>
+              <a:tr h="312095">
+                <a:tc>
+                  <a:txBody>
+                    <a:bodyPr/>
+                    <a:lstStyle/>
+                    <a:p>
+                      <a:pPr marL="0" marR="0" algn="l">
+                        <a:buNone/>
+                      </a:pPr>
+                      <a:r>
+                        <a:rPr lang="en-US" sz="1600" b="1" kern="100" dirty="0">
+                          <a:effectLst/>
+                          <a:latin typeface="Times New Roman" panose="02020603050405020304" pitchFamily="18" charset="0"/>
+                          <a:ea typeface="NSimSun" panose="02010609030101010101" pitchFamily="49" charset="-122"/>
+                          <a:cs typeface="Times New Roman" panose="02020603050405020304" pitchFamily="18" charset="0"/>
+                        </a:rPr>
+                        <a:t>Play Lullabies</a:t>
+                      </a:r>
+                      <a:endParaRPr lang="en-US" sz="1600" b="1" kern="100" dirty="0">
+                        <a:effectLst/>
+                        <a:latin typeface="Times New Roman" panose="02020603050405020304" pitchFamily="18" charset="0"/>
+                        <a:ea typeface="NSimSun" panose="02010609030101010101" pitchFamily="49" charset="-122"/>
+                        <a:cs typeface="Lucida Sans" panose="020B0602030504020204" pitchFamily="34" charset="0"/>
+                      </a:endParaRPr>
+                    </a:p>
+                  </a:txBody>
+                  <a:tcPr marL="68580" marR="68580" marT="0" marB="0" anchor="ctr">
+                    <a:lnL w="12700" cap="flat" cmpd="sng" algn="ctr">
+                      <a:solidFill>
+                        <a:srgbClr val="000000"/>
+                      </a:solidFill>
+                      <a:prstDash val="solid"/>
+                      <a:round/>
+                      <a:headEnd type="none" w="med" len="med"/>
+                      <a:tailEnd type="none" w="med" len="med"/>
+                    </a:lnL>
+                    <a:lnR w="12700" cap="flat" cmpd="sng" algn="ctr">
+                      <a:solidFill>
+                        <a:srgbClr val="000000"/>
+                      </a:solidFill>
+                      <a:prstDash val="solid"/>
+                      <a:round/>
+                      <a:headEnd type="none" w="med" len="med"/>
+                      <a:tailEnd type="none" w="med" len="med"/>
+                    </a:lnR>
+                    <a:lnT w="12700" cap="flat" cmpd="sng" algn="ctr">
+                      <a:solidFill>
+                        <a:srgbClr val="000000"/>
+                      </a:solidFill>
+                      <a:prstDash val="solid"/>
+                      <a:round/>
+                      <a:headEnd type="none" w="med" len="med"/>
+                      <a:tailEnd type="none" w="med" len="med"/>
+                    </a:lnT>
+                    <a:lnB w="12700" cap="flat" cmpd="sng" algn="ctr">
+                      <a:solidFill>
+                        <a:srgbClr val="000000"/>
+                      </a:solidFill>
+                      <a:prstDash val="solid"/>
+                      <a:round/>
+                      <a:headEnd type="none" w="med" len="med"/>
+                      <a:tailEnd type="none" w="med" len="med"/>
+                    </a:lnB>
+                    <a:solidFill>
+                      <a:schemeClr val="bg1">
+                        <a:lumMod val="95000"/>
+                      </a:schemeClr>
+                    </a:solidFill>
+                  </a:tcPr>
+                </a:tc>
+                <a:tc>
+                  <a:txBody>
+                    <a:bodyPr/>
+                    <a:lstStyle/>
+                    <a:p>
+                      <a:pPr marL="0" marR="0" algn="ctr">
+                        <a:buNone/>
+                      </a:pPr>
+                      <a:r>
+                        <a:rPr lang="en-US" sz="1400" kern="100">
+                          <a:effectLst/>
+                          <a:latin typeface="Times New Roman" panose="02020603050405020304" pitchFamily="18" charset="0"/>
+                          <a:ea typeface="NSimSun" panose="02010609030101010101" pitchFamily="49" charset="-122"/>
+                          <a:cs typeface="Times New Roman" panose="02020603050405020304" pitchFamily="18" charset="0"/>
+                        </a:rPr>
+                        <a:t>Yes, but not automated</a:t>
+                      </a:r>
+                      <a:endParaRPr lang="en-US" sz="1400" kern="100">
+                        <a:effectLst/>
+                        <a:latin typeface="Times New Roman" panose="02020603050405020304" pitchFamily="18" charset="0"/>
+                        <a:ea typeface="NSimSun" panose="02010609030101010101" pitchFamily="49" charset="-122"/>
+                        <a:cs typeface="Lucida Sans" panose="020B0602030504020204" pitchFamily="34" charset="0"/>
+                      </a:endParaRPr>
+                    </a:p>
+                  </a:txBody>
+                  <a:tcPr marL="68580" marR="68580" marT="0" marB="0">
+                    <a:lnL w="12700" cap="flat" cmpd="sng" algn="ctr">
+                      <a:solidFill>
+                        <a:srgbClr val="000000"/>
+                      </a:solidFill>
+                      <a:prstDash val="solid"/>
+                      <a:round/>
+                      <a:headEnd type="none" w="med" len="med"/>
+                      <a:tailEnd type="none" w="med" len="med"/>
+                    </a:lnL>
+                    <a:lnR w="12700" cap="flat" cmpd="sng" algn="ctr">
+                      <a:solidFill>
+                        <a:srgbClr val="000000"/>
+                      </a:solidFill>
+                      <a:prstDash val="solid"/>
+                      <a:round/>
+                      <a:headEnd type="none" w="med" len="med"/>
+                      <a:tailEnd type="none" w="med" len="med"/>
+                    </a:lnR>
+                    <a:lnT w="12700" cap="flat" cmpd="sng" algn="ctr">
+                      <a:solidFill>
+                        <a:srgbClr val="000000"/>
+                      </a:solidFill>
+                      <a:prstDash val="solid"/>
+                      <a:round/>
+                      <a:headEnd type="none" w="med" len="med"/>
+                      <a:tailEnd type="none" w="med" len="med"/>
+                    </a:lnT>
+                    <a:lnB w="12700" cap="flat" cmpd="sng" algn="ctr">
+                      <a:solidFill>
+                        <a:srgbClr val="000000"/>
+                      </a:solidFill>
+                      <a:prstDash val="solid"/>
+                      <a:round/>
+                      <a:headEnd type="none" w="med" len="med"/>
+                      <a:tailEnd type="none" w="med" len="med"/>
+                    </a:lnB>
+                    <a:noFill/>
+                  </a:tcPr>
+                </a:tc>
+                <a:tc>
+                  <a:txBody>
+                    <a:bodyPr/>
+                    <a:lstStyle/>
+                    <a:p>
+                      <a:pPr marL="0" marR="0" algn="ctr">
+                        <a:buNone/>
+                      </a:pPr>
+                      <a:r>
+                        <a:rPr lang="en-US" sz="1400" kern="100">
+                          <a:effectLst/>
+                          <a:latin typeface="Times New Roman" panose="02020603050405020304" pitchFamily="18" charset="0"/>
+                          <a:ea typeface="NSimSun" panose="02010609030101010101" pitchFamily="49" charset="-122"/>
+                          <a:cs typeface="Times New Roman" panose="02020603050405020304" pitchFamily="18" charset="0"/>
+                        </a:rPr>
+                        <a:t>Yes, and automated</a:t>
+                      </a:r>
+                      <a:endParaRPr lang="en-US" sz="1400" kern="100">
+                        <a:effectLst/>
+                        <a:latin typeface="Times New Roman" panose="02020603050405020304" pitchFamily="18" charset="0"/>
+                        <a:ea typeface="NSimSun" panose="02010609030101010101" pitchFamily="49" charset="-122"/>
+                        <a:cs typeface="Lucida Sans" panose="020B0602030504020204" pitchFamily="34" charset="0"/>
+                      </a:endParaRPr>
+                    </a:p>
+                  </a:txBody>
+                  <a:tcPr marL="68580" marR="68580" marT="0" marB="0">
+                    <a:lnL w="12700" cap="flat" cmpd="sng" algn="ctr">
+                      <a:solidFill>
+                        <a:srgbClr val="000000"/>
+                      </a:solidFill>
+                      <a:prstDash val="solid"/>
+                      <a:round/>
+                      <a:headEnd type="none" w="med" len="med"/>
+                      <a:tailEnd type="none" w="med" len="med"/>
+                    </a:lnL>
+                    <a:lnR w="12700" cap="flat" cmpd="sng" algn="ctr">
+                      <a:solidFill>
+                        <a:srgbClr val="000000"/>
+                      </a:solidFill>
+                      <a:prstDash val="solid"/>
+                      <a:round/>
+                      <a:headEnd type="none" w="med" len="med"/>
+                      <a:tailEnd type="none" w="med" len="med"/>
+                    </a:lnR>
+                    <a:lnT w="12700" cap="flat" cmpd="sng" algn="ctr">
+                      <a:solidFill>
+                        <a:srgbClr val="000000"/>
+                      </a:solidFill>
+                      <a:prstDash val="solid"/>
+                      <a:round/>
+                      <a:headEnd type="none" w="med" len="med"/>
+                      <a:tailEnd type="none" w="med" len="med"/>
+                    </a:lnT>
+                    <a:lnB w="12700" cap="flat" cmpd="sng" algn="ctr">
+                      <a:solidFill>
+                        <a:srgbClr val="000000"/>
+                      </a:solidFill>
+                      <a:prstDash val="solid"/>
+                      <a:round/>
+                      <a:headEnd type="none" w="med" len="med"/>
+                      <a:tailEnd type="none" w="med" len="med"/>
+                    </a:lnB>
+                    <a:noFill/>
+                  </a:tcPr>
+                </a:tc>
+                <a:tc>
+                  <a:txBody>
+                    <a:bodyPr/>
+                    <a:lstStyle/>
+                    <a:p>
+                      <a:pPr marL="0" marR="0" algn="ctr">
+                        <a:buNone/>
+                      </a:pPr>
+                      <a:r>
+                        <a:rPr lang="en-US" sz="1400" kern="100" dirty="0">
+                          <a:effectLst/>
+                          <a:latin typeface="Times New Roman" panose="02020603050405020304" pitchFamily="18" charset="0"/>
+                          <a:ea typeface="NSimSun" panose="02010609030101010101" pitchFamily="49" charset="-122"/>
+                          <a:cs typeface="Times New Roman" panose="02020603050405020304" pitchFamily="18" charset="0"/>
+                        </a:rPr>
+                        <a:t>Yes, and automated</a:t>
+                      </a:r>
+                      <a:endParaRPr lang="en-US" sz="1400" kern="100" dirty="0">
+                        <a:effectLst/>
+                        <a:latin typeface="Times New Roman" panose="02020603050405020304" pitchFamily="18" charset="0"/>
+                        <a:ea typeface="NSimSun" panose="02010609030101010101" pitchFamily="49" charset="-122"/>
+                        <a:cs typeface="Lucida Sans" panose="020B0602030504020204" pitchFamily="34" charset="0"/>
+                      </a:endParaRPr>
+                    </a:p>
+                  </a:txBody>
+                  <a:tcPr marL="68580" marR="68580" marT="0" marB="0">
+                    <a:lnL w="12700" cap="flat" cmpd="sng" algn="ctr">
+                      <a:solidFill>
+                        <a:srgbClr val="000000"/>
+                      </a:solidFill>
+                      <a:prstDash val="solid"/>
+                      <a:round/>
+                      <a:headEnd type="none" w="med" len="med"/>
+                      <a:tailEnd type="none" w="med" len="med"/>
+                    </a:lnL>
+                    <a:lnR w="12700" cap="flat" cmpd="sng" algn="ctr">
+                      <a:solidFill>
+                        <a:srgbClr val="000000"/>
+                      </a:solidFill>
+                      <a:prstDash val="solid"/>
+                      <a:round/>
+                      <a:headEnd type="none" w="med" len="med"/>
+                      <a:tailEnd type="none" w="med" len="med"/>
+                    </a:lnR>
+                    <a:lnT w="12700" cap="flat" cmpd="sng" algn="ctr">
+                      <a:solidFill>
+                        <a:srgbClr val="000000"/>
+                      </a:solidFill>
+                      <a:prstDash val="solid"/>
+                      <a:round/>
+                      <a:headEnd type="none" w="med" len="med"/>
+                      <a:tailEnd type="none" w="med" len="med"/>
+                    </a:lnT>
+                    <a:lnB w="12700" cap="flat" cmpd="sng" algn="ctr">
+                      <a:solidFill>
+                        <a:srgbClr val="000000"/>
+                      </a:solidFill>
+                      <a:prstDash val="solid"/>
+                      <a:round/>
+                      <a:headEnd type="none" w="med" len="med"/>
+                      <a:tailEnd type="none" w="med" len="med"/>
+                    </a:lnB>
+                    <a:noFill/>
+                  </a:tcPr>
+                </a:tc>
+                <a:extLst>
+                  <a:ext uri="{0D108BD9-81ED-4DB2-BD59-A6C34878D82A}">
+                    <a16:rowId xmlns:a16="http://schemas.microsoft.com/office/drawing/2014/main" val="3640953531"/>
+                  </a:ext>
+                </a:extLst>
+              </a:tr>
+              <a:tr h="469490">
+                <a:tc>
+                  <a:txBody>
+                    <a:bodyPr/>
+                    <a:lstStyle/>
+                    <a:p>
+                      <a:pPr marL="0" marR="0" algn="l">
+                        <a:buNone/>
+                      </a:pPr>
+                      <a:r>
+                        <a:rPr lang="en-US" sz="1600" b="1" kern="100" dirty="0">
+                          <a:effectLst/>
+                          <a:latin typeface="Times New Roman" panose="02020603050405020304" pitchFamily="18" charset="0"/>
+                          <a:ea typeface="NSimSun" panose="02010609030101010101" pitchFamily="49" charset="-122"/>
+                          <a:cs typeface="Times New Roman" panose="02020603050405020304" pitchFamily="18" charset="0"/>
+                        </a:rPr>
+                        <a:t>Baby Presence Detection</a:t>
+                      </a:r>
+                      <a:endParaRPr lang="en-US" sz="1600" b="1" kern="100" dirty="0">
+                        <a:effectLst/>
+                        <a:latin typeface="Times New Roman" panose="02020603050405020304" pitchFamily="18" charset="0"/>
+                        <a:ea typeface="NSimSun" panose="02010609030101010101" pitchFamily="49" charset="-122"/>
+                        <a:cs typeface="Lucida Sans" panose="020B0602030504020204" pitchFamily="34" charset="0"/>
+                      </a:endParaRPr>
+                    </a:p>
+                  </a:txBody>
+                  <a:tcPr marL="68580" marR="68580" marT="0" marB="0" anchor="ctr">
+                    <a:lnL w="12700" cap="flat" cmpd="sng" algn="ctr">
+                      <a:solidFill>
+                        <a:srgbClr val="000000"/>
+                      </a:solidFill>
+                      <a:prstDash val="solid"/>
+                      <a:round/>
+                      <a:headEnd type="none" w="med" len="med"/>
+                      <a:tailEnd type="none" w="med" len="med"/>
+                    </a:lnL>
+                    <a:lnR w="12700" cap="flat" cmpd="sng" algn="ctr">
+                      <a:solidFill>
+                        <a:srgbClr val="000000"/>
+                      </a:solidFill>
+                      <a:prstDash val="solid"/>
+                      <a:round/>
+                      <a:headEnd type="none" w="med" len="med"/>
+                      <a:tailEnd type="none" w="med" len="med"/>
+                    </a:lnR>
+                    <a:lnT w="12700" cap="flat" cmpd="sng" algn="ctr">
+                      <a:solidFill>
+                        <a:srgbClr val="000000"/>
+                      </a:solidFill>
+                      <a:prstDash val="solid"/>
+                      <a:round/>
+                      <a:headEnd type="none" w="med" len="med"/>
+                      <a:tailEnd type="none" w="med" len="med"/>
+                    </a:lnT>
+                    <a:lnB w="12700" cap="flat" cmpd="sng" algn="ctr">
+                      <a:solidFill>
+                        <a:srgbClr val="000000"/>
+                      </a:solidFill>
+                      <a:prstDash val="solid"/>
+                      <a:round/>
+                      <a:headEnd type="none" w="med" len="med"/>
+                      <a:tailEnd type="none" w="med" len="med"/>
+                    </a:lnB>
+                    <a:solidFill>
+                      <a:schemeClr val="bg1">
+                        <a:lumMod val="95000"/>
+                      </a:schemeClr>
+                    </a:solidFill>
+                  </a:tcPr>
+                </a:tc>
+                <a:tc>
+                  <a:txBody>
+                    <a:bodyPr/>
+                    <a:lstStyle/>
+                    <a:p>
+                      <a:pPr marL="0" marR="0" algn="ctr">
+                        <a:buNone/>
+                      </a:pPr>
+                      <a:r>
+                        <a:rPr lang="en-US" sz="1400" kern="100" dirty="0">
+                          <a:effectLst/>
+                          <a:latin typeface="Times New Roman" panose="02020603050405020304" pitchFamily="18" charset="0"/>
+                          <a:ea typeface="NSimSun" panose="02010609030101010101" pitchFamily="49" charset="-122"/>
+                          <a:cs typeface="Times New Roman" panose="02020603050405020304" pitchFamily="18" charset="0"/>
+                        </a:rPr>
+                        <a:t>No</a:t>
+                      </a:r>
+                      <a:endParaRPr lang="en-US" sz="1400" kern="100" dirty="0">
+                        <a:effectLst/>
+                        <a:latin typeface="Times New Roman" panose="02020603050405020304" pitchFamily="18" charset="0"/>
+                        <a:ea typeface="NSimSun" panose="02010609030101010101" pitchFamily="49" charset="-122"/>
+                        <a:cs typeface="Lucida Sans" panose="020B0602030504020204" pitchFamily="34" charset="0"/>
+                      </a:endParaRPr>
+                    </a:p>
+                  </a:txBody>
+                  <a:tcPr marL="68580" marR="68580" marT="0" marB="0">
+                    <a:lnL w="12700" cap="flat" cmpd="sng" algn="ctr">
+                      <a:solidFill>
+                        <a:srgbClr val="000000"/>
+                      </a:solidFill>
+                      <a:prstDash val="solid"/>
+                      <a:round/>
+                      <a:headEnd type="none" w="med" len="med"/>
+                      <a:tailEnd type="none" w="med" len="med"/>
+                    </a:lnL>
+                    <a:lnR w="12700" cap="flat" cmpd="sng" algn="ctr">
+                      <a:solidFill>
+                        <a:srgbClr val="000000"/>
+                      </a:solidFill>
+                      <a:prstDash val="solid"/>
+                      <a:round/>
+                      <a:headEnd type="none" w="med" len="med"/>
+                      <a:tailEnd type="none" w="med" len="med"/>
+                    </a:lnR>
+                    <a:lnT w="12700" cap="flat" cmpd="sng" algn="ctr">
+                      <a:solidFill>
+                        <a:srgbClr val="000000"/>
+                      </a:solidFill>
+                      <a:prstDash val="solid"/>
+                      <a:round/>
+                      <a:headEnd type="none" w="med" len="med"/>
+                      <a:tailEnd type="none" w="med" len="med"/>
+                    </a:lnT>
+                    <a:lnB w="12700" cap="flat" cmpd="sng" algn="ctr">
+                      <a:solidFill>
+                        <a:srgbClr val="000000"/>
+                      </a:solidFill>
+                      <a:prstDash val="solid"/>
+                      <a:round/>
+                      <a:headEnd type="none" w="med" len="med"/>
+                      <a:tailEnd type="none" w="med" len="med"/>
+                    </a:lnB>
+                    <a:noFill/>
+                  </a:tcPr>
+                </a:tc>
+                <a:tc>
+                  <a:txBody>
+                    <a:bodyPr/>
+                    <a:lstStyle/>
+                    <a:p>
+                      <a:pPr marL="0" marR="0" algn="ctr">
+                        <a:buNone/>
+                      </a:pPr>
+                      <a:r>
+                        <a:rPr lang="en-US" sz="1400" kern="100">
+                          <a:effectLst/>
+                          <a:latin typeface="Times New Roman" panose="02020603050405020304" pitchFamily="18" charset="0"/>
+                          <a:ea typeface="NSimSun" panose="02010609030101010101" pitchFamily="49" charset="-122"/>
+                          <a:cs typeface="Times New Roman" panose="02020603050405020304" pitchFamily="18" charset="0"/>
+                        </a:rPr>
+                        <a:t>No</a:t>
+                      </a:r>
+                      <a:endParaRPr lang="en-US" sz="1400" kern="100">
+                        <a:effectLst/>
+                        <a:latin typeface="Times New Roman" panose="02020603050405020304" pitchFamily="18" charset="0"/>
+                        <a:ea typeface="NSimSun" panose="02010609030101010101" pitchFamily="49" charset="-122"/>
+                        <a:cs typeface="Lucida Sans" panose="020B0602030504020204" pitchFamily="34" charset="0"/>
+                      </a:endParaRPr>
+                    </a:p>
+                  </a:txBody>
+                  <a:tcPr marL="68580" marR="68580" marT="0" marB="0">
+                    <a:lnL w="12700" cap="flat" cmpd="sng" algn="ctr">
+                      <a:solidFill>
+                        <a:srgbClr val="000000"/>
+                      </a:solidFill>
+                      <a:prstDash val="solid"/>
+                      <a:round/>
+                      <a:headEnd type="none" w="med" len="med"/>
+                      <a:tailEnd type="none" w="med" len="med"/>
+                    </a:lnL>
+                    <a:lnR w="12700" cap="flat" cmpd="sng" algn="ctr">
+                      <a:solidFill>
+                        <a:srgbClr val="000000"/>
+                      </a:solidFill>
+                      <a:prstDash val="solid"/>
+                      <a:round/>
+                      <a:headEnd type="none" w="med" len="med"/>
+                      <a:tailEnd type="none" w="med" len="med"/>
+                    </a:lnR>
+                    <a:lnT w="12700" cap="flat" cmpd="sng" algn="ctr">
+                      <a:solidFill>
+                        <a:srgbClr val="000000"/>
+                      </a:solidFill>
+                      <a:prstDash val="solid"/>
+                      <a:round/>
+                      <a:headEnd type="none" w="med" len="med"/>
+                      <a:tailEnd type="none" w="med" len="med"/>
+                    </a:lnT>
+                    <a:lnB w="12700" cap="flat" cmpd="sng" algn="ctr">
+                      <a:solidFill>
+                        <a:srgbClr val="000000"/>
+                      </a:solidFill>
+                      <a:prstDash val="solid"/>
+                      <a:round/>
+                      <a:headEnd type="none" w="med" len="med"/>
+                      <a:tailEnd type="none" w="med" len="med"/>
+                    </a:lnB>
+                    <a:noFill/>
+                  </a:tcPr>
+                </a:tc>
+                <a:tc>
+                  <a:txBody>
+                    <a:bodyPr/>
+                    <a:lstStyle/>
+                    <a:p>
+                      <a:pPr marL="0" marR="0" algn="ctr">
+                        <a:buNone/>
+                      </a:pPr>
+                      <a:r>
+                        <a:rPr lang="en-US" sz="1400" kern="100" dirty="0">
+                          <a:effectLst/>
+                          <a:latin typeface="Times New Roman" panose="02020603050405020304" pitchFamily="18" charset="0"/>
+                          <a:ea typeface="NSimSun" panose="02010609030101010101" pitchFamily="49" charset="-122"/>
+                          <a:cs typeface="Times New Roman" panose="02020603050405020304" pitchFamily="18" charset="0"/>
+                        </a:rPr>
+                        <a:t>Yes</a:t>
+                      </a:r>
+                      <a:endParaRPr lang="en-US" sz="1400" kern="100" dirty="0">
+                        <a:effectLst/>
+                        <a:latin typeface="Times New Roman" panose="02020603050405020304" pitchFamily="18" charset="0"/>
+                        <a:ea typeface="NSimSun" panose="02010609030101010101" pitchFamily="49" charset="-122"/>
+                        <a:cs typeface="Lucida Sans" panose="020B0602030504020204" pitchFamily="34" charset="0"/>
+                      </a:endParaRPr>
+                    </a:p>
+                  </a:txBody>
+                  <a:tcPr marL="68580" marR="68580" marT="0" marB="0">
+                    <a:lnL w="12700" cap="flat" cmpd="sng" algn="ctr">
+                      <a:solidFill>
+                        <a:srgbClr val="000000"/>
+                      </a:solidFill>
+                      <a:prstDash val="solid"/>
+                      <a:round/>
+                      <a:headEnd type="none" w="med" len="med"/>
+                      <a:tailEnd type="none" w="med" len="med"/>
+                    </a:lnL>
+                    <a:lnR w="12700" cap="flat" cmpd="sng" algn="ctr">
+                      <a:solidFill>
+                        <a:srgbClr val="000000"/>
+                      </a:solidFill>
+                      <a:prstDash val="solid"/>
+                      <a:round/>
+                      <a:headEnd type="none" w="med" len="med"/>
+                      <a:tailEnd type="none" w="med" len="med"/>
+                    </a:lnR>
+                    <a:lnT w="12700" cap="flat" cmpd="sng" algn="ctr">
+                      <a:solidFill>
+                        <a:srgbClr val="000000"/>
+                      </a:solidFill>
+                      <a:prstDash val="solid"/>
+                      <a:round/>
+                      <a:headEnd type="none" w="med" len="med"/>
+                      <a:tailEnd type="none" w="med" len="med"/>
+                    </a:lnT>
+                    <a:lnB w="12700" cap="flat" cmpd="sng" algn="ctr">
+                      <a:solidFill>
+                        <a:srgbClr val="000000"/>
+                      </a:solidFill>
+                      <a:prstDash val="solid"/>
+                      <a:round/>
+                      <a:headEnd type="none" w="med" len="med"/>
+                      <a:tailEnd type="none" w="med" len="med"/>
+                    </a:lnB>
+                    <a:noFill/>
+                  </a:tcPr>
+                </a:tc>
+                <a:extLst>
+                  <a:ext uri="{0D108BD9-81ED-4DB2-BD59-A6C34878D82A}">
+                    <a16:rowId xmlns:a16="http://schemas.microsoft.com/office/drawing/2014/main" val="1493209968"/>
+                  </a:ext>
+                </a:extLst>
+              </a:tr>
+              <a:tr h="346001">
+                <a:tc>
+                  <a:txBody>
+                    <a:bodyPr/>
+                    <a:lstStyle/>
+                    <a:p>
+                      <a:pPr marL="0" marR="0" algn="l">
+                        <a:buNone/>
+                      </a:pPr>
+                      <a:r>
+                        <a:rPr lang="en-US" sz="1600" b="1" kern="100" dirty="0">
+                          <a:effectLst/>
+                          <a:latin typeface="Times New Roman" panose="02020603050405020304" pitchFamily="18" charset="0"/>
+                          <a:ea typeface="NSimSun" panose="02010609030101010101" pitchFamily="49" charset="-122"/>
+                          <a:cs typeface="Times New Roman" panose="02020603050405020304" pitchFamily="18" charset="0"/>
+                        </a:rPr>
+                        <a:t>Mobile Application</a:t>
+                      </a:r>
+                      <a:endParaRPr lang="en-US" sz="1600" b="1" kern="100" dirty="0">
+                        <a:effectLst/>
+                        <a:latin typeface="Times New Roman" panose="02020603050405020304" pitchFamily="18" charset="0"/>
+                        <a:ea typeface="NSimSun" panose="02010609030101010101" pitchFamily="49" charset="-122"/>
+                        <a:cs typeface="Lucida Sans" panose="020B0602030504020204" pitchFamily="34" charset="0"/>
+                      </a:endParaRPr>
+                    </a:p>
+                  </a:txBody>
+                  <a:tcPr marL="68580" marR="68580" marT="0" marB="0" anchor="ctr">
+                    <a:lnL w="12700" cap="flat" cmpd="sng" algn="ctr">
+                      <a:solidFill>
+                        <a:srgbClr val="000000"/>
+                      </a:solidFill>
+                      <a:prstDash val="solid"/>
+                      <a:round/>
+                      <a:headEnd type="none" w="med" len="med"/>
+                      <a:tailEnd type="none" w="med" len="med"/>
+                    </a:lnL>
+                    <a:lnR w="12700" cap="flat" cmpd="sng" algn="ctr">
+                      <a:solidFill>
+                        <a:srgbClr val="000000"/>
+                      </a:solidFill>
+                      <a:prstDash val="solid"/>
+                      <a:round/>
+                      <a:headEnd type="none" w="med" len="med"/>
+                      <a:tailEnd type="none" w="med" len="med"/>
+                    </a:lnR>
+                    <a:lnT w="12700" cap="flat" cmpd="sng" algn="ctr">
+                      <a:solidFill>
+                        <a:srgbClr val="000000"/>
+                      </a:solidFill>
+                      <a:prstDash val="solid"/>
+                      <a:round/>
+                      <a:headEnd type="none" w="med" len="med"/>
+                      <a:tailEnd type="none" w="med" len="med"/>
+                    </a:lnT>
+                    <a:lnB w="12700" cap="flat" cmpd="sng" algn="ctr">
+                      <a:solidFill>
+                        <a:srgbClr val="000000"/>
+                      </a:solidFill>
+                      <a:prstDash val="solid"/>
+                      <a:round/>
+                      <a:headEnd type="none" w="med" len="med"/>
+                      <a:tailEnd type="none" w="med" len="med"/>
+                    </a:lnB>
+                    <a:solidFill>
+                      <a:schemeClr val="bg1">
+                        <a:lumMod val="95000"/>
+                      </a:schemeClr>
+                    </a:solidFill>
+                  </a:tcPr>
+                </a:tc>
+                <a:tc>
+                  <a:txBody>
+                    <a:bodyPr/>
+                    <a:lstStyle/>
+                    <a:p>
+                      <a:pPr marL="0" marR="0" algn="ctr">
+                        <a:buNone/>
+                      </a:pPr>
+                      <a:r>
+                        <a:rPr lang="en-US" sz="1400" kern="100">
+                          <a:effectLst/>
+                          <a:latin typeface="Times New Roman" panose="02020603050405020304" pitchFamily="18" charset="0"/>
+                          <a:ea typeface="NSimSun" panose="02010609030101010101" pitchFamily="49" charset="-122"/>
+                          <a:cs typeface="Times New Roman" panose="02020603050405020304" pitchFamily="18" charset="0"/>
+                        </a:rPr>
+                        <a:t>No</a:t>
+                      </a:r>
+                      <a:endParaRPr lang="en-US" sz="1400" kern="100">
+                        <a:effectLst/>
+                        <a:latin typeface="Times New Roman" panose="02020603050405020304" pitchFamily="18" charset="0"/>
+                        <a:ea typeface="NSimSun" panose="02010609030101010101" pitchFamily="49" charset="-122"/>
+                        <a:cs typeface="Lucida Sans" panose="020B0602030504020204" pitchFamily="34" charset="0"/>
+                      </a:endParaRPr>
+                    </a:p>
+                  </a:txBody>
+                  <a:tcPr marL="68580" marR="68580" marT="0" marB="0">
+                    <a:lnL w="12700" cap="flat" cmpd="sng" algn="ctr">
+                      <a:solidFill>
+                        <a:srgbClr val="000000"/>
+                      </a:solidFill>
+                      <a:prstDash val="solid"/>
+                      <a:round/>
+                      <a:headEnd type="none" w="med" len="med"/>
+                      <a:tailEnd type="none" w="med" len="med"/>
+                    </a:lnL>
+                    <a:lnR w="12700" cap="flat" cmpd="sng" algn="ctr">
+                      <a:solidFill>
+                        <a:srgbClr val="000000"/>
+                      </a:solidFill>
+                      <a:prstDash val="solid"/>
+                      <a:round/>
+                      <a:headEnd type="none" w="med" len="med"/>
+                      <a:tailEnd type="none" w="med" len="med"/>
+                    </a:lnR>
+                    <a:lnT w="12700" cap="flat" cmpd="sng" algn="ctr">
+                      <a:solidFill>
+                        <a:srgbClr val="000000"/>
+                      </a:solidFill>
+                      <a:prstDash val="solid"/>
+                      <a:round/>
+                      <a:headEnd type="none" w="med" len="med"/>
+                      <a:tailEnd type="none" w="med" len="med"/>
+                    </a:lnT>
+                    <a:lnB w="12700" cap="flat" cmpd="sng" algn="ctr">
+                      <a:solidFill>
+                        <a:srgbClr val="000000"/>
+                      </a:solidFill>
+                      <a:prstDash val="solid"/>
+                      <a:round/>
+                      <a:headEnd type="none" w="med" len="med"/>
+                      <a:tailEnd type="none" w="med" len="med"/>
+                    </a:lnB>
+                    <a:noFill/>
+                  </a:tcPr>
+                </a:tc>
+                <a:tc>
+                  <a:txBody>
+                    <a:bodyPr/>
+                    <a:lstStyle/>
+                    <a:p>
+                      <a:pPr marL="0" marR="0" algn="ctr">
+                        <a:buNone/>
+                      </a:pPr>
+                      <a:r>
+                        <a:rPr lang="en-US" sz="1400" kern="100">
+                          <a:effectLst/>
+                          <a:latin typeface="Times New Roman" panose="02020603050405020304" pitchFamily="18" charset="0"/>
+                          <a:ea typeface="NSimSun" panose="02010609030101010101" pitchFamily="49" charset="-122"/>
+                          <a:cs typeface="Times New Roman" panose="02020603050405020304" pitchFamily="18" charset="0"/>
+                        </a:rPr>
+                        <a:t>Yes</a:t>
+                      </a:r>
+                      <a:endParaRPr lang="en-US" sz="1400" kern="100">
+                        <a:effectLst/>
+                        <a:latin typeface="Times New Roman" panose="02020603050405020304" pitchFamily="18" charset="0"/>
+                        <a:ea typeface="NSimSun" panose="02010609030101010101" pitchFamily="49" charset="-122"/>
+                        <a:cs typeface="Lucida Sans" panose="020B0602030504020204" pitchFamily="34" charset="0"/>
+                      </a:endParaRPr>
+                    </a:p>
+                  </a:txBody>
+                  <a:tcPr marL="68580" marR="68580" marT="0" marB="0">
+                    <a:lnL w="12700" cap="flat" cmpd="sng" algn="ctr">
+                      <a:solidFill>
+                        <a:srgbClr val="000000"/>
+                      </a:solidFill>
+                      <a:prstDash val="solid"/>
+                      <a:round/>
+                      <a:headEnd type="none" w="med" len="med"/>
+                      <a:tailEnd type="none" w="med" len="med"/>
+                    </a:lnL>
+                    <a:lnR w="12700" cap="flat" cmpd="sng" algn="ctr">
+                      <a:solidFill>
+                        <a:srgbClr val="000000"/>
+                      </a:solidFill>
+                      <a:prstDash val="solid"/>
+                      <a:round/>
+                      <a:headEnd type="none" w="med" len="med"/>
+                      <a:tailEnd type="none" w="med" len="med"/>
+                    </a:lnR>
+                    <a:lnT w="12700" cap="flat" cmpd="sng" algn="ctr">
+                      <a:solidFill>
+                        <a:srgbClr val="000000"/>
+                      </a:solidFill>
+                      <a:prstDash val="solid"/>
+                      <a:round/>
+                      <a:headEnd type="none" w="med" len="med"/>
+                      <a:tailEnd type="none" w="med" len="med"/>
+                    </a:lnT>
+                    <a:lnB w="12700" cap="flat" cmpd="sng" algn="ctr">
+                      <a:solidFill>
+                        <a:srgbClr val="000000"/>
+                      </a:solidFill>
+                      <a:prstDash val="solid"/>
+                      <a:round/>
+                      <a:headEnd type="none" w="med" len="med"/>
+                      <a:tailEnd type="none" w="med" len="med"/>
+                    </a:lnB>
+                    <a:noFill/>
+                  </a:tcPr>
+                </a:tc>
+                <a:tc>
+                  <a:txBody>
+                    <a:bodyPr/>
+                    <a:lstStyle/>
+                    <a:p>
+                      <a:pPr marL="0" marR="0" algn="ctr">
+                        <a:buNone/>
+                      </a:pPr>
+                      <a:r>
+                        <a:rPr lang="en-US" sz="1400" kern="100" dirty="0">
+                          <a:effectLst/>
+                          <a:latin typeface="Times New Roman" panose="02020603050405020304" pitchFamily="18" charset="0"/>
+                          <a:ea typeface="NSimSun" panose="02010609030101010101" pitchFamily="49" charset="-122"/>
+                          <a:cs typeface="Times New Roman" panose="02020603050405020304" pitchFamily="18" charset="0"/>
+                        </a:rPr>
+                        <a:t>Yes</a:t>
+                      </a:r>
+                      <a:endParaRPr lang="en-US" sz="1400" kern="100" dirty="0">
+                        <a:effectLst/>
+                        <a:latin typeface="Times New Roman" panose="02020603050405020304" pitchFamily="18" charset="0"/>
+                        <a:ea typeface="NSimSun" panose="02010609030101010101" pitchFamily="49" charset="-122"/>
+                        <a:cs typeface="Lucida Sans" panose="020B0602030504020204" pitchFamily="34" charset="0"/>
+                      </a:endParaRPr>
+                    </a:p>
+                  </a:txBody>
+                  <a:tcPr marL="68580" marR="68580" marT="0" marB="0">
+                    <a:lnL w="12700" cap="flat" cmpd="sng" algn="ctr">
+                      <a:solidFill>
+                        <a:srgbClr val="000000"/>
+                      </a:solidFill>
+                      <a:prstDash val="solid"/>
+                      <a:round/>
+                      <a:headEnd type="none" w="med" len="med"/>
+                      <a:tailEnd type="none" w="med" len="med"/>
+                    </a:lnL>
+                    <a:lnR w="12700" cap="flat" cmpd="sng" algn="ctr">
+                      <a:solidFill>
+                        <a:srgbClr val="000000"/>
+                      </a:solidFill>
+                      <a:prstDash val="solid"/>
+                      <a:round/>
+                      <a:headEnd type="none" w="med" len="med"/>
+                      <a:tailEnd type="none" w="med" len="med"/>
+                    </a:lnR>
+                    <a:lnT w="12700" cap="flat" cmpd="sng" algn="ctr">
+                      <a:solidFill>
+                        <a:srgbClr val="000000"/>
+                      </a:solidFill>
+                      <a:prstDash val="solid"/>
+                      <a:round/>
+                      <a:headEnd type="none" w="med" len="med"/>
+                      <a:tailEnd type="none" w="med" len="med"/>
+                    </a:lnT>
+                    <a:lnB w="12700" cap="flat" cmpd="sng" algn="ctr">
+                      <a:solidFill>
+                        <a:srgbClr val="000000"/>
+                      </a:solidFill>
+                      <a:prstDash val="solid"/>
+                      <a:round/>
+                      <a:headEnd type="none" w="med" len="med"/>
+                      <a:tailEnd type="none" w="med" len="med"/>
+                    </a:lnB>
+                    <a:noFill/>
+                  </a:tcPr>
+                </a:tc>
+                <a:extLst>
+                  <a:ext uri="{0D108BD9-81ED-4DB2-BD59-A6C34878D82A}">
+                    <a16:rowId xmlns:a16="http://schemas.microsoft.com/office/drawing/2014/main" val="2706245973"/>
+                  </a:ext>
+                </a:extLst>
+              </a:tr>
+              <a:tr h="559848">
+                <a:tc>
+                  <a:txBody>
+                    <a:bodyPr/>
+                    <a:lstStyle/>
+                    <a:p>
+                      <a:pPr marL="0" marR="0" algn="l">
+                        <a:buNone/>
+                      </a:pPr>
+                      <a:r>
+                        <a:rPr lang="en-US" sz="1600" b="1" kern="100" dirty="0">
+                          <a:effectLst/>
+                          <a:latin typeface="Times New Roman" panose="02020603050405020304" pitchFamily="18" charset="0"/>
+                          <a:ea typeface="NSimSun" panose="02010609030101010101" pitchFamily="49" charset="-122"/>
+                          <a:cs typeface="Times New Roman" panose="02020603050405020304" pitchFamily="18" charset="0"/>
+                        </a:rPr>
+                        <a:t>Notification Alerts</a:t>
+                      </a:r>
+                      <a:endParaRPr lang="en-US" sz="1600" b="1" kern="100" dirty="0">
+                        <a:effectLst/>
+                        <a:latin typeface="Times New Roman" panose="02020603050405020304" pitchFamily="18" charset="0"/>
+                        <a:ea typeface="NSimSun" panose="02010609030101010101" pitchFamily="49" charset="-122"/>
+                        <a:cs typeface="Lucida Sans" panose="020B0602030504020204" pitchFamily="34" charset="0"/>
+                      </a:endParaRPr>
+                    </a:p>
+                  </a:txBody>
+                  <a:tcPr marL="68580" marR="68580" marT="0" marB="0">
+                    <a:lnL w="12700" cap="flat" cmpd="sng" algn="ctr">
+                      <a:solidFill>
+                        <a:srgbClr val="000000"/>
+                      </a:solidFill>
+                      <a:prstDash val="solid"/>
+                      <a:round/>
+                      <a:headEnd type="none" w="med" len="med"/>
+                      <a:tailEnd type="none" w="med" len="med"/>
+                    </a:lnL>
+                    <a:lnR w="12700" cap="flat" cmpd="sng" algn="ctr">
+                      <a:solidFill>
+                        <a:srgbClr val="000000"/>
+                      </a:solidFill>
+                      <a:prstDash val="solid"/>
+                      <a:round/>
+                      <a:headEnd type="none" w="med" len="med"/>
+                      <a:tailEnd type="none" w="med" len="med"/>
+                    </a:lnR>
+                    <a:lnT w="12700" cap="flat" cmpd="sng" algn="ctr">
+                      <a:solidFill>
+                        <a:srgbClr val="000000"/>
+                      </a:solidFill>
+                      <a:prstDash val="solid"/>
+                      <a:round/>
+                      <a:headEnd type="none" w="med" len="med"/>
+                      <a:tailEnd type="none" w="med" len="med"/>
+                    </a:lnT>
+                    <a:lnB w="12700" cap="flat" cmpd="sng" algn="ctr">
+                      <a:solidFill>
+                        <a:srgbClr val="000000"/>
+                      </a:solidFill>
+                      <a:prstDash val="solid"/>
+                      <a:round/>
+                      <a:headEnd type="none" w="med" len="med"/>
+                      <a:tailEnd type="none" w="med" len="med"/>
+                    </a:lnB>
+                    <a:solidFill>
+                      <a:schemeClr val="bg1">
+                        <a:lumMod val="95000"/>
+                      </a:schemeClr>
+                    </a:solidFill>
+                  </a:tcPr>
+                </a:tc>
+                <a:tc>
+                  <a:txBody>
+                    <a:bodyPr/>
+                    <a:lstStyle/>
+                    <a:p>
+                      <a:pPr marL="0" marR="0" algn="ctr">
+                        <a:buNone/>
+                      </a:pPr>
+                      <a:r>
+                        <a:rPr lang="en-US" sz="1400" kern="100" dirty="0">
+                          <a:effectLst/>
+                          <a:latin typeface="Times New Roman" panose="02020603050405020304" pitchFamily="18" charset="0"/>
+                          <a:ea typeface="NSimSun" panose="02010609030101010101" pitchFamily="49" charset="-122"/>
+                          <a:cs typeface="Times New Roman" panose="02020603050405020304" pitchFamily="18" charset="0"/>
+                        </a:rPr>
+                        <a:t>No</a:t>
+                      </a:r>
+                      <a:endParaRPr lang="en-US" sz="1400" kern="100" dirty="0">
+                        <a:effectLst/>
+                        <a:latin typeface="Times New Roman" panose="02020603050405020304" pitchFamily="18" charset="0"/>
+                        <a:ea typeface="NSimSun" panose="02010609030101010101" pitchFamily="49" charset="-122"/>
+                        <a:cs typeface="Lucida Sans" panose="020B0602030504020204" pitchFamily="34" charset="0"/>
+                      </a:endParaRPr>
+                    </a:p>
+                  </a:txBody>
+                  <a:tcPr marL="68580" marR="68580" marT="0" marB="0">
+                    <a:lnL w="12700" cap="flat" cmpd="sng" algn="ctr">
+                      <a:solidFill>
+                        <a:srgbClr val="000000"/>
+                      </a:solidFill>
+                      <a:prstDash val="solid"/>
+                      <a:round/>
+                      <a:headEnd type="none" w="med" len="med"/>
+                      <a:tailEnd type="none" w="med" len="med"/>
+                    </a:lnL>
+                    <a:lnR w="12700" cap="flat" cmpd="sng" algn="ctr">
+                      <a:solidFill>
+                        <a:srgbClr val="000000"/>
+                      </a:solidFill>
+                      <a:prstDash val="solid"/>
+                      <a:round/>
+                      <a:headEnd type="none" w="med" len="med"/>
+                      <a:tailEnd type="none" w="med" len="med"/>
+                    </a:lnR>
+                    <a:lnT w="12700" cap="flat" cmpd="sng" algn="ctr">
+                      <a:solidFill>
+                        <a:srgbClr val="000000"/>
+                      </a:solidFill>
+                      <a:prstDash val="solid"/>
+                      <a:round/>
+                      <a:headEnd type="none" w="med" len="med"/>
+                      <a:tailEnd type="none" w="med" len="med"/>
+                    </a:lnT>
+                    <a:lnB w="12700" cap="flat" cmpd="sng" algn="ctr">
+                      <a:solidFill>
+                        <a:srgbClr val="000000"/>
+                      </a:solidFill>
+                      <a:prstDash val="solid"/>
+                      <a:round/>
+                      <a:headEnd type="none" w="med" len="med"/>
+                      <a:tailEnd type="none" w="med" len="med"/>
+                    </a:lnB>
+                    <a:noFill/>
+                  </a:tcPr>
+                </a:tc>
+                <a:tc>
+                  <a:txBody>
+                    <a:bodyPr/>
+                    <a:lstStyle/>
+                    <a:p>
+                      <a:pPr marL="0" marR="0" algn="ctr">
+                        <a:buNone/>
+                      </a:pPr>
+                      <a:r>
+                        <a:rPr lang="en-US" sz="1400" kern="100">
+                          <a:effectLst/>
+                          <a:latin typeface="Times New Roman" panose="02020603050405020304" pitchFamily="18" charset="0"/>
+                          <a:ea typeface="NSimSun" panose="02010609030101010101" pitchFamily="49" charset="-122"/>
+                          <a:cs typeface="Times New Roman" panose="02020603050405020304" pitchFamily="18" charset="0"/>
+                        </a:rPr>
+                        <a:t>Yes</a:t>
+                      </a:r>
+                      <a:endParaRPr lang="en-US" sz="1400" kern="100">
+                        <a:effectLst/>
+                        <a:latin typeface="Times New Roman" panose="02020603050405020304" pitchFamily="18" charset="0"/>
+                        <a:ea typeface="NSimSun" panose="02010609030101010101" pitchFamily="49" charset="-122"/>
+                        <a:cs typeface="Lucida Sans" panose="020B0602030504020204" pitchFamily="34" charset="0"/>
+                      </a:endParaRPr>
+                    </a:p>
+                  </a:txBody>
+                  <a:tcPr marL="68580" marR="68580" marT="0" marB="0">
+                    <a:lnL w="12700" cap="flat" cmpd="sng" algn="ctr">
+                      <a:solidFill>
+                        <a:srgbClr val="000000"/>
+                      </a:solidFill>
+                      <a:prstDash val="solid"/>
+                      <a:round/>
+                      <a:headEnd type="none" w="med" len="med"/>
+                      <a:tailEnd type="none" w="med" len="med"/>
+                    </a:lnL>
+                    <a:lnR w="12700" cap="flat" cmpd="sng" algn="ctr">
+                      <a:solidFill>
+                        <a:srgbClr val="000000"/>
+                      </a:solidFill>
+                      <a:prstDash val="solid"/>
+                      <a:round/>
+                      <a:headEnd type="none" w="med" len="med"/>
+                      <a:tailEnd type="none" w="med" len="med"/>
+                    </a:lnR>
+                    <a:lnT w="12700" cap="flat" cmpd="sng" algn="ctr">
+                      <a:solidFill>
+                        <a:srgbClr val="000000"/>
+                      </a:solidFill>
+                      <a:prstDash val="solid"/>
+                      <a:round/>
+                      <a:headEnd type="none" w="med" len="med"/>
+                      <a:tailEnd type="none" w="med" len="med"/>
+                    </a:lnT>
+                    <a:lnB w="12700" cap="flat" cmpd="sng" algn="ctr">
+                      <a:solidFill>
+                        <a:srgbClr val="000000"/>
+                      </a:solidFill>
+                      <a:prstDash val="solid"/>
+                      <a:round/>
+                      <a:headEnd type="none" w="med" len="med"/>
+                      <a:tailEnd type="none" w="med" len="med"/>
+                    </a:lnB>
+                    <a:noFill/>
+                  </a:tcPr>
+                </a:tc>
+                <a:tc>
+                  <a:txBody>
+                    <a:bodyPr/>
+                    <a:lstStyle/>
+                    <a:p>
+                      <a:pPr marL="0" marR="0" algn="ctr">
+                        <a:buNone/>
+                      </a:pPr>
+                      <a:r>
+                        <a:rPr lang="en-US" sz="1400" kern="100" dirty="0">
+                          <a:effectLst/>
+                          <a:latin typeface="Times New Roman" panose="02020603050405020304" pitchFamily="18" charset="0"/>
+                          <a:ea typeface="NSimSun" panose="02010609030101010101" pitchFamily="49" charset="-122"/>
+                          <a:cs typeface="Times New Roman" panose="02020603050405020304" pitchFamily="18" charset="0"/>
+                        </a:rPr>
+                        <a:t>Yes</a:t>
+                      </a:r>
+                      <a:endParaRPr lang="en-US" sz="1400" kern="100" dirty="0">
+                        <a:effectLst/>
+                        <a:latin typeface="Times New Roman" panose="02020603050405020304" pitchFamily="18" charset="0"/>
+                        <a:ea typeface="NSimSun" panose="02010609030101010101" pitchFamily="49" charset="-122"/>
+                        <a:cs typeface="Lucida Sans" panose="020B0602030504020204" pitchFamily="34" charset="0"/>
+                      </a:endParaRPr>
+                    </a:p>
+                  </a:txBody>
+                  <a:tcPr marL="68580" marR="68580" marT="0" marB="0">
+                    <a:lnL w="12700" cap="flat" cmpd="sng" algn="ctr">
+                      <a:solidFill>
+                        <a:srgbClr val="000000"/>
+                      </a:solidFill>
+                      <a:prstDash val="solid"/>
+                      <a:round/>
+                      <a:headEnd type="none" w="med" len="med"/>
+                      <a:tailEnd type="none" w="med" len="med"/>
+                    </a:lnL>
+                    <a:lnR w="12700" cap="flat" cmpd="sng" algn="ctr">
+                      <a:solidFill>
+                        <a:srgbClr val="000000"/>
+                      </a:solidFill>
+                      <a:prstDash val="solid"/>
+                      <a:round/>
+                      <a:headEnd type="none" w="med" len="med"/>
+                      <a:tailEnd type="none" w="med" len="med"/>
+                    </a:lnR>
+                    <a:lnT w="12700" cap="flat" cmpd="sng" algn="ctr">
+                      <a:solidFill>
+                        <a:srgbClr val="000000"/>
+                      </a:solidFill>
+                      <a:prstDash val="solid"/>
+                      <a:round/>
+                      <a:headEnd type="none" w="med" len="med"/>
+                      <a:tailEnd type="none" w="med" len="med"/>
+                    </a:lnT>
+                    <a:lnB w="12700" cap="flat" cmpd="sng" algn="ctr">
+                      <a:solidFill>
+                        <a:srgbClr val="000000"/>
+                      </a:solidFill>
+                      <a:prstDash val="solid"/>
+                      <a:round/>
+                      <a:headEnd type="none" w="med" len="med"/>
+                      <a:tailEnd type="none" w="med" len="med"/>
+                    </a:lnB>
+                    <a:noFill/>
+                  </a:tcPr>
+                </a:tc>
+                <a:extLst>
+                  <a:ext uri="{0D108BD9-81ED-4DB2-BD59-A6C34878D82A}">
+                    <a16:rowId xmlns:a16="http://schemas.microsoft.com/office/drawing/2014/main" val="912839821"/>
+                  </a:ext>
+                </a:extLst>
+              </a:tr>
+            </a:tbl>
+          </a:graphicData>
+        </a:graphic>
+      </p:graphicFrame>
+    </p:spTree>
+    <p:extLst>
+      <p:ext uri="{BB962C8B-B14F-4D97-AF65-F5344CB8AC3E}">
+        <p14:creationId xmlns:p14="http://schemas.microsoft.com/office/powerpoint/2010/main" val="2584017562"/>
+      </p:ext>
+    </p:extLst>
+  </p:cSld>
+  <p:clrMapOvr>
+    <a:masterClrMapping/>
+  </p:clrMapOvr>
+</p:sld>
+</file>
+
+<file path=ppt/slides/slide8.xml><?xml version="1.0" encoding="utf-8"?>
+<p:sld xmlns:a="http://schemas.openxmlformats.org/drawingml/2006/main" xmlns:r="http://schemas.openxmlformats.org/officeDocument/2006/relationships" xmlns:p="http://schemas.openxmlformats.org/presentationml/2006/main">
+  <p:cSld>
+    <p:spTree>
+      <p:nvGrpSpPr>
         <p:cNvPr id="1" name=""/>
         <p:cNvGrpSpPr/>
         <p:nvPr/>
@@ -9999,7 +13275,7 @@
 </p:sld>
 </file>
 
-<file path=ppt/slides/slide8.xml><?xml version="1.0" encoding="utf-8"?>
+<file path=ppt/slides/slide9.xml><?xml version="1.0" encoding="utf-8"?>
 <p:sld xmlns:a="http://schemas.openxmlformats.org/drawingml/2006/main" xmlns:r="http://schemas.openxmlformats.org/officeDocument/2006/relationships" xmlns:p="http://schemas.openxmlformats.org/presentationml/2006/main">
   <p:cSld>
     <p:spTree>
@@ -10213,200 +13489,6 @@
     <p:extLst>
       <p:ext uri="{BB962C8B-B14F-4D97-AF65-F5344CB8AC3E}">
         <p14:creationId xmlns:p14="http://schemas.microsoft.com/office/powerpoint/2010/main" val="2850995676"/>
-      </p:ext>
-    </p:extLst>
-  </p:cSld>
-  <p:clrMapOvr>
-    <a:masterClrMapping/>
-  </p:clrMapOvr>
-</p:sld>
-</file>
-
-<file path=ppt/slides/slide9.xml><?xml version="1.0" encoding="utf-8"?>
-<p:sld xmlns:a="http://schemas.openxmlformats.org/drawingml/2006/main" xmlns:r="http://schemas.openxmlformats.org/officeDocument/2006/relationships" xmlns:p="http://schemas.openxmlformats.org/presentationml/2006/main">
-  <p:cSld>
-    <p:spTree>
-      <p:nvGrpSpPr>
-        <p:cNvPr id="1" name=""/>
-        <p:cNvGrpSpPr/>
-        <p:nvPr/>
-      </p:nvGrpSpPr>
-      <p:grpSpPr>
-        <a:xfrm>
-          <a:off x="0" y="0"/>
-          <a:ext cx="0" cy="0"/>
-          <a:chOff x="0" y="0"/>
-          <a:chExt cx="0" cy="0"/>
-        </a:xfrm>
-      </p:grpSpPr>
-      <p:grpSp>
-        <p:nvGrpSpPr>
-          <p:cNvPr id="8" name="Group 7">
-            <a:extLst>
-              <a:ext uri="{FF2B5EF4-FFF2-40B4-BE49-F238E27FC236}">
-                <a16:creationId xmlns:a16="http://schemas.microsoft.com/office/drawing/2014/main" id="{0C3E5370-5EAC-A490-45ED-8202FA33D5EE}"/>
-              </a:ext>
-            </a:extLst>
-          </p:cNvPr>
-          <p:cNvGrpSpPr/>
-          <p:nvPr/>
-        </p:nvGrpSpPr>
-        <p:grpSpPr>
-          <a:xfrm>
-            <a:off x="203200" y="203200"/>
-            <a:ext cx="11785600" cy="6451600"/>
-            <a:chOff x="241300" y="203200"/>
-            <a:chExt cx="11785600" cy="6451600"/>
-          </a:xfrm>
-        </p:grpSpPr>
-        <p:sp>
-          <p:nvSpPr>
-            <p:cNvPr id="9" name="Rectangle 8">
-              <a:extLst>
-                <a:ext uri="{FF2B5EF4-FFF2-40B4-BE49-F238E27FC236}">
-                  <a16:creationId xmlns:a16="http://schemas.microsoft.com/office/drawing/2014/main" id="{790B6AD7-DB2D-8475-1E9E-DA68B80DA42A}"/>
-                </a:ext>
-              </a:extLst>
-            </p:cNvPr>
-            <p:cNvSpPr/>
-            <p:nvPr/>
-          </p:nvSpPr>
-          <p:spPr>
-            <a:xfrm>
-              <a:off x="241300" y="203200"/>
-              <a:ext cx="11785600" cy="6451600"/>
-            </a:xfrm>
-            <a:prstGeom prst="rect">
-              <a:avLst/>
-            </a:prstGeom>
-            <a:solidFill>
-              <a:schemeClr val="tx2">
-                <a:lumMod val="10000"/>
-                <a:lumOff val="90000"/>
-              </a:schemeClr>
-            </a:solidFill>
-            <a:ln w="63500">
-              <a:solidFill>
-                <a:schemeClr val="tx2">
-                  <a:lumMod val="75000"/>
-                  <a:lumOff val="25000"/>
-                </a:schemeClr>
-              </a:solidFill>
-            </a:ln>
-          </p:spPr>
-          <p:style>
-            <a:lnRef idx="2">
-              <a:schemeClr val="accent1">
-                <a:shade val="15000"/>
-              </a:schemeClr>
-            </a:lnRef>
-            <a:fillRef idx="1">
-              <a:schemeClr val="accent1"/>
-            </a:fillRef>
-            <a:effectRef idx="0">
-              <a:schemeClr val="accent1"/>
-            </a:effectRef>
-            <a:fontRef idx="minor">
-              <a:schemeClr val="lt1"/>
-            </a:fontRef>
-          </p:style>
-          <p:txBody>
-            <a:bodyPr rtlCol="0" anchor="ctr"/>
-            <a:lstStyle/>
-            <a:p>
-              <a:pPr algn="ctr"/>
-              <a:endParaRPr lang="en-PK"/>
-            </a:p>
-          </p:txBody>
-        </p:sp>
-        <p:sp>
-          <p:nvSpPr>
-            <p:cNvPr id="10" name="Rectangle 9">
-              <a:extLst>
-                <a:ext uri="{FF2B5EF4-FFF2-40B4-BE49-F238E27FC236}">
-                  <a16:creationId xmlns:a16="http://schemas.microsoft.com/office/drawing/2014/main" id="{FA7F6F8C-9066-40ED-6BE8-D8F8893BEE26}"/>
-                </a:ext>
-              </a:extLst>
-            </p:cNvPr>
-            <p:cNvSpPr/>
-            <p:nvPr/>
-          </p:nvSpPr>
-          <p:spPr>
-            <a:xfrm>
-              <a:off x="241300" y="2766218"/>
-              <a:ext cx="11785600" cy="1325563"/>
-            </a:xfrm>
-            <a:prstGeom prst="rect">
-              <a:avLst/>
-            </a:prstGeom>
-            <a:solidFill>
-              <a:schemeClr val="bg1"/>
-            </a:solidFill>
-          </p:spPr>
-          <p:style>
-            <a:lnRef idx="2">
-              <a:schemeClr val="accent1">
-                <a:shade val="15000"/>
-              </a:schemeClr>
-            </a:lnRef>
-            <a:fillRef idx="1">
-              <a:schemeClr val="accent1"/>
-            </a:fillRef>
-            <a:effectRef idx="0">
-              <a:schemeClr val="accent1"/>
-            </a:effectRef>
-            <a:fontRef idx="minor">
-              <a:schemeClr val="lt1"/>
-            </a:fontRef>
-          </p:style>
-          <p:txBody>
-            <a:bodyPr rtlCol="0" anchor="ctr"/>
-            <a:lstStyle/>
-            <a:p>
-              <a:pPr algn="ctr"/>
-              <a:endParaRPr lang="en-PK"/>
-            </a:p>
-          </p:txBody>
-        </p:sp>
-      </p:grpSp>
-      <p:sp>
-        <p:nvSpPr>
-          <p:cNvPr id="2" name="Title 1">
-            <a:extLst>
-              <a:ext uri="{FF2B5EF4-FFF2-40B4-BE49-F238E27FC236}">
-                <a16:creationId xmlns:a16="http://schemas.microsoft.com/office/drawing/2014/main" id="{3376F6DF-34C4-EFD2-6DD5-16665FC7E584}"/>
-              </a:ext>
-            </a:extLst>
-          </p:cNvPr>
-          <p:cNvSpPr>
-            <a:spLocks noGrp="1"/>
-          </p:cNvSpPr>
-          <p:nvPr>
-            <p:ph type="title"/>
-          </p:nvPr>
-        </p:nvSpPr>
-        <p:spPr>
-          <a:xfrm>
-            <a:off x="3015761" y="2766218"/>
-            <a:ext cx="6160477" cy="1325563"/>
-          </a:xfrm>
-        </p:spPr>
-        <p:txBody>
-          <a:bodyPr/>
-          <a:lstStyle/>
-          <a:p>
-            <a:r>
-              <a:rPr lang="en-US" dirty="0"/>
-              <a:t>SYSTEM ARCHITECTURE</a:t>
-            </a:r>
-            <a:endParaRPr lang="en-PK" dirty="0"/>
-          </a:p>
-        </p:txBody>
-      </p:sp>
-    </p:spTree>
-    <p:extLst>
-      <p:ext uri="{BB962C8B-B14F-4D97-AF65-F5344CB8AC3E}">
-        <p14:creationId xmlns:p14="http://schemas.microsoft.com/office/powerpoint/2010/main" val="3039504091"/>
       </p:ext>
     </p:extLst>
   </p:cSld>

--- a/Requirement/specification/CareNest.pptx
+++ b/Requirement/specification/CareNest.pptx
@@ -5,7 +5,7 @@
     <p:sldMasterId id="2147483648" r:id="rId1"/>
   </p:sldMasterIdLst>
   <p:notesMasterIdLst>
-    <p:notesMasterId r:id="rId30"/>
+    <p:notesMasterId r:id="rId29"/>
   </p:notesMasterIdLst>
   <p:sldIdLst>
     <p:sldId id="256" r:id="rId2"/>
@@ -21,21 +21,20 @@
     <p:sldId id="279" r:id="rId12"/>
     <p:sldId id="277" r:id="rId13"/>
     <p:sldId id="292" r:id="rId14"/>
-    <p:sldId id="293" r:id="rId15"/>
+    <p:sldId id="298" r:id="rId15"/>
     <p:sldId id="295" r:id="rId16"/>
     <p:sldId id="296" r:id="rId17"/>
     <p:sldId id="280" r:id="rId18"/>
     <p:sldId id="284" r:id="rId19"/>
     <p:sldId id="286" r:id="rId20"/>
-    <p:sldId id="281" r:id="rId21"/>
-    <p:sldId id="289" r:id="rId22"/>
-    <p:sldId id="287" r:id="rId23"/>
-    <p:sldId id="262" r:id="rId24"/>
-    <p:sldId id="291" r:id="rId25"/>
-    <p:sldId id="288" r:id="rId26"/>
-    <p:sldId id="282" r:id="rId27"/>
-    <p:sldId id="260" r:id="rId28"/>
-    <p:sldId id="261" r:id="rId29"/>
+    <p:sldId id="289" r:id="rId21"/>
+    <p:sldId id="287" r:id="rId22"/>
+    <p:sldId id="262" r:id="rId23"/>
+    <p:sldId id="291" r:id="rId24"/>
+    <p:sldId id="288" r:id="rId25"/>
+    <p:sldId id="282" r:id="rId26"/>
+    <p:sldId id="260" r:id="rId27"/>
+    <p:sldId id="261" r:id="rId28"/>
   </p:sldIdLst>
   <p:sldSz cx="12192000" cy="6858000"/>
   <p:notesSz cx="6858000" cy="9144000"/>
@@ -224,7 +223,7 @@
           <a:p>
             <a:fld id="{D9FB863F-6DA7-4E2C-9AF4-A1919C443414}" type="datetimeFigureOut">
               <a:rPr lang="en-PK" smtClean="0"/>
-              <a:t>07/10/2025</a:t>
+              <a:t>07/13/2025</a:t>
             </a:fld>
             <a:endParaRPr lang="en-PK"/>
           </a:p>
@@ -497,7 +496,13 @@
   <p:cSld>
     <p:spTree>
       <p:nvGrpSpPr>
-        <p:cNvPr id="1" name=""/>
+        <p:cNvPr id="1" name="">
+          <a:extLst>
+            <a:ext uri="{FF2B5EF4-FFF2-40B4-BE49-F238E27FC236}">
+              <a16:creationId xmlns:a16="http://schemas.microsoft.com/office/drawing/2014/main" id="{9A968075-5F76-0058-5022-FE94D47BC93A}"/>
+            </a:ext>
+          </a:extLst>
+        </p:cNvPr>
         <p:cNvGrpSpPr/>
         <p:nvPr/>
       </p:nvGrpSpPr>
@@ -511,7 +516,13 @@
       </p:grpSpPr>
       <p:sp>
         <p:nvSpPr>
-          <p:cNvPr id="2" name="Slide Image Placeholder 1"/>
+          <p:cNvPr id="2" name="Slide Image Placeholder 1">
+            <a:extLst>
+              <a:ext uri="{FF2B5EF4-FFF2-40B4-BE49-F238E27FC236}">
+                <a16:creationId xmlns:a16="http://schemas.microsoft.com/office/drawing/2014/main" id="{EEC0A496-4ACE-27A7-FFD1-1ADDE1350C39}"/>
+              </a:ext>
+            </a:extLst>
+          </p:cNvPr>
           <p:cNvSpPr>
             <a:spLocks noGrp="1" noRot="1" noChangeAspect="1"/>
           </p:cNvSpPr>
@@ -523,7 +534,13 @@
       </p:sp>
       <p:sp>
         <p:nvSpPr>
-          <p:cNvPr id="3" name="Notes Placeholder 2"/>
+          <p:cNvPr id="3" name="Notes Placeholder 2">
+            <a:extLst>
+              <a:ext uri="{FF2B5EF4-FFF2-40B4-BE49-F238E27FC236}">
+                <a16:creationId xmlns:a16="http://schemas.microsoft.com/office/drawing/2014/main" id="{CF7E5DC1-8B83-E6E8-4DCF-8C0844B2698D}"/>
+              </a:ext>
+            </a:extLst>
+          </p:cNvPr>
           <p:cNvSpPr>
             <a:spLocks noGrp="1"/>
           </p:cNvSpPr>
@@ -542,7 +559,13 @@
       </p:sp>
       <p:sp>
         <p:nvSpPr>
-          <p:cNvPr id="4" name="Slide Number Placeholder 3"/>
+          <p:cNvPr id="4" name="Slide Number Placeholder 3">
+            <a:extLst>
+              <a:ext uri="{FF2B5EF4-FFF2-40B4-BE49-F238E27FC236}">
+                <a16:creationId xmlns:a16="http://schemas.microsoft.com/office/drawing/2014/main" id="{0B73069A-E512-DD6B-97E7-0BF0C57B613D}"/>
+              </a:ext>
+            </a:extLst>
+          </p:cNvPr>
           <p:cNvSpPr>
             <a:spLocks noGrp="1"/>
           </p:cNvSpPr>
@@ -566,7 +589,7 @@
     </p:spTree>
     <p:extLst>
       <p:ext uri="{BB962C8B-B14F-4D97-AF65-F5344CB8AC3E}">
-        <p14:creationId xmlns:p14="http://schemas.microsoft.com/office/powerpoint/2010/main" val="1987478961"/>
+        <p14:creationId xmlns:p14="http://schemas.microsoft.com/office/powerpoint/2010/main" val="3388300610"/>
       </p:ext>
     </p:extLst>
   </p:cSld>
@@ -651,6 +674,90 @@
     <p:extLst>
       <p:ext uri="{BB962C8B-B14F-4D97-AF65-F5344CB8AC3E}">
         <p14:creationId xmlns:p14="http://schemas.microsoft.com/office/powerpoint/2010/main" val="3752913222"/>
+      </p:ext>
+    </p:extLst>
+  </p:cSld>
+  <p:clrMapOvr>
+    <a:masterClrMapping/>
+  </p:clrMapOvr>
+</p:notes>
+</file>
+
+<file path=ppt/notesSlides/notesSlide3.xml><?xml version="1.0" encoding="utf-8"?>
+<p:notes xmlns:a="http://schemas.openxmlformats.org/drawingml/2006/main" xmlns:r="http://schemas.openxmlformats.org/officeDocument/2006/relationships" xmlns:p="http://schemas.openxmlformats.org/presentationml/2006/main">
+  <p:cSld>
+    <p:spTree>
+      <p:nvGrpSpPr>
+        <p:cNvPr id="1" name=""/>
+        <p:cNvGrpSpPr/>
+        <p:nvPr/>
+      </p:nvGrpSpPr>
+      <p:grpSpPr>
+        <a:xfrm>
+          <a:off x="0" y="0"/>
+          <a:ext cx="0" cy="0"/>
+          <a:chOff x="0" y="0"/>
+          <a:chExt cx="0" cy="0"/>
+        </a:xfrm>
+      </p:grpSpPr>
+      <p:sp>
+        <p:nvSpPr>
+          <p:cNvPr id="2" name="Slide Image Placeholder 1"/>
+          <p:cNvSpPr>
+            <a:spLocks noGrp="1" noRot="1" noChangeAspect="1"/>
+          </p:cNvSpPr>
+          <p:nvPr>
+            <p:ph type="sldImg"/>
+          </p:nvPr>
+        </p:nvSpPr>
+        <p:spPr/>
+      </p:sp>
+      <p:sp>
+        <p:nvSpPr>
+          <p:cNvPr id="3" name="Notes Placeholder 2"/>
+          <p:cNvSpPr>
+            <a:spLocks noGrp="1"/>
+          </p:cNvSpPr>
+          <p:nvPr>
+            <p:ph type="body" idx="1"/>
+          </p:nvPr>
+        </p:nvSpPr>
+        <p:spPr/>
+        <p:txBody>
+          <a:bodyPr/>
+          <a:lstStyle/>
+          <a:p>
+            <a:endParaRPr lang="en-US" dirty="0"/>
+          </a:p>
+        </p:txBody>
+      </p:sp>
+      <p:sp>
+        <p:nvSpPr>
+          <p:cNvPr id="4" name="Slide Number Placeholder 3"/>
+          <p:cNvSpPr>
+            <a:spLocks noGrp="1"/>
+          </p:cNvSpPr>
+          <p:nvPr>
+            <p:ph type="sldNum" sz="quarter" idx="5"/>
+          </p:nvPr>
+        </p:nvSpPr>
+        <p:spPr/>
+        <p:txBody>
+          <a:bodyPr/>
+          <a:lstStyle/>
+          <a:p>
+            <a:fld id="{A98CEC98-0085-4F7A-80FE-FC9B44690311}" type="slidenum">
+              <a:rPr lang="en-PK" smtClean="0"/>
+              <a:t>22</a:t>
+            </a:fld>
+            <a:endParaRPr lang="en-PK"/>
+          </a:p>
+        </p:txBody>
+      </p:sp>
+    </p:spTree>
+    <p:extLst>
+      <p:ext uri="{BB962C8B-B14F-4D97-AF65-F5344CB8AC3E}">
+        <p14:creationId xmlns:p14="http://schemas.microsoft.com/office/powerpoint/2010/main" val="3970118018"/>
       </p:ext>
     </p:extLst>
   </p:cSld>
@@ -809,7 +916,7 @@
           <a:p>
             <a:fld id="{FDD5305B-B2D0-43AA-9C84-A120827CAE0A}" type="datetimeFigureOut">
               <a:rPr lang="en-PK" smtClean="0"/>
-              <a:t>07/10/2025</a:t>
+              <a:t>07/13/2025</a:t>
             </a:fld>
             <a:endParaRPr lang="en-PK"/>
           </a:p>
@@ -1009,7 +1116,7 @@
           <a:p>
             <a:fld id="{FDD5305B-B2D0-43AA-9C84-A120827CAE0A}" type="datetimeFigureOut">
               <a:rPr lang="en-PK" smtClean="0"/>
-              <a:t>07/10/2025</a:t>
+              <a:t>07/13/2025</a:t>
             </a:fld>
             <a:endParaRPr lang="en-PK"/>
           </a:p>
@@ -1219,7 +1326,7 @@
           <a:p>
             <a:fld id="{FDD5305B-B2D0-43AA-9C84-A120827CAE0A}" type="datetimeFigureOut">
               <a:rPr lang="en-PK" smtClean="0"/>
-              <a:t>07/10/2025</a:t>
+              <a:t>07/13/2025</a:t>
             </a:fld>
             <a:endParaRPr lang="en-PK"/>
           </a:p>
@@ -1419,7 +1526,7 @@
           <a:p>
             <a:fld id="{FDD5305B-B2D0-43AA-9C84-A120827CAE0A}" type="datetimeFigureOut">
               <a:rPr lang="en-PK" smtClean="0"/>
-              <a:t>07/10/2025</a:t>
+              <a:t>07/13/2025</a:t>
             </a:fld>
             <a:endParaRPr lang="en-PK"/>
           </a:p>
@@ -1695,7 +1802,7 @@
           <a:p>
             <a:fld id="{FDD5305B-B2D0-43AA-9C84-A120827CAE0A}" type="datetimeFigureOut">
               <a:rPr lang="en-PK" smtClean="0"/>
-              <a:t>07/10/2025</a:t>
+              <a:t>07/13/2025</a:t>
             </a:fld>
             <a:endParaRPr lang="en-PK"/>
           </a:p>
@@ -1963,7 +2070,7 @@
           <a:p>
             <a:fld id="{FDD5305B-B2D0-43AA-9C84-A120827CAE0A}" type="datetimeFigureOut">
               <a:rPr lang="en-PK" smtClean="0"/>
-              <a:t>07/10/2025</a:t>
+              <a:t>07/13/2025</a:t>
             </a:fld>
             <a:endParaRPr lang="en-PK"/>
           </a:p>
@@ -2378,7 +2485,7 @@
           <a:p>
             <a:fld id="{FDD5305B-B2D0-43AA-9C84-A120827CAE0A}" type="datetimeFigureOut">
               <a:rPr lang="en-PK" smtClean="0"/>
-              <a:t>07/10/2025</a:t>
+              <a:t>07/13/2025</a:t>
             </a:fld>
             <a:endParaRPr lang="en-PK"/>
           </a:p>
@@ -2520,7 +2627,7 @@
           <a:p>
             <a:fld id="{FDD5305B-B2D0-43AA-9C84-A120827CAE0A}" type="datetimeFigureOut">
               <a:rPr lang="en-PK" smtClean="0"/>
-              <a:t>07/10/2025</a:t>
+              <a:t>07/13/2025</a:t>
             </a:fld>
             <a:endParaRPr lang="en-PK"/>
           </a:p>
@@ -2633,7 +2740,7 @@
           <a:p>
             <a:fld id="{FDD5305B-B2D0-43AA-9C84-A120827CAE0A}" type="datetimeFigureOut">
               <a:rPr lang="en-PK" smtClean="0"/>
-              <a:t>07/10/2025</a:t>
+              <a:t>07/13/2025</a:t>
             </a:fld>
             <a:endParaRPr lang="en-PK"/>
           </a:p>
@@ -2946,7 +3053,7 @@
           <a:p>
             <a:fld id="{FDD5305B-B2D0-43AA-9C84-A120827CAE0A}" type="datetimeFigureOut">
               <a:rPr lang="en-PK" smtClean="0"/>
-              <a:t>07/10/2025</a:t>
+              <a:t>07/13/2025</a:t>
             </a:fld>
             <a:endParaRPr lang="en-PK"/>
           </a:p>
@@ -3235,7 +3342,7 @@
           <a:p>
             <a:fld id="{FDD5305B-B2D0-43AA-9C84-A120827CAE0A}" type="datetimeFigureOut">
               <a:rPr lang="en-PK" smtClean="0"/>
-              <a:t>07/10/2025</a:t>
+              <a:t>07/13/2025</a:t>
             </a:fld>
             <a:endParaRPr lang="en-PK"/>
           </a:p>
@@ -3478,7 +3585,7 @@
           <a:p>
             <a:fld id="{FDD5305B-B2D0-43AA-9C84-A120827CAE0A}" type="datetimeFigureOut">
               <a:rPr lang="en-PK" smtClean="0"/>
-              <a:t>07/10/2025</a:t>
+              <a:t>07/13/2025</a:t>
             </a:fld>
             <a:endParaRPr lang="en-PK"/>
           </a:p>
@@ -5167,7 +5274,7 @@
         <p:cNvPr id="1" name="">
           <a:extLst>
             <a:ext uri="{FF2B5EF4-FFF2-40B4-BE49-F238E27FC236}">
-              <a16:creationId xmlns:a16="http://schemas.microsoft.com/office/drawing/2014/main" id="{68BD2FC3-6E7D-8EE2-1058-59DE834F6ED4}"/>
+              <a16:creationId xmlns:a16="http://schemas.microsoft.com/office/drawing/2014/main" id="{1D6280EB-A80C-4374-7419-E40938BE80AD}"/>
             </a:ext>
           </a:extLst>
         </p:cNvPr>
@@ -5184,10 +5291,10 @@
       </p:grpSpPr>
       <p:pic>
         <p:nvPicPr>
-          <p:cNvPr id="8" name="Picture 7" descr="A diagram of a company&#10;&#10;AI-generated content may be incorrect.">
-            <a:extLst>
-              <a:ext uri="{FF2B5EF4-FFF2-40B4-BE49-F238E27FC236}">
-                <a16:creationId xmlns:a16="http://schemas.microsoft.com/office/drawing/2014/main" id="{4F3B1EC0-8331-7142-C815-4451317E33A8}"/>
+          <p:cNvPr id="5" name="Picture 4" descr="A diagram of a flowchart&#10;&#10;AI-generated content may be incorrect.">
+            <a:extLst>
+              <a:ext uri="{FF2B5EF4-FFF2-40B4-BE49-F238E27FC236}">
+                <a16:creationId xmlns:a16="http://schemas.microsoft.com/office/drawing/2014/main" id="{00AB13DA-684D-8823-2FAE-F3E91E0D3B51}"/>
               </a:ext>
             </a:extLst>
           </p:cNvPr>
@@ -5210,8 +5317,8 @@
         </p:blipFill>
         <p:spPr>
           <a:xfrm>
-            <a:off x="838200" y="759800"/>
-            <a:ext cx="9504372" cy="5733075"/>
+            <a:off x="6394184" y="101600"/>
+            <a:ext cx="3631800" cy="6654800"/>
           </a:xfrm>
           <a:prstGeom prst="rect">
             <a:avLst/>
@@ -5223,7 +5330,7 @@
           <p:cNvPr id="2" name="Title 1">
             <a:extLst>
               <a:ext uri="{FF2B5EF4-FFF2-40B4-BE49-F238E27FC236}">
-                <a16:creationId xmlns:a16="http://schemas.microsoft.com/office/drawing/2014/main" id="{BB5E4A56-6495-19C0-ACA7-1399A08C634A}"/>
+                <a16:creationId xmlns:a16="http://schemas.microsoft.com/office/drawing/2014/main" id="{F1D85B25-A559-4469-B14A-F5623BC97A4C}"/>
               </a:ext>
             </a:extLst>
           </p:cNvPr>
@@ -5234,14 +5341,20 @@
             <p:ph type="title"/>
           </p:nvPr>
         </p:nvSpPr>
-        <p:spPr/>
+        <p:spPr>
+          <a:xfrm>
+            <a:off x="867383" y="2077193"/>
+            <a:ext cx="4560651" cy="2416986"/>
+          </a:xfrm>
+        </p:spPr>
         <p:txBody>
           <a:bodyPr/>
           <a:lstStyle/>
           <a:p>
+            <a:pPr algn="ctr"/>
             <a:r>
               <a:rPr lang="en-US" dirty="0"/>
-              <a:t>Database Diagram (NOSQL Schema)</a:t>
+              <a:t>Activity Diagram</a:t>
             </a:r>
             <a:endParaRPr lang="en-PK" dirty="0"/>
           </a:p>
@@ -5252,7 +5365,7 @@
           <p:cNvPr id="3" name="Rectangle 2">
             <a:extLst>
               <a:ext uri="{FF2B5EF4-FFF2-40B4-BE49-F238E27FC236}">
-                <a16:creationId xmlns:a16="http://schemas.microsoft.com/office/drawing/2014/main" id="{A060AB63-8F71-D85F-7C00-885B56A58471}"/>
+                <a16:creationId xmlns:a16="http://schemas.microsoft.com/office/drawing/2014/main" id="{8EFD7286-3393-3C62-A5FF-FF99E7A0FA48}"/>
               </a:ext>
             </a:extLst>
           </p:cNvPr>
@@ -5305,7 +5418,7 @@
     </p:spTree>
     <p:extLst>
       <p:ext uri="{BB962C8B-B14F-4D97-AF65-F5344CB8AC3E}">
-        <p14:creationId xmlns:p14="http://schemas.microsoft.com/office/powerpoint/2010/main" val="483659036"/>
+        <p14:creationId xmlns:p14="http://schemas.microsoft.com/office/powerpoint/2010/main" val="3720112430"/>
       </p:ext>
     </p:extLst>
   </p:cSld>
@@ -6572,7 +6685,13 @@
   <p:cSld>
     <p:spTree>
       <p:nvGrpSpPr>
-        <p:cNvPr id="1" name=""/>
+        <p:cNvPr id="1" name="">
+          <a:extLst>
+            <a:ext uri="{FF2B5EF4-FFF2-40B4-BE49-F238E27FC236}">
+              <a16:creationId xmlns:a16="http://schemas.microsoft.com/office/drawing/2014/main" id="{BCE78E47-FE14-8C81-D294-B8B4361081DB}"/>
+            </a:ext>
+          </a:extLst>
+        </p:cNvPr>
         <p:cNvGrpSpPr/>
         <p:nvPr/>
       </p:nvGrpSpPr>
@@ -6589,7 +6708,7 @@
           <p:cNvPr id="2" name="Title 1">
             <a:extLst>
               <a:ext uri="{FF2B5EF4-FFF2-40B4-BE49-F238E27FC236}">
-                <a16:creationId xmlns:a16="http://schemas.microsoft.com/office/drawing/2014/main" id="{A049C0A6-D903-4501-6D0C-1380C13610BD}"/>
+                <a16:creationId xmlns:a16="http://schemas.microsoft.com/office/drawing/2014/main" id="{E5E15EAF-9EF7-A57D-C7D9-6C6239B35552}"/>
               </a:ext>
             </a:extLst>
           </p:cNvPr>
@@ -6618,7 +6737,7 @@
           <p:cNvPr id="3" name="Content Placeholder 2">
             <a:extLst>
               <a:ext uri="{FF2B5EF4-FFF2-40B4-BE49-F238E27FC236}">
-                <a16:creationId xmlns:a16="http://schemas.microsoft.com/office/drawing/2014/main" id="{D9A5032D-CB7B-71AA-FD84-EA8ADC79C9E7}"/>
+                <a16:creationId xmlns:a16="http://schemas.microsoft.com/office/drawing/2014/main" id="{BB48BDDA-F1AC-9BDD-34C0-09AB256748A7}"/>
               </a:ext>
             </a:extLst>
           </p:cNvPr>
@@ -6629,7 +6748,12 @@
             <p:ph idx="1"/>
           </p:nvPr>
         </p:nvSpPr>
-        <p:spPr/>
+        <p:spPr>
+          <a:xfrm>
+            <a:off x="838200" y="3653992"/>
+            <a:ext cx="10515600" cy="2275320"/>
+          </a:xfrm>
+        </p:spPr>
         <p:txBody>
           <a:bodyPr>
             <a:normAutofit/>
@@ -6641,14 +6765,8 @@
             </a:pPr>
             <a:r>
               <a:rPr lang="en-US" b="1" dirty="0"/>
-              <a:t>Challenges:</a:t>
-            </a:r>
-          </a:p>
-          <a:p>
-            <a:pPr marL="0" indent="0">
-              <a:buNone/>
-            </a:pPr>
-            <a:endParaRPr lang="en-US" b="1" dirty="0"/>
+              <a:t>Future Enhancements:</a:t>
+            </a:r>
           </a:p>
           <a:p>
             <a:pPr>
@@ -6657,7 +6775,7 @@
             </a:pPr>
             <a:r>
               <a:rPr lang="en-US" dirty="0"/>
-              <a:t>Sensor Calibration Issues – Ensuring accuracy.</a:t>
+              <a:t>AI-based Cry Detection – Recognizing baby’s cries.</a:t>
             </a:r>
           </a:p>
           <a:p>
@@ -6667,7 +6785,7 @@
             </a:pPr>
             <a:r>
               <a:rPr lang="en-US" dirty="0"/>
-              <a:t>Power Consumption – Optimizing energy efficiency.</a:t>
+              <a:t>Sleep Pattern Monitoring – Using machine learning.</a:t>
             </a:r>
           </a:p>
           <a:p>
@@ -6677,14 +6795,14 @@
             </a:pPr>
             <a:r>
               <a:rPr lang="en-US" dirty="0"/>
-              <a:t>Network Dependency – Reducing reliance on the internet.</a:t>
+              <a:t>Integration with Smart Home Systems – Google Home/Alexa.</a:t>
             </a:r>
           </a:p>
           <a:p>
             <a:pPr marL="0" indent="0">
               <a:buNone/>
             </a:pPr>
-            <a:endParaRPr lang="en-US" dirty="0"/>
+            <a:endParaRPr lang="en-PK" dirty="0"/>
           </a:p>
         </p:txBody>
       </p:sp>
@@ -6693,7 +6811,7 @@
           <p:cNvPr id="4" name="Rectangle 3">
             <a:extLst>
               <a:ext uri="{FF2B5EF4-FFF2-40B4-BE49-F238E27FC236}">
-                <a16:creationId xmlns:a16="http://schemas.microsoft.com/office/drawing/2014/main" id="{993D134C-7819-88A1-5246-6ED24BEB4C19}"/>
+                <a16:creationId xmlns:a16="http://schemas.microsoft.com/office/drawing/2014/main" id="{C898119E-4C11-EA16-2A7A-CBEAAB99F14F}"/>
               </a:ext>
             </a:extLst>
           </p:cNvPr>
@@ -6743,107 +6861,206 @@
           </a:p>
         </p:txBody>
       </p:sp>
-    </p:spTree>
-    <p:extLst>
-      <p:ext uri="{BB962C8B-B14F-4D97-AF65-F5344CB8AC3E}">
-        <p14:creationId xmlns:p14="http://schemas.microsoft.com/office/powerpoint/2010/main" val="1664287076"/>
-      </p:ext>
-    </p:extLst>
-  </p:cSld>
-  <p:clrMapOvr>
-    <a:masterClrMapping/>
-  </p:clrMapOvr>
-</p:sld>
-</file>
-
-<file path=ppt/slides/slide21.xml><?xml version="1.0" encoding="utf-8"?>
-<p:sld xmlns:a="http://schemas.openxmlformats.org/drawingml/2006/main" xmlns:r="http://schemas.openxmlformats.org/officeDocument/2006/relationships" xmlns:p="http://schemas.openxmlformats.org/presentationml/2006/main">
-  <p:cSld>
-    <p:spTree>
-      <p:nvGrpSpPr>
-        <p:cNvPr id="1" name="">
-          <a:extLst>
-            <a:ext uri="{FF2B5EF4-FFF2-40B4-BE49-F238E27FC236}">
-              <a16:creationId xmlns:a16="http://schemas.microsoft.com/office/drawing/2014/main" id="{BCE78E47-FE14-8C81-D294-B8B4361081DB}"/>
-            </a:ext>
-          </a:extLst>
-        </p:cNvPr>
-        <p:cNvGrpSpPr/>
-        <p:nvPr/>
-      </p:nvGrpSpPr>
-      <p:grpSpPr>
-        <a:xfrm>
-          <a:off x="0" y="0"/>
-          <a:ext cx="0" cy="0"/>
-          <a:chOff x="0" y="0"/>
-          <a:chExt cx="0" cy="0"/>
-        </a:xfrm>
-      </p:grpSpPr>
       <p:sp>
         <p:nvSpPr>
-          <p:cNvPr id="2" name="Title 1">
-            <a:extLst>
-              <a:ext uri="{FF2B5EF4-FFF2-40B4-BE49-F238E27FC236}">
-                <a16:creationId xmlns:a16="http://schemas.microsoft.com/office/drawing/2014/main" id="{E5E15EAF-9EF7-A57D-C7D9-6C6239B35552}"/>
-              </a:ext>
-            </a:extLst>
-          </p:cNvPr>
-          <p:cNvSpPr>
-            <a:spLocks noGrp="1"/>
+          <p:cNvPr id="5" name="Content Placeholder 2">
+            <a:extLst>
+              <a:ext uri="{FF2B5EF4-FFF2-40B4-BE49-F238E27FC236}">
+                <a16:creationId xmlns:a16="http://schemas.microsoft.com/office/drawing/2014/main" id="{FA09B115-EB37-E99B-E70A-C9DE48F2335B}"/>
+              </a:ext>
+            </a:extLst>
+          </p:cNvPr>
+          <p:cNvSpPr txBox="1">
+            <a:spLocks/>
           </p:cNvSpPr>
-          <p:nvPr>
-            <p:ph type="title"/>
-          </p:nvPr>
+          <p:nvPr/>
         </p:nvSpPr>
-        <p:spPr/>
+        <p:spPr>
+          <a:xfrm>
+            <a:off x="838200" y="1825625"/>
+            <a:ext cx="10515600" cy="1693430"/>
+          </a:xfrm>
+          <a:prstGeom prst="rect">
+            <a:avLst/>
+          </a:prstGeom>
+        </p:spPr>
         <p:txBody>
-          <a:bodyPr/>
-          <a:lstStyle/>
-          <a:p>
-            <a:r>
-              <a:rPr lang="en-US" dirty="0"/>
-              <a:t>Challenges &amp; Future Enhancements</a:t>
-            </a:r>
-            <a:endParaRPr lang="en-PK" dirty="0"/>
-          </a:p>
-        </p:txBody>
-      </p:sp>
-      <p:sp>
-        <p:nvSpPr>
-          <p:cNvPr id="3" name="Content Placeholder 2">
-            <a:extLst>
-              <a:ext uri="{FF2B5EF4-FFF2-40B4-BE49-F238E27FC236}">
-                <a16:creationId xmlns:a16="http://schemas.microsoft.com/office/drawing/2014/main" id="{BB48BDDA-F1AC-9BDD-34C0-09AB256748A7}"/>
-              </a:ext>
-            </a:extLst>
-          </p:cNvPr>
-          <p:cNvSpPr>
-            <a:spLocks noGrp="1"/>
-          </p:cNvSpPr>
-          <p:nvPr>
-            <p:ph idx="1"/>
-          </p:nvPr>
-        </p:nvSpPr>
-        <p:spPr/>
-        <p:txBody>
-          <a:bodyPr>
+          <a:bodyPr vert="horz" lIns="91440" tIns="45720" rIns="91440" bIns="45720" rtlCol="0">
             <a:normAutofit/>
           </a:bodyPr>
-          <a:lstStyle/>
+          <a:lstStyle>
+            <a:lvl1pPr marL="228600" indent="-228600" algn="l" defTabSz="914400" rtl="0" eaLnBrk="1" latinLnBrk="0" hangingPunct="1">
+              <a:lnSpc>
+                <a:spcPct val="90000"/>
+              </a:lnSpc>
+              <a:spcBef>
+                <a:spcPts val="1000"/>
+              </a:spcBef>
+              <a:buFont typeface="Arial" panose="020B0604020202020204" pitchFamily="34" charset="0"/>
+              <a:buChar char="•"/>
+              <a:defRPr sz="2800" kern="1200">
+                <a:solidFill>
+                  <a:schemeClr val="tx1"/>
+                </a:solidFill>
+                <a:latin typeface="+mn-lt"/>
+                <a:ea typeface="+mn-ea"/>
+                <a:cs typeface="+mn-cs"/>
+              </a:defRPr>
+            </a:lvl1pPr>
+            <a:lvl2pPr marL="685800" indent="-228600" algn="l" defTabSz="914400" rtl="0" eaLnBrk="1" latinLnBrk="0" hangingPunct="1">
+              <a:lnSpc>
+                <a:spcPct val="90000"/>
+              </a:lnSpc>
+              <a:spcBef>
+                <a:spcPts val="500"/>
+              </a:spcBef>
+              <a:buFont typeface="Arial" panose="020B0604020202020204" pitchFamily="34" charset="0"/>
+              <a:buChar char="•"/>
+              <a:defRPr sz="2400" kern="1200">
+                <a:solidFill>
+                  <a:schemeClr val="tx1"/>
+                </a:solidFill>
+                <a:latin typeface="+mn-lt"/>
+                <a:ea typeface="+mn-ea"/>
+                <a:cs typeface="+mn-cs"/>
+              </a:defRPr>
+            </a:lvl2pPr>
+            <a:lvl3pPr marL="1143000" indent="-228600" algn="l" defTabSz="914400" rtl="0" eaLnBrk="1" latinLnBrk="0" hangingPunct="1">
+              <a:lnSpc>
+                <a:spcPct val="90000"/>
+              </a:lnSpc>
+              <a:spcBef>
+                <a:spcPts val="500"/>
+              </a:spcBef>
+              <a:buFont typeface="Arial" panose="020B0604020202020204" pitchFamily="34" charset="0"/>
+              <a:buChar char="•"/>
+              <a:defRPr sz="2000" kern="1200">
+                <a:solidFill>
+                  <a:schemeClr val="tx1"/>
+                </a:solidFill>
+                <a:latin typeface="+mn-lt"/>
+                <a:ea typeface="+mn-ea"/>
+                <a:cs typeface="+mn-cs"/>
+              </a:defRPr>
+            </a:lvl3pPr>
+            <a:lvl4pPr marL="1600200" indent="-228600" algn="l" defTabSz="914400" rtl="0" eaLnBrk="1" latinLnBrk="0" hangingPunct="1">
+              <a:lnSpc>
+                <a:spcPct val="90000"/>
+              </a:lnSpc>
+              <a:spcBef>
+                <a:spcPts val="500"/>
+              </a:spcBef>
+              <a:buFont typeface="Arial" panose="020B0604020202020204" pitchFamily="34" charset="0"/>
+              <a:buChar char="•"/>
+              <a:defRPr sz="1800" kern="1200">
+                <a:solidFill>
+                  <a:schemeClr val="tx1"/>
+                </a:solidFill>
+                <a:latin typeface="+mn-lt"/>
+                <a:ea typeface="+mn-ea"/>
+                <a:cs typeface="+mn-cs"/>
+              </a:defRPr>
+            </a:lvl4pPr>
+            <a:lvl5pPr marL="2057400" indent="-228600" algn="l" defTabSz="914400" rtl="0" eaLnBrk="1" latinLnBrk="0" hangingPunct="1">
+              <a:lnSpc>
+                <a:spcPct val="90000"/>
+              </a:lnSpc>
+              <a:spcBef>
+                <a:spcPts val="500"/>
+              </a:spcBef>
+              <a:buFont typeface="Arial" panose="020B0604020202020204" pitchFamily="34" charset="0"/>
+              <a:buChar char="•"/>
+              <a:defRPr sz="1800" kern="1200">
+                <a:solidFill>
+                  <a:schemeClr val="tx1"/>
+                </a:solidFill>
+                <a:latin typeface="+mn-lt"/>
+                <a:ea typeface="+mn-ea"/>
+                <a:cs typeface="+mn-cs"/>
+              </a:defRPr>
+            </a:lvl5pPr>
+            <a:lvl6pPr marL="2514600" indent="-228600" algn="l" defTabSz="914400" rtl="0" eaLnBrk="1" latinLnBrk="0" hangingPunct="1">
+              <a:lnSpc>
+                <a:spcPct val="90000"/>
+              </a:lnSpc>
+              <a:spcBef>
+                <a:spcPts val="500"/>
+              </a:spcBef>
+              <a:buFont typeface="Arial" panose="020B0604020202020204" pitchFamily="34" charset="0"/>
+              <a:buChar char="•"/>
+              <a:defRPr sz="1800" kern="1200">
+                <a:solidFill>
+                  <a:schemeClr val="tx1"/>
+                </a:solidFill>
+                <a:latin typeface="+mn-lt"/>
+                <a:ea typeface="+mn-ea"/>
+                <a:cs typeface="+mn-cs"/>
+              </a:defRPr>
+            </a:lvl6pPr>
+            <a:lvl7pPr marL="2971800" indent="-228600" algn="l" defTabSz="914400" rtl="0" eaLnBrk="1" latinLnBrk="0" hangingPunct="1">
+              <a:lnSpc>
+                <a:spcPct val="90000"/>
+              </a:lnSpc>
+              <a:spcBef>
+                <a:spcPts val="500"/>
+              </a:spcBef>
+              <a:buFont typeface="Arial" panose="020B0604020202020204" pitchFamily="34" charset="0"/>
+              <a:buChar char="•"/>
+              <a:defRPr sz="1800" kern="1200">
+                <a:solidFill>
+                  <a:schemeClr val="tx1"/>
+                </a:solidFill>
+                <a:latin typeface="+mn-lt"/>
+                <a:ea typeface="+mn-ea"/>
+                <a:cs typeface="+mn-cs"/>
+              </a:defRPr>
+            </a:lvl7pPr>
+            <a:lvl8pPr marL="3429000" indent="-228600" algn="l" defTabSz="914400" rtl="0" eaLnBrk="1" latinLnBrk="0" hangingPunct="1">
+              <a:lnSpc>
+                <a:spcPct val="90000"/>
+              </a:lnSpc>
+              <a:spcBef>
+                <a:spcPts val="500"/>
+              </a:spcBef>
+              <a:buFont typeface="Arial" panose="020B0604020202020204" pitchFamily="34" charset="0"/>
+              <a:buChar char="•"/>
+              <a:defRPr sz="1800" kern="1200">
+                <a:solidFill>
+                  <a:schemeClr val="tx1"/>
+                </a:solidFill>
+                <a:latin typeface="+mn-lt"/>
+                <a:ea typeface="+mn-ea"/>
+                <a:cs typeface="+mn-cs"/>
+              </a:defRPr>
+            </a:lvl8pPr>
+            <a:lvl9pPr marL="3886200" indent="-228600" algn="l" defTabSz="914400" rtl="0" eaLnBrk="1" latinLnBrk="0" hangingPunct="1">
+              <a:lnSpc>
+                <a:spcPct val="90000"/>
+              </a:lnSpc>
+              <a:spcBef>
+                <a:spcPts val="500"/>
+              </a:spcBef>
+              <a:buFont typeface="Arial" panose="020B0604020202020204" pitchFamily="34" charset="0"/>
+              <a:buChar char="•"/>
+              <a:defRPr sz="1800" kern="1200">
+                <a:solidFill>
+                  <a:schemeClr val="tx1"/>
+                </a:solidFill>
+                <a:latin typeface="+mn-lt"/>
+                <a:ea typeface="+mn-ea"/>
+                <a:cs typeface="+mn-cs"/>
+              </a:defRPr>
+            </a:lvl9pPr>
+          </a:lstStyle>
           <a:p>
             <a:pPr marL="0" indent="0">
+              <a:buFont typeface="Arial" panose="020B0604020202020204" pitchFamily="34" charset="0"/>
               <a:buNone/>
             </a:pPr>
             <a:r>
               <a:rPr lang="en-US" b="1" dirty="0"/>
-              <a:t>Future Enhancements:</a:t>
-            </a:r>
-          </a:p>
-          <a:p>
-            <a:pPr marL="0" indent="0">
-              <a:buNone/>
-            </a:pPr>
-            <a:endParaRPr lang="en-US" b="1" dirty="0"/>
+              <a:t>Challenges:</a:t>
+            </a:r>
           </a:p>
           <a:p>
             <a:pPr>
@@ -6852,7 +7069,7 @@
             </a:pPr>
             <a:r>
               <a:rPr lang="en-US" dirty="0"/>
-              <a:t>AI-based Cry Detection – Recognizing baby’s cries.</a:t>
+              <a:t>Sensor Calibration Issues – Ensuring accuracy.</a:t>
             </a:r>
           </a:p>
           <a:p>
@@ -6862,79 +7079,8 @@
             </a:pPr>
             <a:r>
               <a:rPr lang="en-US" dirty="0"/>
-              <a:t>Sleep Pattern Monitoring – Using machine learning.</a:t>
-            </a:r>
-          </a:p>
-          <a:p>
-            <a:pPr>
-              <a:buFont typeface="Wingdings" panose="05000000000000000000" pitchFamily="2" charset="2"/>
-              <a:buChar char="q"/>
-            </a:pPr>
-            <a:r>
-              <a:rPr lang="en-US" dirty="0"/>
-              <a:t>Integration with Smart Home Systems – Google Home/Alexa.</a:t>
-            </a:r>
-          </a:p>
-          <a:p>
-            <a:pPr marL="0" indent="0">
-              <a:buNone/>
-            </a:pPr>
-            <a:endParaRPr lang="en-PK" dirty="0"/>
-          </a:p>
-        </p:txBody>
-      </p:sp>
-      <p:sp>
-        <p:nvSpPr>
-          <p:cNvPr id="4" name="Rectangle 3">
-            <a:extLst>
-              <a:ext uri="{FF2B5EF4-FFF2-40B4-BE49-F238E27FC236}">
-                <a16:creationId xmlns:a16="http://schemas.microsoft.com/office/drawing/2014/main" id="{C898119E-4C11-EA16-2A7A-CBEAAB99F14F}"/>
-              </a:ext>
-            </a:extLst>
-          </p:cNvPr>
-          <p:cNvSpPr/>
-          <p:nvPr/>
-        </p:nvSpPr>
-        <p:spPr>
-          <a:xfrm>
-            <a:off x="241300" y="203200"/>
-            <a:ext cx="11785600" cy="6451600"/>
-          </a:xfrm>
-          <a:prstGeom prst="rect">
-            <a:avLst/>
-          </a:prstGeom>
-          <a:noFill/>
-          <a:ln w="63500">
-            <a:solidFill>
-              <a:schemeClr val="tx2">
-                <a:lumMod val="75000"/>
-                <a:lumOff val="25000"/>
-              </a:schemeClr>
-            </a:solidFill>
-          </a:ln>
-        </p:spPr>
-        <p:style>
-          <a:lnRef idx="2">
-            <a:schemeClr val="accent1">
-              <a:shade val="15000"/>
-            </a:schemeClr>
-          </a:lnRef>
-          <a:fillRef idx="1">
-            <a:schemeClr val="accent1"/>
-          </a:fillRef>
-          <a:effectRef idx="0">
-            <a:schemeClr val="accent1"/>
-          </a:effectRef>
-          <a:fontRef idx="minor">
-            <a:schemeClr val="lt1"/>
-          </a:fontRef>
-        </p:style>
-        <p:txBody>
-          <a:bodyPr rtlCol="0" anchor="ctr"/>
-          <a:lstStyle/>
-          <a:p>
-            <a:pPr algn="ctr"/>
-            <a:endParaRPr lang="en-PK"/>
+              <a:t>Optimization – optimizing processing &amp; system load.</a:t>
+            </a:r>
           </a:p>
         </p:txBody>
       </p:sp>
@@ -6951,7 +7097,7 @@
 </p:sld>
 </file>
 
-<file path=ppt/slides/slide22.xml><?xml version="1.0" encoding="utf-8"?>
+<file path=ppt/slides/slide21.xml><?xml version="1.0" encoding="utf-8"?>
 <p:sld xmlns:a="http://schemas.openxmlformats.org/drawingml/2006/main" xmlns:r="http://schemas.openxmlformats.org/officeDocument/2006/relationships" xmlns:p="http://schemas.openxmlformats.org/presentationml/2006/main">
   <p:cSld>
     <p:spTree>
@@ -7142,7 +7288,7 @@
 </p:sld>
 </file>
 
-<file path=ppt/slides/slide23.xml><?xml version="1.0" encoding="utf-8"?>
+<file path=ppt/slides/slide22.xml><?xml version="1.0" encoding="utf-8"?>
 <p:sld xmlns:a="http://schemas.openxmlformats.org/drawingml/2006/main" xmlns:r="http://schemas.openxmlformats.org/officeDocument/2006/relationships" xmlns:p="http://schemas.openxmlformats.org/presentationml/2006/main">
   <p:cSld>
     <p:spTree>
@@ -7204,7 +7350,7 @@
             <p:ph idx="1"/>
             <p:extLst>
               <p:ext uri="{D42A27DB-BD31-4B8C-83A1-F6EECF244321}">
-                <p14:modId xmlns:p14="http://schemas.microsoft.com/office/powerpoint/2010/main" val="3765760661"/>
+                <p14:modId xmlns:p14="http://schemas.microsoft.com/office/powerpoint/2010/main" val="1672064422"/>
               </p:ext>
             </p:extLst>
           </p:nvPr>
@@ -7565,7 +7711,7 @@
 </p:sld>
 </file>
 
-<file path=ppt/slides/slide24.xml><?xml version="1.0" encoding="utf-8"?>
+<file path=ppt/slides/slide23.xml><?xml version="1.0" encoding="utf-8"?>
 <p:sld xmlns:a="http://schemas.openxmlformats.org/drawingml/2006/main" xmlns:r="http://schemas.openxmlformats.org/officeDocument/2006/relationships" xmlns:p="http://schemas.openxmlformats.org/presentationml/2006/main">
   <p:cSld>
     <p:spTree>
@@ -7999,7 +8145,7 @@
 </p:sld>
 </file>
 
-<file path=ppt/slides/slide25.xml><?xml version="1.0" encoding="utf-8"?>
+<file path=ppt/slides/slide24.xml><?xml version="1.0" encoding="utf-8"?>
 <p:sld xmlns:a="http://schemas.openxmlformats.org/drawingml/2006/main" xmlns:r="http://schemas.openxmlformats.org/officeDocument/2006/relationships" xmlns:p="http://schemas.openxmlformats.org/presentationml/2006/main">
   <p:cSld>
     <p:spTree>
@@ -8193,7 +8339,7 @@
 </p:sld>
 </file>
 
-<file path=ppt/slides/slide26.xml><?xml version="1.0" encoding="utf-8"?>
+<file path=ppt/slides/slide25.xml><?xml version="1.0" encoding="utf-8"?>
 <p:sld xmlns:a="http://schemas.openxmlformats.org/drawingml/2006/main" xmlns:r="http://schemas.openxmlformats.org/officeDocument/2006/relationships" xmlns:p="http://schemas.openxmlformats.org/presentationml/2006/main">
   <p:cSld>
     <p:spTree>
@@ -8752,7 +8898,7 @@
 </p:sld>
 </file>
 
-<file path=ppt/slides/slide27.xml><?xml version="1.0" encoding="utf-8"?>
+<file path=ppt/slides/slide26.xml><?xml version="1.0" encoding="utf-8"?>
 <p:sld xmlns:a="http://schemas.openxmlformats.org/drawingml/2006/main" xmlns:r="http://schemas.openxmlformats.org/officeDocument/2006/relationships" xmlns:p="http://schemas.openxmlformats.org/presentationml/2006/main">
   <p:cSld>
     <p:spTree>
@@ -8816,28 +8962,66 @@
         </p:nvSpPr>
         <p:spPr/>
         <p:txBody>
-          <a:bodyPr/>
+          <a:bodyPr>
+            <a:normAutofit/>
+          </a:bodyPr>
           <a:lstStyle/>
           <a:p>
-            <a:pPr marL="0" indent="0">
-              <a:buNone/>
-            </a:pPr>
-            <a:r>
-              <a:rPr lang="en-US" dirty="0"/>
-              <a:t>Git Hub Link</a:t>
-            </a:r>
-          </a:p>
-          <a:p>
-            <a:pPr lvl="1">
+            <a:pPr>
               <a:buFont typeface="Wingdings" panose="05000000000000000000" pitchFamily="2" charset="2"/>
               <a:buChar char="q"/>
             </a:pPr>
             <a:r>
+              <a:rPr lang="en-US" dirty="0"/>
+              <a:t>GitHub Repository: </a:t>
+            </a:r>
+            <a:r>
               <a:rPr lang="en-US" dirty="0">
                 <a:hlinkClick r:id="rId2"/>
               </a:rPr>
-              <a:t> https://github.com/fasih124/FYP_203</a:t>
-            </a:r>
+              <a:t>https://github.com/fasih124/FYP_203</a:t>
+            </a:r>
+            <a:endParaRPr lang="en-US" dirty="0"/>
+          </a:p>
+          <a:p>
+            <a:pPr>
+              <a:buFont typeface="Wingdings" panose="05000000000000000000" pitchFamily="2" charset="2"/>
+              <a:buChar char="q"/>
+            </a:pPr>
+            <a:r>
+              <a:rPr lang="en-US" dirty="0"/>
+              <a:t>Centers for Disease Control and Prevention. (2023). Depression Among Women. </a:t>
+            </a:r>
+            <a:r>
+              <a:rPr lang="en-US" dirty="0">
+                <a:hlinkClick r:id="rId3"/>
+              </a:rPr>
+              <a:t>www.nichd.nih.gov/ncmhep/initiatives/moms-mental-health-matters/moms</a:t>
+            </a:r>
+            <a:endParaRPr lang="en-US" dirty="0"/>
+          </a:p>
+          <a:p>
+            <a:pPr>
+              <a:buFont typeface="Wingdings" panose="05000000000000000000" pitchFamily="2" charset="2"/>
+              <a:buChar char="q"/>
+            </a:pPr>
+            <a:r>
+              <a:rPr lang="en-US" dirty="0"/>
+              <a:t>World Health Organization. (2023).Newborn health: </a:t>
+            </a:r>
+            <a:r>
+              <a:rPr lang="en-US" dirty="0">
+                <a:hlinkClick r:id="rId4"/>
+              </a:rPr>
+              <a:t>https://www.who.int/health-topics/newborn-health/#tab=tab_1</a:t>
+            </a:r>
+            <a:endParaRPr lang="en-US" dirty="0"/>
+          </a:p>
+          <a:p>
+            <a:pPr>
+              <a:buFont typeface="Wingdings" panose="05000000000000000000" pitchFamily="2" charset="2"/>
+              <a:buChar char="q"/>
+            </a:pPr>
             <a:endParaRPr lang="en-US" dirty="0"/>
           </a:p>
         </p:txBody>
@@ -8910,7 +9094,7 @@
 </p:sld>
 </file>
 
-<file path=ppt/slides/slide28.xml><?xml version="1.0" encoding="utf-8"?>
+<file path=ppt/slides/slide27.xml><?xml version="1.0" encoding="utf-8"?>
 <p:sld xmlns:a="http://schemas.openxmlformats.org/drawingml/2006/main" xmlns:r="http://schemas.openxmlformats.org/officeDocument/2006/relationships" xmlns:p="http://schemas.openxmlformats.org/presentationml/2006/main">
   <p:cSld>
     <p:bg>
@@ -9933,6 +10117,21 @@
           </a:bodyPr>
           <a:lstStyle/>
           <a:p>
+            <a:pPr marL="0" indent="0">
+              <a:buNone/>
+            </a:pPr>
+            <a:r>
+              <a:rPr lang="en-US" dirty="0"/>
+              <a:t>Parents face difficulty in continuously supervising their newborns, leading to stress, reduced productivity, and potential health and safety risks for both parent and child.</a:t>
+            </a:r>
+          </a:p>
+          <a:p>
+            <a:pPr marL="0" indent="0">
+              <a:buNone/>
+            </a:pPr>
+            <a:endParaRPr lang="en-US" dirty="0"/>
+          </a:p>
+          <a:p>
             <a:pPr>
               <a:buFont typeface="Wingdings" panose="05000000000000000000" pitchFamily="2" charset="2"/>
               <a:buChar char="q"/>
@@ -9976,24 +10175,6 @@
             <a:r>
               <a:rPr lang="en-US" u="sng" dirty="0"/>
               <a:t>multiple monitoring features</a:t>
-            </a:r>
-            <a:r>
-              <a:rPr lang="en-US" dirty="0"/>
-              <a:t>.</a:t>
-            </a:r>
-          </a:p>
-          <a:p>
-            <a:pPr>
-              <a:buFont typeface="Wingdings" panose="05000000000000000000" pitchFamily="2" charset="2"/>
-              <a:buChar char="q"/>
-            </a:pPr>
-            <a:r>
-              <a:rPr lang="en-US" dirty="0"/>
-              <a:t>High parental stress due to </a:t>
-            </a:r>
-            <a:r>
-              <a:rPr lang="en-US" u="sng" dirty="0"/>
-              <a:t>lack of automated Notification</a:t>
             </a:r>
             <a:r>
               <a:rPr lang="en-US" dirty="0"/>
@@ -13337,7 +13518,12 @@
             <p:ph idx="1"/>
           </p:nvPr>
         </p:nvSpPr>
-        <p:spPr/>
+        <p:spPr>
+          <a:xfrm>
+            <a:off x="876300" y="2141537"/>
+            <a:ext cx="10515600" cy="3500506"/>
+          </a:xfrm>
+        </p:spPr>
         <p:txBody>
           <a:bodyPr>
             <a:normAutofit/>

--- a/Requirement/specification/CareNest.pptx
+++ b/Requirement/specification/CareNest.pptx
@@ -223,7 +223,7 @@
           <a:p>
             <a:fld id="{D9FB863F-6DA7-4E2C-9AF4-A1919C443414}" type="datetimeFigureOut">
               <a:rPr lang="en-PK" smtClean="0"/>
-              <a:t>07/13/2025</a:t>
+              <a:t>07/15/2025</a:t>
             </a:fld>
             <a:endParaRPr lang="en-PK"/>
           </a:p>
@@ -916,7 +916,7 @@
           <a:p>
             <a:fld id="{FDD5305B-B2D0-43AA-9C84-A120827CAE0A}" type="datetimeFigureOut">
               <a:rPr lang="en-PK" smtClean="0"/>
-              <a:t>07/13/2025</a:t>
+              <a:t>07/15/2025</a:t>
             </a:fld>
             <a:endParaRPr lang="en-PK"/>
           </a:p>
@@ -1116,7 +1116,7 @@
           <a:p>
             <a:fld id="{FDD5305B-B2D0-43AA-9C84-A120827CAE0A}" type="datetimeFigureOut">
               <a:rPr lang="en-PK" smtClean="0"/>
-              <a:t>07/13/2025</a:t>
+              <a:t>07/15/2025</a:t>
             </a:fld>
             <a:endParaRPr lang="en-PK"/>
           </a:p>
@@ -1326,7 +1326,7 @@
           <a:p>
             <a:fld id="{FDD5305B-B2D0-43AA-9C84-A120827CAE0A}" type="datetimeFigureOut">
               <a:rPr lang="en-PK" smtClean="0"/>
-              <a:t>07/13/2025</a:t>
+              <a:t>07/15/2025</a:t>
             </a:fld>
             <a:endParaRPr lang="en-PK"/>
           </a:p>
@@ -1526,7 +1526,7 @@
           <a:p>
             <a:fld id="{FDD5305B-B2D0-43AA-9C84-A120827CAE0A}" type="datetimeFigureOut">
               <a:rPr lang="en-PK" smtClean="0"/>
-              <a:t>07/13/2025</a:t>
+              <a:t>07/15/2025</a:t>
             </a:fld>
             <a:endParaRPr lang="en-PK"/>
           </a:p>
@@ -1802,7 +1802,7 @@
           <a:p>
             <a:fld id="{FDD5305B-B2D0-43AA-9C84-A120827CAE0A}" type="datetimeFigureOut">
               <a:rPr lang="en-PK" smtClean="0"/>
-              <a:t>07/13/2025</a:t>
+              <a:t>07/15/2025</a:t>
             </a:fld>
             <a:endParaRPr lang="en-PK"/>
           </a:p>
@@ -2070,7 +2070,7 @@
           <a:p>
             <a:fld id="{FDD5305B-B2D0-43AA-9C84-A120827CAE0A}" type="datetimeFigureOut">
               <a:rPr lang="en-PK" smtClean="0"/>
-              <a:t>07/13/2025</a:t>
+              <a:t>07/15/2025</a:t>
             </a:fld>
             <a:endParaRPr lang="en-PK"/>
           </a:p>
@@ -2485,7 +2485,7 @@
           <a:p>
             <a:fld id="{FDD5305B-B2D0-43AA-9C84-A120827CAE0A}" type="datetimeFigureOut">
               <a:rPr lang="en-PK" smtClean="0"/>
-              <a:t>07/13/2025</a:t>
+              <a:t>07/15/2025</a:t>
             </a:fld>
             <a:endParaRPr lang="en-PK"/>
           </a:p>
@@ -2627,7 +2627,7 @@
           <a:p>
             <a:fld id="{FDD5305B-B2D0-43AA-9C84-A120827CAE0A}" type="datetimeFigureOut">
               <a:rPr lang="en-PK" smtClean="0"/>
-              <a:t>07/13/2025</a:t>
+              <a:t>07/15/2025</a:t>
             </a:fld>
             <a:endParaRPr lang="en-PK"/>
           </a:p>
@@ -2740,7 +2740,7 @@
           <a:p>
             <a:fld id="{FDD5305B-B2D0-43AA-9C84-A120827CAE0A}" type="datetimeFigureOut">
               <a:rPr lang="en-PK" smtClean="0"/>
-              <a:t>07/13/2025</a:t>
+              <a:t>07/15/2025</a:t>
             </a:fld>
             <a:endParaRPr lang="en-PK"/>
           </a:p>
@@ -3053,7 +3053,7 @@
           <a:p>
             <a:fld id="{FDD5305B-B2D0-43AA-9C84-A120827CAE0A}" type="datetimeFigureOut">
               <a:rPr lang="en-PK" smtClean="0"/>
-              <a:t>07/13/2025</a:t>
+              <a:t>07/15/2025</a:t>
             </a:fld>
             <a:endParaRPr lang="en-PK"/>
           </a:p>
@@ -3342,7 +3342,7 @@
           <a:p>
             <a:fld id="{FDD5305B-B2D0-43AA-9C84-A120827CAE0A}" type="datetimeFigureOut">
               <a:rPr lang="en-PK" smtClean="0"/>
-              <a:t>07/13/2025</a:t>
+              <a:t>07/15/2025</a:t>
             </a:fld>
             <a:endParaRPr lang="en-PK"/>
           </a:p>
@@ -3585,7 +3585,7 @@
           <a:p>
             <a:fld id="{FDD5305B-B2D0-43AA-9C84-A120827CAE0A}" type="datetimeFigureOut">
               <a:rPr lang="en-PK" smtClean="0"/>
-              <a:t>07/13/2025</a:t>
+              <a:t>07/15/2025</a:t>
             </a:fld>
             <a:endParaRPr lang="en-PK"/>
           </a:p>
@@ -7350,7 +7350,7 @@
             <p:ph idx="1"/>
             <p:extLst>
               <p:ext uri="{D42A27DB-BD31-4B8C-83A1-F6EECF244321}">
-                <p14:modId xmlns:p14="http://schemas.microsoft.com/office/powerpoint/2010/main" val="1672064422"/>
+                <p14:modId xmlns:p14="http://schemas.microsoft.com/office/powerpoint/2010/main" val="4066249696"/>
               </p:ext>
             </p:extLst>
           </p:nvPr>
@@ -7464,7 +7464,7 @@
                       <a:pPr algn="ctr"/>
                       <a:r>
                         <a:rPr lang="en-US" dirty="0"/>
-                        <a:t>Sensors</a:t>
+                        <a:t>Peripheral Sensors</a:t>
                       </a:r>
                       <a:endParaRPr lang="en-PK" dirty="0"/>
                     </a:p>
@@ -7479,7 +7479,7 @@
                       <a:pPr algn="ctr"/>
                       <a:r>
                         <a:rPr lang="en-US" dirty="0"/>
-                        <a:t>Rs 1500</a:t>
+                        <a:t>Rs 5000</a:t>
                       </a:r>
                       <a:endParaRPr lang="en-PK" dirty="0"/>
                     </a:p>
@@ -7626,7 +7626,7 @@
                       <a:pPr algn="ctr"/>
                       <a:r>
                         <a:rPr lang="en-US" b="1" dirty="0"/>
-                        <a:t>RS 5500</a:t>
+                        <a:t>RS 9500</a:t>
                       </a:r>
                       <a:endParaRPr lang="en-PK" b="1" dirty="0"/>
                     </a:p>
@@ -10147,20 +10147,6 @@
             <a:r>
               <a:rPr lang="en-US" dirty="0"/>
               <a:t>their baby.</a:t>
-            </a:r>
-          </a:p>
-          <a:p>
-            <a:pPr>
-              <a:buFont typeface="Wingdings" panose="05000000000000000000" pitchFamily="2" charset="2"/>
-              <a:buChar char="q"/>
-            </a:pPr>
-            <a:r>
-              <a:rPr lang="en-US" u="sng" dirty="0"/>
-              <a:t>Health risks</a:t>
-            </a:r>
-            <a:r>
-              <a:rPr lang="en-US" dirty="0"/>
-              <a:t>: overheating, air quality, diaper rash, loud noise.</a:t>
             </a:r>
           </a:p>
           <a:p>
